--- a/CV/CV_KK.pptx
+++ b/CV/CV_KK.pptx
@@ -3097,14 +3097,59 @@
       </p:grpSpPr>
       <p:sp>
         <p:nvSpPr>
+          <p:cNvPr id="52" name="Rectangle 51"/>
+          <p:cNvSpPr/>
+          <p:nvPr/>
+        </p:nvSpPr>
+        <p:spPr>
+          <a:xfrm rot="16200000">
+            <a:off x="4430743" y="5221594"/>
+            <a:ext cx="365335" cy="190554"/>
+          </a:xfrm>
+          <a:prstGeom prst="rect">
+            <a:avLst/>
+          </a:prstGeom>
+          <a:solidFill>
+            <a:srgbClr val="008000"/>
+          </a:solidFill>
+          <a:ln>
+            <a:noFill/>
+          </a:ln>
+          <a:effectLst/>
+        </p:spPr>
+        <p:style>
+          <a:lnRef idx="1">
+            <a:schemeClr val="accent1"/>
+          </a:lnRef>
+          <a:fillRef idx="3">
+            <a:schemeClr val="accent1"/>
+          </a:fillRef>
+          <a:effectRef idx="2">
+            <a:schemeClr val="accent1"/>
+          </a:effectRef>
+          <a:fontRef idx="minor">
+            <a:schemeClr val="lt1"/>
+          </a:fontRef>
+        </p:style>
+        <p:txBody>
+          <a:bodyPr rtlCol="0" anchor="ctr"/>
+          <a:lstStyle/>
+          <a:p>
+            <a:pPr algn="ctr"/>
+            <a:endParaRPr lang="en-US"/>
+          </a:p>
+        </p:txBody>
+      </p:sp>
+      <p:sp>
+        <p:nvSpPr>
           <p:cNvPr id="46" name="Rectangle 45"/>
           <p:cNvSpPr/>
           <p:nvPr/>
         </p:nvSpPr>
         <p:spPr>
-          <a:xfrm rot="2823066">
-            <a:off x="2599912" y="2269048"/>
-            <a:ext cx="306976" cy="154876"/>
+          <a:xfrm rot="2823027">
+            <a:off x="2628096" y="2471248"/>
+            <a:ext cx="306976" cy="161149"/>
           </a:xfrm>
           <a:prstGeom prst="rect">
             <a:avLst/>
@@ -3148,7 +3193,7 @@
         </p:nvSpPr>
         <p:spPr>
           <a:xfrm rot="19567318">
-            <a:off x="2355909" y="3587862"/>
+            <a:off x="2508309" y="3557382"/>
             <a:ext cx="306976" cy="154876"/>
           </a:xfrm>
           <a:prstGeom prst="rect">
@@ -3192,8 +3237,8 @@
           <p:nvPr/>
         </p:nvSpPr>
         <p:spPr>
-          <a:xfrm rot="13025595">
-            <a:off x="3657781" y="3693648"/>
+          <a:xfrm rot="12922990">
+            <a:off x="3637461" y="3703808"/>
             <a:ext cx="365335" cy="190554"/>
           </a:xfrm>
           <a:prstGeom prst="rect">
@@ -3238,7 +3283,7 @@
         </p:nvSpPr>
         <p:spPr>
           <a:xfrm rot="2285649">
-            <a:off x="6572431" y="3459968"/>
+            <a:off x="6369231" y="3561568"/>
             <a:ext cx="306976" cy="154876"/>
           </a:xfrm>
           <a:prstGeom prst="rect">
@@ -3283,7 +3328,7 @@
         </p:nvSpPr>
         <p:spPr>
           <a:xfrm rot="16200000">
-            <a:off x="5844753" y="2175623"/>
+            <a:off x="5793953" y="2307703"/>
             <a:ext cx="306976" cy="154876"/>
           </a:xfrm>
           <a:prstGeom prst="rect">
@@ -3328,7 +3373,7 @@
         </p:nvSpPr>
         <p:spPr>
           <a:xfrm rot="19468918">
-            <a:off x="5200625" y="3691152"/>
+            <a:off x="5163181" y="3585960"/>
             <a:ext cx="365335" cy="190554"/>
           </a:xfrm>
           <a:prstGeom prst="rect">
@@ -3424,8 +3469,8 @@
         </p:nvSpPr>
         <p:spPr>
           <a:xfrm>
-            <a:off x="5130799" y="2293701"/>
-            <a:ext cx="1645920" cy="1615440"/>
+            <a:off x="5124459" y="2410677"/>
+            <a:ext cx="1485060" cy="1454233"/>
           </a:xfrm>
           <a:prstGeom prst="ellipse">
             <a:avLst/>
@@ -3472,7 +3517,7 @@
         </p:nvSpPr>
         <p:spPr>
           <a:xfrm>
-            <a:off x="5303520" y="830997"/>
+            <a:off x="5242560" y="952917"/>
             <a:ext cx="1422399" cy="1346345"/>
           </a:xfrm>
           <a:prstGeom prst="ellipse">
@@ -3523,7 +3568,7 @@
         </p:nvSpPr>
         <p:spPr>
           <a:xfrm>
-            <a:off x="4988560" y="1586389"/>
+            <a:off x="5053339" y="1963614"/>
             <a:ext cx="264159" cy="264246"/>
           </a:xfrm>
           <a:prstGeom prst="ellipse">
@@ -3573,8 +3618,8 @@
           <p:nvPr/>
         </p:nvSpPr>
         <p:spPr>
-          <a:xfrm rot="10800000">
-            <a:off x="5079988" y="1647394"/>
+          <a:xfrm rot="8830819">
+            <a:off x="5144562" y="1956138"/>
             <a:ext cx="314961" cy="129446"/>
           </a:xfrm>
           <a:prstGeom prst="rect">
@@ -3647,7 +3692,15 @@
           <a:p>
             <a:r>
               <a:rPr lang="en-US" sz="1200" dirty="0" smtClean="0"/>
-              <a:t>Jan 07-Dec 07</a:t>
+              <a:t>Jan. 2007</a:t>
+            </a:r>
+            <a:r>
+              <a:rPr lang="en-US" sz="1200" dirty="0" smtClean="0"/>
+              <a:t>-</a:t>
+            </a:r>
+            <a:r>
+              <a:rPr lang="en-US" sz="1200" dirty="0" smtClean="0"/>
+              <a:t>Dec. 2007</a:t>
             </a:r>
             <a:endParaRPr lang="en-US" sz="1200" dirty="0"/>
           </a:p>
@@ -3661,7 +3714,7 @@
         </p:nvSpPr>
         <p:spPr>
           <a:xfrm rot="2004290">
-            <a:off x="5128461" y="870250"/>
+            <a:off x="5120749" y="889959"/>
             <a:ext cx="264159" cy="264246"/>
           </a:xfrm>
           <a:prstGeom prst="ellipse">
@@ -3711,8 +3764,8 @@
           <p:nvPr/>
         </p:nvSpPr>
         <p:spPr>
-          <a:xfrm rot="12804290">
-            <a:off x="5298429" y="1068222"/>
+          <a:xfrm rot="12852227">
+            <a:off x="5201334" y="1036627"/>
             <a:ext cx="314961" cy="129446"/>
           </a:xfrm>
           <a:prstGeom prst="rect">
@@ -3757,8 +3810,8 @@
         </p:nvSpPr>
         <p:spPr>
           <a:xfrm>
-            <a:off x="6492252" y="0"/>
-            <a:ext cx="2651748" cy="830997"/>
+            <a:off x="6354149" y="0"/>
+            <a:ext cx="2789852" cy="830997"/>
           </a:xfrm>
           <a:prstGeom prst="rect">
             <a:avLst/>
@@ -3795,7 +3848,31 @@
           <a:p>
             <a:r>
               <a:rPr lang="en-US" sz="1200" dirty="0" smtClean="0"/>
-              <a:t>Jan 08-Aug 10/Sep 10-Mar 11</a:t>
+              <a:t>Jan. 2008</a:t>
+            </a:r>
+            <a:r>
+              <a:rPr lang="en-US" sz="1200" dirty="0" smtClean="0"/>
+              <a:t>-</a:t>
+            </a:r>
+            <a:r>
+              <a:rPr lang="en-US" sz="1200" dirty="0" smtClean="0"/>
+              <a:t>Aug. 2010</a:t>
+            </a:r>
+            <a:r>
+              <a:rPr lang="en-US" sz="1200" dirty="0" smtClean="0"/>
+              <a:t>/</a:t>
+            </a:r>
+            <a:r>
+              <a:rPr lang="en-US" sz="1200" dirty="0" smtClean="0"/>
+              <a:t>Sep. 2010</a:t>
+            </a:r>
+            <a:r>
+              <a:rPr lang="en-US" sz="1200" dirty="0" smtClean="0"/>
+              <a:t>-</a:t>
+            </a:r>
+            <a:r>
+              <a:rPr lang="en-US" sz="1200" dirty="0" smtClean="0"/>
+              <a:t>Mar. 2011</a:t>
             </a:r>
             <a:endParaRPr lang="en-US" sz="1200" dirty="0"/>
           </a:p>
@@ -3809,7 +3886,7 @@
         </p:nvSpPr>
         <p:spPr>
           <a:xfrm rot="8464517">
-            <a:off x="6572499" y="816337"/>
+            <a:off x="6387892" y="802126"/>
             <a:ext cx="264159" cy="264246"/>
           </a:xfrm>
           <a:prstGeom prst="ellipse">
@@ -3860,7 +3937,7 @@
         </p:nvSpPr>
         <p:spPr>
           <a:xfrm rot="19205243">
-            <a:off x="6397006" y="1010462"/>
+            <a:off x="6223378" y="989733"/>
             <a:ext cx="314961" cy="129448"/>
           </a:xfrm>
           <a:prstGeom prst="rect">
@@ -3936,7 +4013,15 @@
             <a:pPr algn="r"/>
             <a:r>
               <a:rPr lang="en-US" sz="1200" dirty="0" smtClean="0"/>
-              <a:t>Apr 11-Oct 13</a:t>
+              <a:t>Apr. 2011</a:t>
+            </a:r>
+            <a:r>
+              <a:rPr lang="en-US" sz="1200" dirty="0" smtClean="0"/>
+              <a:t>-</a:t>
+            </a:r>
+            <a:r>
+              <a:rPr lang="en-US" sz="1200" dirty="0" smtClean="0"/>
+              <a:t>Oct. 2013</a:t>
             </a:r>
             <a:endParaRPr lang="en-US" sz="1200" dirty="0"/>
           </a:p>
@@ -3950,7 +4035,7 @@
         </p:nvSpPr>
         <p:spPr>
           <a:xfrm rot="6233232">
-            <a:off x="6784281" y="1578902"/>
+            <a:off x="6723321" y="1578902"/>
             <a:ext cx="264159" cy="264246"/>
           </a:xfrm>
           <a:prstGeom prst="ellipse">
@@ -4046,7 +4131,7 @@
         </p:nvSpPr>
         <p:spPr>
           <a:xfrm>
-            <a:off x="3434080" y="1381876"/>
+            <a:off x="3489936" y="1923354"/>
             <a:ext cx="1554480" cy="646331"/>
           </a:xfrm>
           <a:prstGeom prst="rect">
@@ -4081,7 +4166,11 @@
             <a:pPr algn="r"/>
             <a:r>
               <a:rPr lang="en-US" sz="1200" dirty="0" smtClean="0"/>
-              <a:t>Nov 13-Present</a:t>
+              <a:t>Nov. 2013</a:t>
+            </a:r>
+            <a:r>
+              <a:rPr lang="en-US" sz="1200" dirty="0" smtClean="0"/>
+              <a:t>-Present</a:t>
             </a:r>
             <a:endParaRPr lang="en-US" sz="1200" dirty="0"/>
           </a:p>
@@ -4095,8 +4184,8 @@
         </p:nvSpPr>
         <p:spPr>
           <a:xfrm>
-            <a:off x="6615859" y="3286742"/>
-            <a:ext cx="1256530" cy="1116777"/>
+            <a:off x="6412659" y="3388342"/>
+            <a:ext cx="1116619" cy="1134861"/>
           </a:xfrm>
           <a:prstGeom prst="ellipse">
             <a:avLst/>
@@ -4146,7 +4235,7 @@
         </p:nvSpPr>
         <p:spPr>
           <a:xfrm rot="5623617">
-            <a:off x="6944173" y="4429869"/>
+            <a:off x="6337011" y="4415712"/>
             <a:ext cx="264159" cy="264246"/>
           </a:xfrm>
           <a:prstGeom prst="ellipse">
@@ -4197,7 +4286,7 @@
         </p:nvSpPr>
         <p:spPr>
           <a:xfrm rot="7627907">
-            <a:off x="7129308" y="2910516"/>
+            <a:off x="6791401" y="3071162"/>
             <a:ext cx="264159" cy="264246"/>
           </a:xfrm>
           <a:prstGeom prst="ellipse">
@@ -4248,7 +4337,7 @@
         </p:nvSpPr>
         <p:spPr>
           <a:xfrm rot="16030270">
-            <a:off x="7107029" y="3133057"/>
+            <a:off x="6772678" y="3308487"/>
             <a:ext cx="314961" cy="129446"/>
           </a:xfrm>
           <a:prstGeom prst="rect">
@@ -4293,7 +4382,7 @@
         </p:nvSpPr>
         <p:spPr>
           <a:xfrm rot="14088134">
-            <a:off x="7950602" y="3592930"/>
+            <a:off x="7525793" y="3526817"/>
             <a:ext cx="264159" cy="264246"/>
           </a:xfrm>
           <a:prstGeom prst="ellipse">
@@ -4343,8 +4432,8 @@
           <p:nvPr/>
         </p:nvSpPr>
         <p:spPr>
-          <a:xfrm rot="10800000">
-            <a:off x="7741101" y="3667817"/>
+          <a:xfrm rot="8380818">
+            <a:off x="7341317" y="3715983"/>
             <a:ext cx="314961" cy="129448"/>
           </a:xfrm>
           <a:prstGeom prst="rect">
@@ -4389,7 +4478,7 @@
         </p:nvSpPr>
         <p:spPr>
           <a:xfrm rot="11856849">
-            <a:off x="7760605" y="4245205"/>
+            <a:off x="7324006" y="4422440"/>
             <a:ext cx="264159" cy="264246"/>
           </a:xfrm>
           <a:prstGeom prst="ellipse">
@@ -4439,8 +4528,8 @@
           <p:nvPr/>
         </p:nvSpPr>
         <p:spPr>
-          <a:xfrm rot="13213874">
-            <a:off x="7552878" y="4161481"/>
+          <a:xfrm rot="14307347">
+            <a:off x="7219387" y="4362410"/>
             <a:ext cx="314961" cy="129446"/>
           </a:xfrm>
           <a:prstGeom prst="rect">
@@ -4485,8 +4574,8 @@
         </p:nvSpPr>
         <p:spPr>
           <a:xfrm>
-            <a:off x="2397698" y="2293701"/>
-            <a:ext cx="1645920" cy="1615440"/>
+            <a:off x="2509458" y="2466421"/>
+            <a:ext cx="1505311" cy="1473084"/>
           </a:xfrm>
           <a:prstGeom prst="ellipse">
             <a:avLst/>
@@ -4527,58 +4616,13 @@
       </p:sp>
       <p:sp>
         <p:nvSpPr>
-          <p:cNvPr id="33" name="Rectangle 32"/>
-          <p:cNvSpPr/>
-          <p:nvPr/>
-        </p:nvSpPr>
-        <p:spPr>
-          <a:xfrm rot="16038486">
-            <a:off x="6918842" y="4321828"/>
-            <a:ext cx="314961" cy="129446"/>
-          </a:xfrm>
-          <a:prstGeom prst="rect">
-            <a:avLst/>
-          </a:prstGeom>
-          <a:solidFill>
-            <a:srgbClr val="FF6600"/>
-          </a:solidFill>
-          <a:ln>
-            <a:noFill/>
-          </a:ln>
-          <a:effectLst/>
-        </p:spPr>
-        <p:style>
-          <a:lnRef idx="1">
-            <a:schemeClr val="accent1"/>
-          </a:lnRef>
-          <a:fillRef idx="3">
-            <a:schemeClr val="accent1"/>
-          </a:fillRef>
-          <a:effectRef idx="2">
-            <a:schemeClr val="accent1"/>
-          </a:effectRef>
-          <a:fontRef idx="minor">
-            <a:schemeClr val="lt1"/>
-          </a:fontRef>
-        </p:style>
-        <p:txBody>
-          <a:bodyPr rtlCol="0" anchor="ctr"/>
-          <a:lstStyle/>
-          <a:p>
-            <a:pPr algn="ctr"/>
-            <a:endParaRPr lang="en-US"/>
-          </a:p>
-        </p:txBody>
-      </p:sp>
-      <p:sp>
-        <p:nvSpPr>
           <p:cNvPr id="34" name="TextBox 33"/>
           <p:cNvSpPr txBox="1"/>
           <p:nvPr/>
         </p:nvSpPr>
         <p:spPr>
           <a:xfrm>
-            <a:off x="5832049" y="4684540"/>
+            <a:off x="5309308" y="4768893"/>
             <a:ext cx="1769514" cy="830997"/>
           </a:xfrm>
           <a:prstGeom prst="rect">
@@ -4620,7 +4664,7 @@
             <a:pPr algn="r"/>
             <a:r>
               <a:rPr lang="en-US" sz="1200" dirty="0" smtClean="0"/>
-              <a:t>Apr 98</a:t>
+              <a:t>Apr. 1998</a:t>
             </a:r>
             <a:endParaRPr lang="en-US" sz="1200" dirty="0"/>
           </a:p>
@@ -4634,7 +4678,7 @@
         </p:nvSpPr>
         <p:spPr>
           <a:xfrm>
-            <a:off x="7474999" y="4473930"/>
+            <a:off x="7108546" y="4768893"/>
             <a:ext cx="1707100" cy="1015663"/>
           </a:xfrm>
           <a:prstGeom prst="rect">
@@ -4680,7 +4724,7 @@
             <a:pPr algn="r"/>
             <a:r>
               <a:rPr lang="en-US" sz="1200" dirty="0" smtClean="0"/>
-              <a:t>Apr 00</a:t>
+              <a:t>Apr. 2000</a:t>
             </a:r>
             <a:endParaRPr lang="en-US" sz="1200" dirty="0"/>
           </a:p>
@@ -4694,7 +4738,7 @@
         </p:nvSpPr>
         <p:spPr>
           <a:xfrm>
-            <a:off x="7474999" y="2862048"/>
+            <a:off x="7327623" y="2935788"/>
             <a:ext cx="1681449" cy="830997"/>
           </a:xfrm>
           <a:prstGeom prst="rect">
@@ -4736,7 +4780,7 @@
             <a:pPr algn="r"/>
             <a:r>
               <a:rPr lang="en-US" sz="1200" dirty="0" smtClean="0"/>
-              <a:t>Apr 02</a:t>
+              <a:t>Apr. 2002</a:t>
             </a:r>
             <a:endParaRPr lang="en-US" sz="1200" dirty="0"/>
           </a:p>
@@ -4750,8 +4794,8 @@
         </p:nvSpPr>
         <p:spPr>
           <a:xfrm>
-            <a:off x="6595539" y="3644936"/>
-            <a:ext cx="1303044" cy="369332"/>
+            <a:off x="6351699" y="3777243"/>
+            <a:ext cx="1249935" cy="338554"/>
           </a:xfrm>
           <a:prstGeom prst="rect">
             <a:avLst/>
@@ -4766,16 +4810,26 @@
           <a:p>
             <a:pPr algn="ctr"/>
             <a:r>
-              <a:rPr lang="en-US" dirty="0" smtClean="0">
+              <a:rPr lang="en-US" sz="1600" b="1" dirty="0">
                 <a:solidFill>
                   <a:schemeClr val="bg1"/>
                 </a:solidFill>
                 <a:latin typeface="Arial"/>
                 <a:cs typeface="Arial"/>
               </a:rPr>
-              <a:t>Education</a:t>
-            </a:r>
-            <a:endParaRPr lang="en-US" dirty="0">
+              <a:t>e</a:t>
+            </a:r>
+            <a:r>
+              <a:rPr lang="en-US" sz="1600" b="1" dirty="0" smtClean="0">
+                <a:solidFill>
+                  <a:schemeClr val="bg1"/>
+                </a:solidFill>
+                <a:latin typeface="Arial"/>
+                <a:cs typeface="Arial"/>
+              </a:rPr>
+              <a:t>ducation</a:t>
+            </a:r>
+            <a:endParaRPr lang="en-US" sz="1600" b="1" dirty="0">
               <a:solidFill>
                 <a:schemeClr val="bg1"/>
               </a:solidFill>
@@ -4793,8 +4847,8 @@
         </p:nvSpPr>
         <p:spPr>
           <a:xfrm>
-            <a:off x="5345849" y="1115190"/>
-            <a:ext cx="1380070" cy="646331"/>
+            <a:off x="5262762" y="1297180"/>
+            <a:ext cx="1412240" cy="584776"/>
           </a:xfrm>
           <a:prstGeom prst="rect">
             <a:avLst/>
@@ -4809,29 +4863,49 @@
           <a:p>
             <a:pPr algn="ctr"/>
             <a:r>
-              <a:rPr lang="en-US" dirty="0" smtClean="0">
+              <a:rPr lang="en-US" sz="1600" b="1" dirty="0">
                 <a:solidFill>
                   <a:schemeClr val="bg1"/>
                 </a:solidFill>
                 <a:latin typeface="Arial"/>
                 <a:cs typeface="Arial"/>
               </a:rPr>
-              <a:t>Work </a:t>
-            </a:r>
-          </a:p>
-          <a:p>
-            <a:pPr algn="ctr"/>
-            <a:r>
-              <a:rPr lang="en-US" dirty="0" smtClean="0">
+              <a:t>w</a:t>
+            </a:r>
+            <a:r>
+              <a:rPr lang="en-US" sz="1600" b="1" dirty="0" smtClean="0">
                 <a:solidFill>
                   <a:schemeClr val="bg1"/>
                 </a:solidFill>
                 <a:latin typeface="Arial"/>
                 <a:cs typeface="Arial"/>
               </a:rPr>
-              <a:t>Experience</a:t>
-            </a:r>
-            <a:endParaRPr lang="en-US" dirty="0">
+              <a:t>ork </a:t>
+            </a:r>
+          </a:p>
+          <a:p>
+            <a:pPr algn="ctr"/>
+            <a:r>
+              <a:rPr lang="en-US" sz="1600" b="1" dirty="0">
+                <a:solidFill>
+                  <a:schemeClr val="bg1"/>
+                </a:solidFill>
+                <a:latin typeface="Arial"/>
+                <a:cs typeface="Arial"/>
+              </a:rPr>
+              <a:t>e</a:t>
+            </a:r>
+            <a:r>
+              <a:rPr lang="en-US" sz="1600" b="1" dirty="0" smtClean="0">
+                <a:solidFill>
+                  <a:schemeClr val="bg1"/>
+                </a:solidFill>
+                <a:latin typeface="Arial"/>
+                <a:cs typeface="Arial"/>
+              </a:rPr>
+              <a:t>xperience</a:t>
+            </a:r>
+            <a:endParaRPr lang="en-US" sz="1600" b="1" dirty="0">
               <a:solidFill>
                 <a:schemeClr val="bg1"/>
               </a:solidFill>
@@ -4849,8 +4923,8 @@
         </p:nvSpPr>
         <p:spPr>
           <a:xfrm>
-            <a:off x="5057219" y="2630865"/>
-            <a:ext cx="1759547" cy="830997"/>
+            <a:off x="5079988" y="2747841"/>
+            <a:ext cx="1564534" cy="707886"/>
           </a:xfrm>
           <a:prstGeom prst="rect">
             <a:avLst/>
@@ -4865,16 +4939,26 @@
           <a:p>
             <a:pPr algn="ctr"/>
             <a:r>
-              <a:rPr lang="en-US" sz="2400" dirty="0" smtClean="0">
+              <a:rPr lang="en-US" sz="2000" b="1" dirty="0">
                 <a:solidFill>
                   <a:schemeClr val="bg1"/>
                 </a:solidFill>
                 <a:latin typeface="Arial"/>
                 <a:cs typeface="Arial"/>
               </a:rPr>
-              <a:t>Acquired credentials</a:t>
-            </a:r>
-            <a:endParaRPr lang="en-US" sz="2400" dirty="0">
+              <a:t>a</a:t>
+            </a:r>
+            <a:r>
+              <a:rPr lang="en-US" sz="2000" b="1" dirty="0" smtClean="0">
+                <a:solidFill>
+                  <a:schemeClr val="bg1"/>
+                </a:solidFill>
+                <a:latin typeface="Arial"/>
+                <a:cs typeface="Arial"/>
+              </a:rPr>
+              <a:t>cquired credentials</a:t>
+            </a:r>
+            <a:endParaRPr lang="en-US" sz="2000" b="1" dirty="0">
               <a:solidFill>
                 <a:schemeClr val="bg1"/>
               </a:solidFill>
@@ -4892,8 +4976,8 @@
         </p:nvSpPr>
         <p:spPr>
           <a:xfrm>
-            <a:off x="3691136" y="3864910"/>
-            <a:ext cx="1795253" cy="1077218"/>
+            <a:off x="3605967" y="3916694"/>
+            <a:ext cx="1996721" cy="954107"/>
           </a:xfrm>
           <a:prstGeom prst="rect">
             <a:avLst/>
@@ -4908,7 +4992,7 @@
           <a:p>
             <a:pPr algn="ctr"/>
             <a:r>
-              <a:rPr lang="en-US" sz="3200" dirty="0" smtClean="0">
+              <a:rPr lang="en-US" sz="2800" b="1" dirty="0" smtClean="0">
                 <a:solidFill>
                   <a:schemeClr val="bg1"/>
                 </a:solidFill>
@@ -4921,7 +5005,7 @@
           <a:p>
             <a:pPr algn="ctr"/>
             <a:r>
-              <a:rPr lang="en-US" sz="3200" dirty="0" smtClean="0">
+              <a:rPr lang="en-US" sz="2800" b="1" dirty="0" smtClean="0">
                 <a:solidFill>
                   <a:schemeClr val="bg1"/>
                 </a:solidFill>
@@ -4941,7 +5025,7 @@
         </p:nvSpPr>
         <p:spPr>
           <a:xfrm>
-            <a:off x="6747939" y="2089413"/>
+            <a:off x="6554357" y="2193204"/>
             <a:ext cx="2034289" cy="830997"/>
           </a:xfrm>
           <a:prstGeom prst="rect">
@@ -4979,7 +5063,7 @@
           <a:p>
             <a:r>
               <a:rPr lang="en-US" sz="1200" dirty="0" smtClean="0"/>
-              <a:t>Aug 08</a:t>
+              <a:t>Aug. 2008</a:t>
             </a:r>
             <a:endParaRPr lang="en-US" sz="1200" dirty="0"/>
           </a:p>
@@ -4993,8 +5077,8 @@
         </p:nvSpPr>
         <p:spPr>
           <a:xfrm>
-            <a:off x="2355191" y="2630865"/>
-            <a:ext cx="1759547" cy="830997"/>
+            <a:off x="2397068" y="2813745"/>
+            <a:ext cx="1759547" cy="707886"/>
           </a:xfrm>
           <a:prstGeom prst="rect">
             <a:avLst/>
@@ -5009,16 +5093,26 @@
           <a:p>
             <a:pPr algn="ctr"/>
             <a:r>
-              <a:rPr lang="en-US" sz="2400" dirty="0" smtClean="0">
+              <a:rPr lang="en-US" sz="2000" b="1" dirty="0">
                 <a:solidFill>
                   <a:schemeClr val="bg1"/>
                 </a:solidFill>
                 <a:latin typeface="Arial"/>
                 <a:cs typeface="Arial"/>
               </a:rPr>
-              <a:t>Self-Motivation</a:t>
-            </a:r>
-            <a:endParaRPr lang="en-US" sz="2400" dirty="0">
+              <a:t>s</a:t>
+            </a:r>
+            <a:r>
+              <a:rPr lang="en-US" sz="2000" b="1" dirty="0" smtClean="0">
+                <a:solidFill>
+                  <a:schemeClr val="bg1"/>
+                </a:solidFill>
+                <a:latin typeface="Arial"/>
+                <a:cs typeface="Arial"/>
+              </a:rPr>
+              <a:t>elf-motivation</a:t>
+            </a:r>
+            <a:endParaRPr lang="en-US" sz="2000" b="1" dirty="0">
               <a:solidFill>
                 <a:schemeClr val="bg1"/>
               </a:solidFill>
@@ -5036,8 +5130,8 @@
         </p:nvSpPr>
         <p:spPr>
           <a:xfrm>
-            <a:off x="1396569" y="3431621"/>
-            <a:ext cx="1256530" cy="1116777"/>
+            <a:off x="1538809" y="3401141"/>
+            <a:ext cx="1112889" cy="1116777"/>
           </a:xfrm>
           <a:prstGeom prst="ellipse">
             <a:avLst/>
@@ -5087,8 +5181,8 @@
         </p:nvSpPr>
         <p:spPr>
           <a:xfrm>
-            <a:off x="1366627" y="3766785"/>
-            <a:ext cx="1303044" cy="369332"/>
+            <a:off x="1478387" y="3797265"/>
+            <a:ext cx="1225512" cy="338554"/>
           </a:xfrm>
           <a:prstGeom prst="rect">
             <a:avLst/>
@@ -5103,16 +5197,26 @@
           <a:p>
             <a:pPr algn="ctr"/>
             <a:r>
-              <a:rPr lang="en-US" dirty="0" smtClean="0">
+              <a:rPr lang="en-US" sz="1600" b="1" dirty="0">
                 <a:solidFill>
                   <a:schemeClr val="bg1"/>
                 </a:solidFill>
                 <a:latin typeface="Arial"/>
                 <a:cs typeface="Arial"/>
               </a:rPr>
-              <a:t>Creativity</a:t>
-            </a:r>
-            <a:endParaRPr lang="en-US" dirty="0">
+              <a:t>c</a:t>
+            </a:r>
+            <a:r>
+              <a:rPr lang="en-US" sz="1600" b="1" dirty="0" smtClean="0">
+                <a:solidFill>
+                  <a:schemeClr val="bg1"/>
+                </a:solidFill>
+                <a:latin typeface="Arial"/>
+                <a:cs typeface="Arial"/>
+              </a:rPr>
+              <a:t>reativity</a:t>
+            </a:r>
+            <a:endParaRPr lang="en-US" sz="1600" b="1" dirty="0">
               <a:solidFill>
                 <a:schemeClr val="bg1"/>
               </a:solidFill>
@@ -5130,8 +5234,8 @@
         </p:nvSpPr>
         <p:spPr>
           <a:xfrm>
-            <a:off x="1742134" y="1348725"/>
-            <a:ext cx="1256530" cy="1116777"/>
+            <a:off x="1843734" y="1531605"/>
+            <a:ext cx="1172527" cy="1116777"/>
           </a:xfrm>
           <a:prstGeom prst="ellipse">
             <a:avLst/>
@@ -5181,8 +5285,8 @@
         </p:nvSpPr>
         <p:spPr>
           <a:xfrm>
-            <a:off x="1695620" y="1701547"/>
-            <a:ext cx="1303044" cy="369332"/>
+            <a:off x="1843734" y="1906064"/>
+            <a:ext cx="1172527" cy="338554"/>
           </a:xfrm>
           <a:prstGeom prst="rect">
             <a:avLst/>
@@ -5197,16 +5301,26 @@
           <a:p>
             <a:pPr algn="ctr"/>
             <a:r>
-              <a:rPr lang="en-US" dirty="0" smtClean="0">
+              <a:rPr lang="en-US" sz="1600" b="1" dirty="0">
                 <a:solidFill>
                   <a:schemeClr val="bg1"/>
                 </a:solidFill>
                 <a:latin typeface="Arial"/>
                 <a:cs typeface="Arial"/>
               </a:rPr>
-              <a:t>Efforts</a:t>
-            </a:r>
-            <a:endParaRPr lang="en-US" dirty="0">
+              <a:t>e</a:t>
+            </a:r>
+            <a:r>
+              <a:rPr lang="en-US" sz="1600" b="1" dirty="0" smtClean="0">
+                <a:solidFill>
+                  <a:schemeClr val="bg1"/>
+                </a:solidFill>
+                <a:latin typeface="Arial"/>
+                <a:cs typeface="Arial"/>
+              </a:rPr>
+              <a:t>fforts</a:t>
+            </a:r>
+            <a:endParaRPr lang="en-US" sz="1600" b="1" dirty="0">
               <a:solidFill>
                 <a:schemeClr val="bg1"/>
               </a:solidFill>
@@ -5224,8 +5338,8 @@
         </p:nvSpPr>
         <p:spPr>
           <a:xfrm>
-            <a:off x="3903009" y="5523988"/>
-            <a:ext cx="1400511" cy="1215867"/>
+            <a:off x="4004610" y="5432548"/>
+            <a:ext cx="1276252" cy="1215867"/>
           </a:xfrm>
           <a:prstGeom prst="ellipse">
             <a:avLst/>
@@ -5272,8 +5386,8 @@
         </p:nvSpPr>
         <p:spPr>
           <a:xfrm>
-            <a:off x="3733956" y="5859150"/>
-            <a:ext cx="1759547" cy="461665"/>
+            <a:off x="4004609" y="5767710"/>
+            <a:ext cx="1276253" cy="461665"/>
           </a:xfrm>
           <a:prstGeom prst="rect">
             <a:avLst/>
@@ -5288,16 +5402,26 @@
           <a:p>
             <a:pPr algn="ctr"/>
             <a:r>
-              <a:rPr lang="en-US" sz="2400" dirty="0" smtClean="0">
+              <a:rPr lang="en-US" sz="2400" b="1" dirty="0">
                 <a:solidFill>
                   <a:schemeClr val="bg1"/>
                 </a:solidFill>
                 <a:latin typeface="Arial"/>
                 <a:cs typeface="Arial"/>
               </a:rPr>
-              <a:t>Skills</a:t>
-            </a:r>
-            <a:endParaRPr lang="en-US" sz="2400" dirty="0">
+              <a:t>s</a:t>
+            </a:r>
+            <a:r>
+              <a:rPr lang="en-US" sz="2400" b="1" dirty="0" smtClean="0">
+                <a:solidFill>
+                  <a:schemeClr val="bg1"/>
+                </a:solidFill>
+                <a:latin typeface="Arial"/>
+                <a:cs typeface="Arial"/>
+              </a:rPr>
+              <a:t>kills</a:t>
+            </a:r>
+            <a:endParaRPr lang="en-US" sz="2400" b="1" dirty="0">
               <a:solidFill>
                 <a:schemeClr val="bg1"/>
               </a:solidFill>
@@ -5309,58 +5433,13 @@
       </p:sp>
       <p:sp>
         <p:nvSpPr>
-          <p:cNvPr id="52" name="Rectangle 51"/>
-          <p:cNvSpPr/>
-          <p:nvPr/>
-        </p:nvSpPr>
-        <p:spPr>
-          <a:xfrm rot="16025295">
-            <a:off x="4430743" y="5394314"/>
-            <a:ext cx="365335" cy="190554"/>
-          </a:xfrm>
-          <a:prstGeom prst="rect">
-            <a:avLst/>
-          </a:prstGeom>
-          <a:solidFill>
-            <a:srgbClr val="008000"/>
-          </a:solidFill>
-          <a:ln>
-            <a:noFill/>
-          </a:ln>
-          <a:effectLst/>
-        </p:spPr>
-        <p:style>
-          <a:lnRef idx="1">
-            <a:schemeClr val="accent1"/>
-          </a:lnRef>
-          <a:fillRef idx="3">
-            <a:schemeClr val="accent1"/>
-          </a:fillRef>
-          <a:effectRef idx="2">
-            <a:schemeClr val="accent1"/>
-          </a:effectRef>
-          <a:fontRef idx="minor">
-            <a:schemeClr val="lt1"/>
-          </a:fontRef>
-        </p:style>
-        <p:txBody>
-          <a:bodyPr rtlCol="0" anchor="ctr"/>
-          <a:lstStyle/>
-          <a:p>
-            <a:pPr algn="ctr"/>
-            <a:endParaRPr lang="en-US"/>
-          </a:p>
-        </p:txBody>
-      </p:sp>
-      <p:sp>
-        <p:nvSpPr>
           <p:cNvPr id="55" name="TextBox 54"/>
           <p:cNvSpPr txBox="1"/>
           <p:nvPr/>
         </p:nvSpPr>
         <p:spPr>
           <a:xfrm>
-            <a:off x="-1" y="735545"/>
+            <a:off x="16982" y="992028"/>
             <a:ext cx="2338802" cy="646331"/>
           </a:xfrm>
           <a:prstGeom prst="rect">
@@ -5401,7 +5480,7 @@
         </p:nvSpPr>
         <p:spPr>
           <a:xfrm rot="4399041">
-            <a:off x="1534038" y="1360697"/>
+            <a:off x="1635638" y="1543577"/>
             <a:ext cx="264159" cy="264246"/>
           </a:xfrm>
           <a:prstGeom prst="ellipse">
@@ -5452,8 +5531,8 @@
         </p:nvSpPr>
         <p:spPr>
           <a:xfrm>
-            <a:off x="1" y="1926877"/>
-            <a:ext cx="1903366" cy="646331"/>
+            <a:off x="0" y="2113319"/>
+            <a:ext cx="2004966" cy="646331"/>
           </a:xfrm>
           <a:prstGeom prst="rect">
             <a:avLst/>
@@ -5474,7 +5553,10 @@
               <a:rPr lang="en-US" sz="1200" dirty="0" err="1" smtClean="0"/>
               <a:t>omics</a:t>
             </a:r>
-            <a:endParaRPr lang="en-US" sz="1200" dirty="0" smtClean="0"/>
+            <a:r>
+              <a:rPr lang="en-US" sz="1200" dirty="0" smtClean="0"/>
+              <a:t> data</a:t>
+            </a:r>
           </a:p>
         </p:txBody>
       </p:sp>
@@ -5486,7 +5568,7 @@
         </p:nvSpPr>
         <p:spPr>
           <a:xfrm rot="19837874">
-            <a:off x="1591384" y="2249491"/>
+            <a:off x="1651933" y="2412051"/>
             <a:ext cx="264159" cy="264246"/>
           </a:xfrm>
           <a:prstGeom prst="ellipse">
@@ -5537,7 +5619,7 @@
         </p:nvSpPr>
         <p:spPr>
           <a:xfrm rot="8909949">
-            <a:off x="1723916" y="2206990"/>
+            <a:off x="1796180" y="2372009"/>
             <a:ext cx="314961" cy="129446"/>
           </a:xfrm>
           <a:prstGeom prst="rect">
@@ -5582,7 +5664,7 @@
         </p:nvSpPr>
         <p:spPr>
           <a:xfrm>
-            <a:off x="0" y="2862048"/>
+            <a:off x="0" y="2912848"/>
             <a:ext cx="2228546" cy="461665"/>
           </a:xfrm>
           <a:prstGeom prst="rect">
@@ -5611,7 +5693,7 @@
         </p:nvSpPr>
         <p:spPr>
           <a:xfrm rot="13160963">
-            <a:off x="1699856" y="1582671"/>
+            <a:off x="1801456" y="1765551"/>
             <a:ext cx="314961" cy="129446"/>
           </a:xfrm>
           <a:prstGeom prst="rect">
@@ -5656,7 +5738,7 @@
         </p:nvSpPr>
         <p:spPr>
           <a:xfrm rot="4399041">
-            <a:off x="2815931" y="1239593"/>
+            <a:off x="2907371" y="1432633"/>
             <a:ext cx="264159" cy="264246"/>
           </a:xfrm>
           <a:prstGeom prst="ellipse">
@@ -5707,7 +5789,7 @@
         </p:nvSpPr>
         <p:spPr>
           <a:xfrm rot="18558449">
-            <a:off x="2691344" y="1426500"/>
+            <a:off x="2792944" y="1609380"/>
             <a:ext cx="314961" cy="129446"/>
           </a:xfrm>
           <a:prstGeom prst="rect">
@@ -5752,7 +5834,7 @@
         </p:nvSpPr>
         <p:spPr>
           <a:xfrm>
-            <a:off x="2228546" y="745602"/>
+            <a:off x="2317891" y="992028"/>
             <a:ext cx="2490762" cy="461665"/>
           </a:xfrm>
           <a:prstGeom prst="rect">
@@ -5787,7 +5869,7 @@
         </p:nvSpPr>
         <p:spPr>
           <a:xfrm rot="19837874">
-            <a:off x="1234197" y="3350524"/>
+            <a:off x="1376437" y="3320044"/>
             <a:ext cx="264159" cy="264246"/>
           </a:xfrm>
           <a:prstGeom prst="ellipse">
@@ -5838,7 +5920,7 @@
         </p:nvSpPr>
         <p:spPr>
           <a:xfrm rot="13300258">
-            <a:off x="1323625" y="3530163"/>
+            <a:off x="1465865" y="3499683"/>
             <a:ext cx="314961" cy="129446"/>
           </a:xfrm>
           <a:prstGeom prst="rect">
@@ -5924,7 +6006,7 @@
         </p:nvSpPr>
         <p:spPr>
           <a:xfrm rot="19837874">
-            <a:off x="1198521" y="4298727"/>
+            <a:off x="1340761" y="4268247"/>
             <a:ext cx="264159" cy="264246"/>
           </a:xfrm>
           <a:prstGeom prst="ellipse">
@@ -5975,7 +6057,7 @@
         </p:nvSpPr>
         <p:spPr>
           <a:xfrm rot="8909949">
-            <a:off x="1341211" y="4261576"/>
+            <a:off x="1483451" y="4231096"/>
             <a:ext cx="314961" cy="129446"/>
           </a:xfrm>
           <a:prstGeom prst="rect">
@@ -6020,7 +6102,7 @@
         </p:nvSpPr>
         <p:spPr>
           <a:xfrm>
-            <a:off x="2020153" y="5077561"/>
+            <a:off x="2030313" y="4996281"/>
             <a:ext cx="1821564" cy="1754327"/>
           </a:xfrm>
           <a:prstGeom prst="rect">
@@ -6098,7 +6180,7 @@
         </p:nvSpPr>
         <p:spPr>
           <a:xfrm rot="2004290">
-            <a:off x="3621880" y="5574878"/>
+            <a:off x="3706799" y="5900264"/>
             <a:ext cx="264159" cy="264246"/>
           </a:xfrm>
           <a:prstGeom prst="ellipse">
@@ -6148,8 +6230,8 @@
           <p:nvPr/>
         </p:nvSpPr>
         <p:spPr>
-          <a:xfrm rot="12804290">
-            <a:off x="3791848" y="5772850"/>
+          <a:xfrm rot="10619200">
+            <a:off x="3862968" y="5965890"/>
             <a:ext cx="314961" cy="129446"/>
           </a:xfrm>
           <a:prstGeom prst="rect">
@@ -6188,229 +6270,204 @@
       </p:sp>
       <p:sp>
         <p:nvSpPr>
-          <p:cNvPr id="81" name="Rectangle 80"/>
+          <p:cNvPr id="69" name="Rectangle 68"/>
           <p:cNvSpPr/>
           <p:nvPr/>
         </p:nvSpPr>
         <p:spPr>
+          <a:xfrm rot="18409308">
+            <a:off x="6434311" y="4307559"/>
+            <a:ext cx="314961" cy="129446"/>
+          </a:xfrm>
+          <a:prstGeom prst="rect">
+            <a:avLst/>
+          </a:prstGeom>
+          <a:solidFill>
+            <a:srgbClr val="FF6600"/>
+          </a:solidFill>
+          <a:ln>
+            <a:noFill/>
+          </a:ln>
+          <a:effectLst/>
+        </p:spPr>
+        <p:style>
+          <a:lnRef idx="1">
+            <a:schemeClr val="accent1"/>
+          </a:lnRef>
+          <a:fillRef idx="3">
+            <a:schemeClr val="accent1"/>
+          </a:fillRef>
+          <a:effectRef idx="2">
+            <a:schemeClr val="accent1"/>
+          </a:effectRef>
+          <a:fontRef idx="minor">
+            <a:schemeClr val="lt1"/>
+          </a:fontRef>
+        </p:style>
+        <p:txBody>
+          <a:bodyPr rtlCol="0" anchor="ctr"/>
+          <a:lstStyle/>
+          <a:p>
+            <a:pPr algn="ctr"/>
+            <a:endParaRPr lang="en-US"/>
+          </a:p>
+        </p:txBody>
+      </p:sp>
+      <p:sp>
+        <p:nvSpPr>
+          <p:cNvPr id="2" name="Rounded Rectangle 1"/>
+          <p:cNvSpPr/>
+          <p:nvPr/>
+        </p:nvSpPr>
+        <p:spPr>
           <a:xfrm>
-            <a:off x="20268" y="0"/>
-            <a:ext cx="2752601" cy="400110"/>
+            <a:off x="93585" y="91749"/>
+            <a:ext cx="3110344" cy="568651"/>
+          </a:xfrm>
+          <a:prstGeom prst="roundRect">
+            <a:avLst/>
+          </a:prstGeom>
+          <a:noFill/>
+          <a:ln>
+            <a:solidFill>
+              <a:schemeClr val="tx1"/>
+            </a:solidFill>
+          </a:ln>
+          <a:effectLst/>
+        </p:spPr>
+        <p:style>
+          <a:lnRef idx="1">
+            <a:schemeClr val="accent1"/>
+          </a:lnRef>
+          <a:fillRef idx="3">
+            <a:schemeClr val="accent1"/>
+          </a:fillRef>
+          <a:effectRef idx="2">
+            <a:schemeClr val="accent1"/>
+          </a:effectRef>
+          <a:fontRef idx="minor">
+            <a:schemeClr val="lt1"/>
+          </a:fontRef>
+        </p:style>
+        <p:txBody>
+          <a:bodyPr rtlCol="0" anchor="ctr"/>
+          <a:lstStyle/>
+          <a:p>
+            <a:pPr algn="ctr"/>
+            <a:r>
+              <a:rPr lang="en-US" dirty="0" smtClean="0">
+                <a:solidFill>
+                  <a:srgbClr val="0000FF"/>
+                </a:solidFill>
+              </a:rPr>
+              <a:t>Data Scientist (13 years)</a:t>
+            </a:r>
+            <a:endParaRPr lang="en-US" dirty="0">
+              <a:solidFill>
+                <a:srgbClr val="0000FF"/>
+              </a:solidFill>
+            </a:endParaRPr>
+          </a:p>
+        </p:txBody>
+      </p:sp>
+      <p:sp>
+        <p:nvSpPr>
+          <p:cNvPr id="71" name="Rounded Rectangle 70"/>
+          <p:cNvSpPr/>
+          <p:nvPr/>
+        </p:nvSpPr>
+        <p:spPr>
+          <a:xfrm>
+            <a:off x="5602688" y="5965513"/>
+            <a:ext cx="3406384" cy="835302"/>
+          </a:xfrm>
+          <a:prstGeom prst="roundRect">
+            <a:avLst/>
+          </a:prstGeom>
+          <a:noFill/>
+          <a:ln>
+            <a:solidFill>
+              <a:schemeClr val="tx1"/>
+            </a:solidFill>
+          </a:ln>
+          <a:effectLst/>
+        </p:spPr>
+        <p:style>
+          <a:lnRef idx="1">
+            <a:schemeClr val="accent1"/>
+          </a:lnRef>
+          <a:fillRef idx="3">
+            <a:schemeClr val="accent1"/>
+          </a:fillRef>
+          <a:effectRef idx="2">
+            <a:schemeClr val="accent1"/>
+          </a:effectRef>
+          <a:fontRef idx="minor">
+            <a:schemeClr val="lt1"/>
+          </a:fontRef>
+        </p:style>
+        <p:txBody>
+          <a:bodyPr rtlCol="0" anchor="ctr"/>
+          <a:lstStyle/>
+          <a:p>
+            <a:pPr algn="ctr"/>
+            <a:endParaRPr lang="en-US" dirty="0">
+              <a:solidFill>
+                <a:srgbClr val="0000FF"/>
+              </a:solidFill>
+            </a:endParaRPr>
+          </a:p>
+        </p:txBody>
+      </p:sp>
+      <p:sp>
+        <p:nvSpPr>
+          <p:cNvPr id="3" name="TextBox 2"/>
+          <p:cNvSpPr txBox="1"/>
+          <p:nvPr/>
+        </p:nvSpPr>
+        <p:spPr>
+          <a:xfrm>
+            <a:off x="5602689" y="6001774"/>
+            <a:ext cx="3406384" cy="738664"/>
           </a:xfrm>
           <a:prstGeom prst="rect">
             <a:avLst/>
           </a:prstGeom>
           <a:noFill/>
-          <a:effectLst/>
-        </p:spPr>
-        <p:txBody>
-          <a:bodyPr wrap="none" lIns="91440" tIns="45720" rIns="91440" bIns="45720">
+        </p:spPr>
+        <p:txBody>
+          <a:bodyPr wrap="square" rtlCol="0">
             <a:spAutoFit/>
           </a:bodyPr>
           <a:lstStyle/>
           <a:p>
-            <a:pPr algn="ctr"/>
-            <a:r>
-              <a:rPr lang="en-US" sz="2000" b="1" cap="none" spc="0" dirty="0" smtClean="0">
-                <a:ln w="12700">
-                  <a:noFill/>
-                  <a:prstDash val="solid"/>
-                </a:ln>
-                <a:solidFill>
-                  <a:schemeClr val="tx1">
-                    <a:lumMod val="75000"/>
-                    <a:lumOff val="25000"/>
-                  </a:schemeClr>
-                </a:solidFill>
-                <a:effectLst>
-                  <a:outerShdw blurRad="41275" dist="20320" dir="1800000" algn="tl" rotWithShape="0">
-                    <a:srgbClr val="000000">
-                      <a:alpha val="40000"/>
-                    </a:srgbClr>
-                  </a:outerShdw>
-                </a:effectLst>
-              </a:rPr>
-              <a:t>Data Scientist (13 years)</a:t>
-            </a:r>
-            <a:endParaRPr lang="en-US" sz="2000" b="1" cap="none" spc="0" dirty="0">
-              <a:ln w="12700">
-                <a:noFill/>
-                <a:prstDash val="solid"/>
-              </a:ln>
-              <a:solidFill>
-                <a:schemeClr val="tx1">
-                  <a:lumMod val="75000"/>
-                  <a:lumOff val="25000"/>
-                </a:schemeClr>
-              </a:solidFill>
-              <a:effectLst>
-                <a:outerShdw blurRad="41275" dist="20320" dir="1800000" algn="tl" rotWithShape="0">
-                  <a:srgbClr val="000000">
-                    <a:alpha val="40000"/>
-                  </a:srgbClr>
-                </a:outerShdw>
-              </a:effectLst>
-            </a:endParaRPr>
-          </a:p>
-        </p:txBody>
-      </p:sp>
-      <p:sp>
-        <p:nvSpPr>
-          <p:cNvPr id="82" name="Rectangle 81"/>
-          <p:cNvSpPr/>
-          <p:nvPr/>
-        </p:nvSpPr>
-        <p:spPr>
-          <a:xfrm>
-            <a:off x="5394949" y="5925708"/>
-            <a:ext cx="3736617" cy="923330"/>
-          </a:xfrm>
-          <a:prstGeom prst="rect">
-            <a:avLst/>
-          </a:prstGeom>
-          <a:noFill/>
-          <a:effectLst/>
-        </p:spPr>
-        <p:txBody>
-          <a:bodyPr wrap="square" lIns="91440" tIns="45720" rIns="91440" bIns="45720">
-            <a:spAutoFit/>
-          </a:bodyPr>
-          <a:lstStyle/>
-          <a:p>
-            <a:pPr algn="r"/>
-            <a:r>
-              <a:rPr lang="en-US" b="1" dirty="0" smtClean="0">
-                <a:ln w="12700">
-                  <a:noFill/>
-                  <a:prstDash val="solid"/>
-                </a:ln>
-                <a:solidFill>
-                  <a:srgbClr val="404040"/>
-                </a:solidFill>
-                <a:effectLst>
-                  <a:outerShdw blurRad="41275" dist="20320" dir="1800000" algn="tl" rotWithShape="0">
-                    <a:srgbClr val="000000">
-                      <a:alpha val="40000"/>
-                    </a:srgbClr>
-                  </a:outerShdw>
-                </a:effectLst>
-              </a:rPr>
-              <a:t>(646) 771 3500</a:t>
-            </a:r>
-          </a:p>
-          <a:p>
-            <a:pPr algn="r"/>
-            <a:r>
-              <a:rPr lang="en-US" b="1" cap="none" spc="0" dirty="0" err="1" smtClean="0">
-                <a:ln w="12700">
-                  <a:noFill/>
-                  <a:prstDash val="solid"/>
-                </a:ln>
-                <a:solidFill>
-                  <a:srgbClr val="404040"/>
-                </a:solidFill>
-                <a:effectLst>
-                  <a:outerShdw blurRad="41275" dist="20320" dir="1800000" algn="tl" rotWithShape="0">
-                    <a:srgbClr val="000000">
-                      <a:alpha val="40000"/>
-                    </a:srgbClr>
-                  </a:outerShdw>
-                </a:effectLst>
-              </a:rPr>
+            <a:r>
+              <a:rPr lang="en-US" sz="1400" dirty="0" smtClean="0"/>
+              <a:t>Address: 8-16 Susan Pl. Fair Lawn, NJ Contact: 646 771 3500; </a:t>
+            </a:r>
+            <a:r>
+              <a:rPr lang="en-US" sz="1400" dirty="0" err="1" smtClean="0"/>
               <a:t>kasthuri@gmail.com</a:t>
             </a:r>
-            <a:endParaRPr lang="en-US" b="1" cap="none" spc="0" dirty="0" smtClean="0">
-              <a:ln w="12700">
-                <a:noFill/>
-                <a:prstDash val="solid"/>
-              </a:ln>
-              <a:solidFill>
-                <a:srgbClr val="404040"/>
-              </a:solidFill>
-              <a:effectLst>
-                <a:outerShdw blurRad="41275" dist="20320" dir="1800000" algn="tl" rotWithShape="0">
-                  <a:srgbClr val="000000">
-                    <a:alpha val="40000"/>
-                  </a:srgbClr>
-                </a:outerShdw>
-              </a:effectLst>
-            </a:endParaRPr>
-          </a:p>
-          <a:p>
-            <a:pPr algn="r"/>
-            <a:r>
-              <a:rPr lang="en-US" b="1" cap="none" spc="0" dirty="0" smtClean="0">
-                <a:ln w="12700">
-                  <a:noFill/>
-                  <a:prstDash val="solid"/>
-                </a:ln>
-                <a:solidFill>
-                  <a:srgbClr val="404040"/>
-                </a:solidFill>
-                <a:effectLst>
-                  <a:outerShdw blurRad="41275" dist="20320" dir="1800000" algn="tl" rotWithShape="0">
-                    <a:srgbClr val="000000">
-                      <a:alpha val="40000"/>
-                    </a:srgbClr>
-                  </a:outerShdw>
-                </a:effectLst>
-              </a:rPr>
-              <a:t>https://</a:t>
-            </a:r>
-            <a:r>
-              <a:rPr lang="en-US" b="1" cap="none" spc="0" dirty="0" err="1" smtClean="0">
-                <a:ln w="12700">
-                  <a:noFill/>
-                  <a:prstDash val="solid"/>
-                </a:ln>
-                <a:solidFill>
-                  <a:srgbClr val="404040"/>
-                </a:solidFill>
-                <a:effectLst>
-                  <a:outerShdw blurRad="41275" dist="20320" dir="1800000" algn="tl" rotWithShape="0">
-                    <a:srgbClr val="000000">
-                      <a:alpha val="40000"/>
-                    </a:srgbClr>
-                  </a:outerShdw>
-                </a:effectLst>
-              </a:rPr>
+            <a:endParaRPr lang="en-US" sz="1400" dirty="0" smtClean="0"/>
+          </a:p>
+          <a:p>
+            <a:r>
+              <a:rPr lang="en-US" sz="1400" dirty="0" smtClean="0"/>
+              <a:t>Visit https</a:t>
+            </a:r>
+            <a:r>
+              <a:rPr lang="en-US" sz="1400" dirty="0"/>
+              <a:t>://</a:t>
+            </a:r>
+            <a:r>
+              <a:rPr lang="en-US" sz="1400" dirty="0" err="1"/>
               <a:t>kannan-kasthuri.github.io</a:t>
             </a:r>
             <a:r>
-              <a:rPr lang="en-US" b="1" cap="none" spc="0" dirty="0" smtClean="0">
-                <a:ln w="12700">
-                  <a:noFill/>
-                  <a:prstDash val="solid"/>
-                </a:ln>
-                <a:solidFill>
-                  <a:srgbClr val="404040"/>
-                </a:solidFill>
-                <a:effectLst>
-                  <a:outerShdw blurRad="41275" dist="20320" dir="1800000" algn="tl" rotWithShape="0">
-                    <a:srgbClr val="000000">
-                      <a:alpha val="40000"/>
-                    </a:srgbClr>
-                  </a:outerShdw>
-                </a:effectLst>
-              </a:rPr>
+              <a:rPr lang="en-US" sz="1400" dirty="0"/>
               <a:t>/</a:t>
             </a:r>
-            <a:endParaRPr lang="en-US" b="1" cap="none" spc="0" dirty="0">
-              <a:ln w="12700">
-                <a:noFill/>
-                <a:prstDash val="solid"/>
-              </a:ln>
-              <a:solidFill>
-                <a:srgbClr val="404040"/>
-              </a:solidFill>
-              <a:effectLst>
-                <a:outerShdw blurRad="41275" dist="20320" dir="1800000" algn="tl" rotWithShape="0">
-                  <a:srgbClr val="000000">
-                    <a:alpha val="40000"/>
-                  </a:srgbClr>
-                </a:outerShdw>
-              </a:effectLst>
-            </a:endParaRPr>
           </a:p>
         </p:txBody>
       </p:sp>
@@ -6424,6 +6481,13 @@
   <p:clrMapOvr>
     <a:masterClrMapping/>
   </p:clrMapOvr>
+  <p:timing>
+    <p:tnLst>
+      <p:par>
+        <p:cTn xmlns:p14="http://schemas.microsoft.com/office/powerpoint/2010/main" id="1" dur="indefinite" restart="never" nodeType="tmRoot"/>
+      </p:par>
+    </p:tnLst>
+  </p:timing>
 </p:sld>
 </file>
 

--- a/CV/CV_KK.pptx
+++ b/CV/CV_KK.pptx
@@ -288,7 +288,7 @@
           <a:p>
             <a:fld id="{08F841CE-6291-8041-B8FB-9A5B9FB9A636}" type="datetimeFigureOut">
               <a:rPr lang="en-US" smtClean="0"/>
-              <a:t>6/21/19</a:t>
+              <a:t>6/23/19</a:t>
             </a:fld>
             <a:endParaRPr lang="en-US"/>
           </a:p>
@@ -458,7 +458,7 @@
           <a:p>
             <a:fld id="{08F841CE-6291-8041-B8FB-9A5B9FB9A636}" type="datetimeFigureOut">
               <a:rPr lang="en-US" smtClean="0"/>
-              <a:t>6/21/19</a:t>
+              <a:t>6/23/19</a:t>
             </a:fld>
             <a:endParaRPr lang="en-US"/>
           </a:p>
@@ -638,7 +638,7 @@
           <a:p>
             <a:fld id="{08F841CE-6291-8041-B8FB-9A5B9FB9A636}" type="datetimeFigureOut">
               <a:rPr lang="en-US" smtClean="0"/>
-              <a:t>6/21/19</a:t>
+              <a:t>6/23/19</a:t>
             </a:fld>
             <a:endParaRPr lang="en-US"/>
           </a:p>
@@ -808,7 +808,7 @@
           <a:p>
             <a:fld id="{08F841CE-6291-8041-B8FB-9A5B9FB9A636}" type="datetimeFigureOut">
               <a:rPr lang="en-US" smtClean="0"/>
-              <a:t>6/21/19</a:t>
+              <a:t>6/23/19</a:t>
             </a:fld>
             <a:endParaRPr lang="en-US"/>
           </a:p>
@@ -1054,7 +1054,7 @@
           <a:p>
             <a:fld id="{08F841CE-6291-8041-B8FB-9A5B9FB9A636}" type="datetimeFigureOut">
               <a:rPr lang="en-US" smtClean="0"/>
-              <a:t>6/21/19</a:t>
+              <a:t>6/23/19</a:t>
             </a:fld>
             <a:endParaRPr lang="en-US"/>
           </a:p>
@@ -1342,7 +1342,7 @@
           <a:p>
             <a:fld id="{08F841CE-6291-8041-B8FB-9A5B9FB9A636}" type="datetimeFigureOut">
               <a:rPr lang="en-US" smtClean="0"/>
-              <a:t>6/21/19</a:t>
+              <a:t>6/23/19</a:t>
             </a:fld>
             <a:endParaRPr lang="en-US"/>
           </a:p>
@@ -1764,7 +1764,7 @@
           <a:p>
             <a:fld id="{08F841CE-6291-8041-B8FB-9A5B9FB9A636}" type="datetimeFigureOut">
               <a:rPr lang="en-US" smtClean="0"/>
-              <a:t>6/21/19</a:t>
+              <a:t>6/23/19</a:t>
             </a:fld>
             <a:endParaRPr lang="en-US"/>
           </a:p>
@@ -1882,7 +1882,7 @@
           <a:p>
             <a:fld id="{08F841CE-6291-8041-B8FB-9A5B9FB9A636}" type="datetimeFigureOut">
               <a:rPr lang="en-US" smtClean="0"/>
-              <a:t>6/21/19</a:t>
+              <a:t>6/23/19</a:t>
             </a:fld>
             <a:endParaRPr lang="en-US"/>
           </a:p>
@@ -1977,7 +1977,7 @@
           <a:p>
             <a:fld id="{08F841CE-6291-8041-B8FB-9A5B9FB9A636}" type="datetimeFigureOut">
               <a:rPr lang="en-US" smtClean="0"/>
-              <a:t>6/21/19</a:t>
+              <a:t>6/23/19</a:t>
             </a:fld>
             <a:endParaRPr lang="en-US"/>
           </a:p>
@@ -2254,7 +2254,7 @@
           <a:p>
             <a:fld id="{08F841CE-6291-8041-B8FB-9A5B9FB9A636}" type="datetimeFigureOut">
               <a:rPr lang="en-US" smtClean="0"/>
-              <a:t>6/21/19</a:t>
+              <a:t>6/23/19</a:t>
             </a:fld>
             <a:endParaRPr lang="en-US"/>
           </a:p>
@@ -2507,7 +2507,7 @@
           <a:p>
             <a:fld id="{08F841CE-6291-8041-B8FB-9A5B9FB9A636}" type="datetimeFigureOut">
               <a:rPr lang="en-US" smtClean="0"/>
-              <a:t>6/21/19</a:t>
+              <a:t>6/23/19</a:t>
             </a:fld>
             <a:endParaRPr lang="en-US"/>
           </a:p>
@@ -2720,7 +2720,7 @@
           <a:p>
             <a:fld id="{08F841CE-6291-8041-B8FB-9A5B9FB9A636}" type="datetimeFigureOut">
               <a:rPr lang="en-US" smtClean="0"/>
-              <a:t>6/21/19</a:t>
+              <a:t>6/23/19</a:t>
             </a:fld>
             <a:endParaRPr lang="en-US"/>
           </a:p>
@@ -3097,23 +3097,27 @@
       </p:grpSpPr>
       <p:sp>
         <p:nvSpPr>
-          <p:cNvPr id="52" name="Rectangle 51"/>
+          <p:cNvPr id="50" name="Oval 49"/>
           <p:cNvSpPr/>
           <p:nvPr/>
         </p:nvSpPr>
         <p:spPr>
-          <a:xfrm rot="16200000">
-            <a:off x="4430743" y="5221594"/>
-            <a:ext cx="365335" cy="190554"/>
-          </a:xfrm>
-          <a:prstGeom prst="rect">
+          <a:xfrm>
+            <a:off x="4004610" y="5432548"/>
+            <a:ext cx="1276252" cy="1215867"/>
+          </a:xfrm>
+          <a:prstGeom prst="ellipse">
             <a:avLst/>
           </a:prstGeom>
           <a:solidFill>
-            <a:srgbClr val="008000"/>
+            <a:schemeClr val="accent3">
+              <a:lumMod val="50000"/>
+            </a:schemeClr>
           </a:solidFill>
-          <a:ln>
-            <a:noFill/>
+          <a:ln w="28575" cmpd="sng">
+            <a:solidFill>
+              <a:srgbClr val="FFFFFF"/>
+            </a:solidFill>
           </a:ln>
           <a:effectLst/>
         </p:spPr>
@@ -3136,372 +3140,6 @@
           <a:lstStyle/>
           <a:p>
             <a:pPr algn="ctr"/>
-            <a:endParaRPr lang="en-US"/>
-          </a:p>
-        </p:txBody>
-      </p:sp>
-      <p:sp>
-        <p:nvSpPr>
-          <p:cNvPr id="46" name="Rectangle 45"/>
-          <p:cNvSpPr/>
-          <p:nvPr/>
-        </p:nvSpPr>
-        <p:spPr>
-          <a:xfrm rot="2823027">
-            <a:off x="2628096" y="2471248"/>
-            <a:ext cx="306976" cy="161149"/>
-          </a:xfrm>
-          <a:prstGeom prst="rect">
-            <a:avLst/>
-          </a:prstGeom>
-          <a:solidFill>
-            <a:srgbClr val="379DD5"/>
-          </a:solidFill>
-          <a:ln>
-            <a:noFill/>
-          </a:ln>
-          <a:effectLst/>
-        </p:spPr>
-        <p:style>
-          <a:lnRef idx="1">
-            <a:schemeClr val="accent1"/>
-          </a:lnRef>
-          <a:fillRef idx="3">
-            <a:schemeClr val="accent1"/>
-          </a:fillRef>
-          <a:effectRef idx="2">
-            <a:schemeClr val="accent1"/>
-          </a:effectRef>
-          <a:fontRef idx="minor">
-            <a:schemeClr val="lt1"/>
-          </a:fontRef>
-        </p:style>
-        <p:txBody>
-          <a:bodyPr rtlCol="0" anchor="ctr"/>
-          <a:lstStyle/>
-          <a:p>
-            <a:pPr algn="ctr"/>
-            <a:endParaRPr lang="en-US"/>
-          </a:p>
-        </p:txBody>
-      </p:sp>
-      <p:sp>
-        <p:nvSpPr>
-          <p:cNvPr id="45" name="Rectangle 44"/>
-          <p:cNvSpPr/>
-          <p:nvPr/>
-        </p:nvSpPr>
-        <p:spPr>
-          <a:xfrm rot="19567318">
-            <a:off x="2508309" y="3557382"/>
-            <a:ext cx="306976" cy="154876"/>
-          </a:xfrm>
-          <a:prstGeom prst="rect">
-            <a:avLst/>
-          </a:prstGeom>
-          <a:solidFill>
-            <a:srgbClr val="379DD5"/>
-          </a:solidFill>
-          <a:ln>
-            <a:noFill/>
-          </a:ln>
-          <a:effectLst/>
-        </p:spPr>
-        <p:style>
-          <a:lnRef idx="1">
-            <a:schemeClr val="accent1"/>
-          </a:lnRef>
-          <a:fillRef idx="3">
-            <a:schemeClr val="accent1"/>
-          </a:fillRef>
-          <a:effectRef idx="2">
-            <a:schemeClr val="accent1"/>
-          </a:effectRef>
-          <a:fontRef idx="minor">
-            <a:schemeClr val="lt1"/>
-          </a:fontRef>
-        </p:style>
-        <p:txBody>
-          <a:bodyPr rtlCol="0" anchor="ctr"/>
-          <a:lstStyle/>
-          <a:p>
-            <a:pPr algn="ctr"/>
-            <a:endParaRPr lang="en-US"/>
-          </a:p>
-        </p:txBody>
-      </p:sp>
-      <p:sp>
-        <p:nvSpPr>
-          <p:cNvPr id="31" name="Rectangle 30"/>
-          <p:cNvSpPr/>
-          <p:nvPr/>
-        </p:nvSpPr>
-        <p:spPr>
-          <a:xfrm rot="12922990">
-            <a:off x="3637461" y="3703808"/>
-            <a:ext cx="365335" cy="190554"/>
-          </a:xfrm>
-          <a:prstGeom prst="rect">
-            <a:avLst/>
-          </a:prstGeom>
-          <a:solidFill>
-            <a:srgbClr val="3366FF"/>
-          </a:solidFill>
-          <a:ln>
-            <a:noFill/>
-          </a:ln>
-          <a:effectLst/>
-        </p:spPr>
-        <p:style>
-          <a:lnRef idx="1">
-            <a:schemeClr val="accent1"/>
-          </a:lnRef>
-          <a:fillRef idx="3">
-            <a:schemeClr val="accent1"/>
-          </a:fillRef>
-          <a:effectRef idx="2">
-            <a:schemeClr val="accent1"/>
-          </a:effectRef>
-          <a:fontRef idx="minor">
-            <a:schemeClr val="lt1"/>
-          </a:fontRef>
-        </p:style>
-        <p:txBody>
-          <a:bodyPr rtlCol="0" anchor="ctr"/>
-          <a:lstStyle/>
-          <a:p>
-            <a:pPr algn="ctr"/>
-            <a:endParaRPr lang="en-US"/>
-          </a:p>
-        </p:txBody>
-      </p:sp>
-      <p:sp>
-        <p:nvSpPr>
-          <p:cNvPr id="21" name="Rectangle 20"/>
-          <p:cNvSpPr/>
-          <p:nvPr/>
-        </p:nvSpPr>
-        <p:spPr>
-          <a:xfrm rot="2285649">
-            <a:off x="6369231" y="3561568"/>
-            <a:ext cx="306976" cy="154876"/>
-          </a:xfrm>
-          <a:prstGeom prst="rect">
-            <a:avLst/>
-          </a:prstGeom>
-          <a:solidFill>
-            <a:srgbClr val="FF6600"/>
-          </a:solidFill>
-          <a:ln>
-            <a:noFill/>
-          </a:ln>
-          <a:effectLst/>
-        </p:spPr>
-        <p:style>
-          <a:lnRef idx="1">
-            <a:schemeClr val="accent1"/>
-          </a:lnRef>
-          <a:fillRef idx="3">
-            <a:schemeClr val="accent1"/>
-          </a:fillRef>
-          <a:effectRef idx="2">
-            <a:schemeClr val="accent1"/>
-          </a:effectRef>
-          <a:fontRef idx="minor">
-            <a:schemeClr val="lt1"/>
-          </a:fontRef>
-        </p:style>
-        <p:txBody>
-          <a:bodyPr rtlCol="0" anchor="ctr"/>
-          <a:lstStyle/>
-          <a:p>
-            <a:pPr algn="ctr"/>
-            <a:endParaRPr lang="en-US"/>
-          </a:p>
-        </p:txBody>
-      </p:sp>
-      <p:sp>
-        <p:nvSpPr>
-          <p:cNvPr id="7" name="Rectangle 6"/>
-          <p:cNvSpPr/>
-          <p:nvPr/>
-        </p:nvSpPr>
-        <p:spPr>
-          <a:xfrm rot="16200000">
-            <a:off x="5793953" y="2307703"/>
-            <a:ext cx="306976" cy="154876"/>
-          </a:xfrm>
-          <a:prstGeom prst="rect">
-            <a:avLst/>
-          </a:prstGeom>
-          <a:solidFill>
-            <a:srgbClr val="FF6600"/>
-          </a:solidFill>
-          <a:ln>
-            <a:noFill/>
-          </a:ln>
-          <a:effectLst/>
-        </p:spPr>
-        <p:style>
-          <a:lnRef idx="1">
-            <a:schemeClr val="accent1"/>
-          </a:lnRef>
-          <a:fillRef idx="3">
-            <a:schemeClr val="accent1"/>
-          </a:fillRef>
-          <a:effectRef idx="2">
-            <a:schemeClr val="accent1"/>
-          </a:effectRef>
-          <a:fontRef idx="minor">
-            <a:schemeClr val="lt1"/>
-          </a:fontRef>
-        </p:style>
-        <p:txBody>
-          <a:bodyPr rtlCol="0" anchor="ctr"/>
-          <a:lstStyle/>
-          <a:p>
-            <a:pPr algn="ctr"/>
-            <a:endParaRPr lang="en-US"/>
-          </a:p>
-        </p:txBody>
-      </p:sp>
-      <p:sp>
-        <p:nvSpPr>
-          <p:cNvPr id="6" name="Rectangle 5"/>
-          <p:cNvSpPr/>
-          <p:nvPr/>
-        </p:nvSpPr>
-        <p:spPr>
-          <a:xfrm rot="19468918">
-            <a:off x="5163181" y="3585960"/>
-            <a:ext cx="365335" cy="190554"/>
-          </a:xfrm>
-          <a:prstGeom prst="rect">
-            <a:avLst/>
-          </a:prstGeom>
-          <a:solidFill>
-            <a:srgbClr val="FF3839"/>
-          </a:solidFill>
-          <a:ln>
-            <a:noFill/>
-          </a:ln>
-          <a:effectLst/>
-        </p:spPr>
-        <p:style>
-          <a:lnRef idx="1">
-            <a:schemeClr val="accent1"/>
-          </a:lnRef>
-          <a:fillRef idx="3">
-            <a:schemeClr val="accent1"/>
-          </a:fillRef>
-          <a:effectRef idx="2">
-            <a:schemeClr val="accent1"/>
-          </a:effectRef>
-          <a:fontRef idx="minor">
-            <a:schemeClr val="lt1"/>
-          </a:fontRef>
-        </p:style>
-        <p:txBody>
-          <a:bodyPr rtlCol="0" anchor="ctr"/>
-          <a:lstStyle/>
-          <a:p>
-            <a:pPr algn="ctr"/>
-            <a:endParaRPr lang="en-US"/>
-          </a:p>
-        </p:txBody>
-      </p:sp>
-      <p:sp>
-        <p:nvSpPr>
-          <p:cNvPr id="4" name="Oval 3"/>
-          <p:cNvSpPr/>
-          <p:nvPr/>
-        </p:nvSpPr>
-        <p:spPr>
-          <a:xfrm>
-            <a:off x="3637279" y="3462101"/>
-            <a:ext cx="1930400" cy="1879600"/>
-          </a:xfrm>
-          <a:prstGeom prst="ellipse">
-            <a:avLst/>
-          </a:prstGeom>
-          <a:solidFill>
-            <a:schemeClr val="tx1">
-              <a:lumMod val="75000"/>
-              <a:lumOff val="25000"/>
-            </a:schemeClr>
-          </a:solidFill>
-          <a:ln>
-            <a:noFill/>
-          </a:ln>
-          <a:effectLst/>
-        </p:spPr>
-        <p:style>
-          <a:lnRef idx="1">
-            <a:schemeClr val="accent1"/>
-          </a:lnRef>
-          <a:fillRef idx="3">
-            <a:schemeClr val="accent1"/>
-          </a:fillRef>
-          <a:effectRef idx="2">
-            <a:schemeClr val="accent1"/>
-          </a:effectRef>
-          <a:fontRef idx="minor">
-            <a:schemeClr val="lt1"/>
-          </a:fontRef>
-        </p:style>
-        <p:txBody>
-          <a:bodyPr rtlCol="0" anchor="ctr"/>
-          <a:lstStyle/>
-          <a:p>
-            <a:pPr algn="ctr"/>
-            <a:endParaRPr lang="en-US" sz="2400" dirty="0">
-              <a:latin typeface="Arial"/>
-              <a:cs typeface="Arial"/>
-            </a:endParaRPr>
-          </a:p>
-        </p:txBody>
-      </p:sp>
-      <p:sp>
-        <p:nvSpPr>
-          <p:cNvPr id="5" name="Oval 4"/>
-          <p:cNvSpPr/>
-          <p:nvPr/>
-        </p:nvSpPr>
-        <p:spPr>
-          <a:xfrm>
-            <a:off x="5124459" y="2410677"/>
-            <a:ext cx="1485060" cy="1454233"/>
-          </a:xfrm>
-          <a:prstGeom prst="ellipse">
-            <a:avLst/>
-          </a:prstGeom>
-          <a:solidFill>
-            <a:srgbClr val="FF3839"/>
-          </a:solidFill>
-          <a:ln>
-            <a:noFill/>
-          </a:ln>
-          <a:effectLst/>
-        </p:spPr>
-        <p:style>
-          <a:lnRef idx="1">
-            <a:schemeClr val="accent1"/>
-          </a:lnRef>
-          <a:fillRef idx="3">
-            <a:schemeClr val="accent1"/>
-          </a:fillRef>
-          <a:effectRef idx="2">
-            <a:schemeClr val="accent1"/>
-          </a:effectRef>
-          <a:fontRef idx="minor">
-            <a:schemeClr val="lt1"/>
-          </a:fontRef>
-        </p:style>
-        <p:txBody>
-          <a:bodyPr rtlCol="0" anchor="ctr"/>
-          <a:lstStyle/>
-          <a:p>
-            <a:pPr algn="ctr"/>
             <a:endParaRPr lang="en-US" sz="1400" dirty="0">
               <a:latin typeface="Arial"/>
               <a:cs typeface="Arial"/>
@@ -3511,23 +3149,25 @@
       </p:sp>
       <p:sp>
         <p:nvSpPr>
-          <p:cNvPr id="8" name="Oval 7"/>
+          <p:cNvPr id="43" name="Oval 42"/>
           <p:cNvSpPr/>
           <p:nvPr/>
         </p:nvSpPr>
         <p:spPr>
           <a:xfrm>
-            <a:off x="5242560" y="952917"/>
-            <a:ext cx="1422399" cy="1346345"/>
+            <a:off x="1538809" y="3401141"/>
+            <a:ext cx="1112889" cy="1116777"/>
           </a:xfrm>
           <a:prstGeom prst="ellipse">
             <a:avLst/>
           </a:prstGeom>
           <a:solidFill>
-            <a:srgbClr val="FF6600"/>
+            <a:srgbClr val="379DD5"/>
           </a:solidFill>
-          <a:ln>
-            <a:noFill/>
+          <a:ln w="28575" cmpd="sng">
+            <a:solidFill>
+              <a:srgbClr val="FFFFFF"/>
+            </a:solidFill>
           </a:ln>
           <a:effectLst/>
         </p:spPr>
@@ -3562,23 +3202,607 @@
       </p:sp>
       <p:sp>
         <p:nvSpPr>
+          <p:cNvPr id="47" name="Oval 46"/>
+          <p:cNvSpPr/>
+          <p:nvPr/>
+        </p:nvSpPr>
+        <p:spPr>
+          <a:xfrm>
+            <a:off x="1843734" y="1531605"/>
+            <a:ext cx="1172527" cy="1116777"/>
+          </a:xfrm>
+          <a:prstGeom prst="ellipse">
+            <a:avLst/>
+          </a:prstGeom>
+          <a:solidFill>
+            <a:srgbClr val="379DD5"/>
+          </a:solidFill>
+          <a:ln w="28575" cmpd="sng">
+            <a:solidFill>
+              <a:srgbClr val="FFFFFF"/>
+            </a:solidFill>
+          </a:ln>
+          <a:effectLst/>
+        </p:spPr>
+        <p:style>
+          <a:lnRef idx="1">
+            <a:schemeClr val="accent1"/>
+          </a:lnRef>
+          <a:fillRef idx="3">
+            <a:schemeClr val="accent1"/>
+          </a:fillRef>
+          <a:effectRef idx="2">
+            <a:schemeClr val="accent1"/>
+          </a:effectRef>
+          <a:fontRef idx="minor">
+            <a:schemeClr val="lt1"/>
+          </a:fontRef>
+        </p:style>
+        <p:txBody>
+          <a:bodyPr rtlCol="0" anchor="ctr"/>
+          <a:lstStyle/>
+          <a:p>
+            <a:pPr algn="ctr"/>
+            <a:endParaRPr lang="en-US" sz="1200" dirty="0">
+              <a:solidFill>
+                <a:schemeClr val="bg1"/>
+              </a:solidFill>
+              <a:latin typeface="Arial"/>
+              <a:cs typeface="Arial"/>
+            </a:endParaRPr>
+          </a:p>
+        </p:txBody>
+      </p:sp>
+      <p:sp>
+        <p:nvSpPr>
+          <p:cNvPr id="32" name="Oval 31"/>
+          <p:cNvSpPr/>
+          <p:nvPr/>
+        </p:nvSpPr>
+        <p:spPr>
+          <a:xfrm>
+            <a:off x="2509458" y="2466421"/>
+            <a:ext cx="1505311" cy="1473084"/>
+          </a:xfrm>
+          <a:prstGeom prst="ellipse">
+            <a:avLst/>
+          </a:prstGeom>
+          <a:solidFill>
+            <a:srgbClr val="3366FF"/>
+          </a:solidFill>
+          <a:ln w="28575" cmpd="sng">
+            <a:solidFill>
+              <a:srgbClr val="FFFFFF"/>
+            </a:solidFill>
+          </a:ln>
+          <a:effectLst/>
+        </p:spPr>
+        <p:style>
+          <a:lnRef idx="1">
+            <a:schemeClr val="accent1"/>
+          </a:lnRef>
+          <a:fillRef idx="3">
+            <a:schemeClr val="accent1"/>
+          </a:fillRef>
+          <a:effectRef idx="2">
+            <a:schemeClr val="accent1"/>
+          </a:effectRef>
+          <a:fontRef idx="minor">
+            <a:schemeClr val="lt1"/>
+          </a:fontRef>
+        </p:style>
+        <p:txBody>
+          <a:bodyPr rtlCol="0" anchor="ctr"/>
+          <a:lstStyle/>
+          <a:p>
+            <a:pPr algn="ctr"/>
+            <a:endParaRPr lang="en-US" sz="1400" dirty="0">
+              <a:latin typeface="Arial"/>
+              <a:cs typeface="Arial"/>
+            </a:endParaRPr>
+          </a:p>
+        </p:txBody>
+      </p:sp>
+      <p:sp>
+        <p:nvSpPr>
+          <p:cNvPr id="22" name="Oval 21"/>
+          <p:cNvSpPr/>
+          <p:nvPr/>
+        </p:nvSpPr>
+        <p:spPr>
+          <a:xfrm>
+            <a:off x="6412659" y="3388342"/>
+            <a:ext cx="1116619" cy="1134861"/>
+          </a:xfrm>
+          <a:prstGeom prst="ellipse">
+            <a:avLst/>
+          </a:prstGeom>
+          <a:solidFill>
+            <a:srgbClr val="E46C0A"/>
+          </a:solidFill>
+          <a:ln w="28575" cmpd="sng">
+            <a:solidFill>
+              <a:srgbClr val="FFFFFF"/>
+            </a:solidFill>
+          </a:ln>
+          <a:effectLst/>
+        </p:spPr>
+        <p:style>
+          <a:lnRef idx="1">
+            <a:schemeClr val="accent1"/>
+          </a:lnRef>
+          <a:fillRef idx="3">
+            <a:schemeClr val="accent1"/>
+          </a:fillRef>
+          <a:effectRef idx="2">
+            <a:schemeClr val="accent1"/>
+          </a:effectRef>
+          <a:fontRef idx="minor">
+            <a:schemeClr val="lt1"/>
+          </a:fontRef>
+        </p:style>
+        <p:txBody>
+          <a:bodyPr rtlCol="0" anchor="ctr"/>
+          <a:lstStyle/>
+          <a:p>
+            <a:pPr algn="ctr"/>
+            <a:endParaRPr lang="en-US" sz="1200" dirty="0">
+              <a:solidFill>
+                <a:schemeClr val="bg1"/>
+              </a:solidFill>
+              <a:latin typeface="Arial"/>
+              <a:cs typeface="Arial"/>
+            </a:endParaRPr>
+          </a:p>
+        </p:txBody>
+      </p:sp>
+      <p:sp>
+        <p:nvSpPr>
+          <p:cNvPr id="5" name="Oval 4"/>
+          <p:cNvSpPr/>
+          <p:nvPr/>
+        </p:nvSpPr>
+        <p:spPr>
+          <a:xfrm>
+            <a:off x="5124459" y="2410677"/>
+            <a:ext cx="1485060" cy="1454233"/>
+          </a:xfrm>
+          <a:prstGeom prst="ellipse">
+            <a:avLst/>
+          </a:prstGeom>
+          <a:solidFill>
+            <a:srgbClr val="FF553D"/>
+          </a:solidFill>
+          <a:ln w="28575" cmpd="sng">
+            <a:solidFill>
+              <a:srgbClr val="FFFFFF"/>
+            </a:solidFill>
+          </a:ln>
+          <a:effectLst/>
+        </p:spPr>
+        <p:style>
+          <a:lnRef idx="1">
+            <a:schemeClr val="accent1"/>
+          </a:lnRef>
+          <a:fillRef idx="3">
+            <a:schemeClr val="accent1"/>
+          </a:fillRef>
+          <a:effectRef idx="2">
+            <a:schemeClr val="accent1"/>
+          </a:effectRef>
+          <a:fontRef idx="minor">
+            <a:schemeClr val="lt1"/>
+          </a:fontRef>
+        </p:style>
+        <p:txBody>
+          <a:bodyPr rtlCol="0" anchor="ctr"/>
+          <a:lstStyle/>
+          <a:p>
+            <a:pPr algn="ctr"/>
+            <a:endParaRPr lang="en-US" sz="1400" dirty="0">
+              <a:latin typeface="Arial"/>
+              <a:cs typeface="Arial"/>
+            </a:endParaRPr>
+          </a:p>
+        </p:txBody>
+      </p:sp>
+      <p:sp>
+        <p:nvSpPr>
+          <p:cNvPr id="70" name="Oval 69"/>
+          <p:cNvSpPr/>
+          <p:nvPr/>
+        </p:nvSpPr>
+        <p:spPr>
+          <a:xfrm>
+            <a:off x="5351350" y="1216550"/>
+            <a:ext cx="1172527" cy="1116777"/>
+          </a:xfrm>
+          <a:prstGeom prst="ellipse">
+            <a:avLst/>
+          </a:prstGeom>
+          <a:solidFill>
+            <a:schemeClr val="accent6">
+              <a:lumMod val="75000"/>
+            </a:schemeClr>
+          </a:solidFill>
+          <a:ln w="28575" cmpd="sng">
+            <a:noFill/>
+          </a:ln>
+          <a:effectLst/>
+        </p:spPr>
+        <p:style>
+          <a:lnRef idx="1">
+            <a:schemeClr val="accent1"/>
+          </a:lnRef>
+          <a:fillRef idx="3">
+            <a:schemeClr val="accent1"/>
+          </a:fillRef>
+          <a:effectRef idx="2">
+            <a:schemeClr val="accent1"/>
+          </a:effectRef>
+          <a:fontRef idx="minor">
+            <a:schemeClr val="lt1"/>
+          </a:fontRef>
+        </p:style>
+        <p:txBody>
+          <a:bodyPr rtlCol="0" anchor="ctr"/>
+          <a:lstStyle/>
+          <a:p>
+            <a:pPr algn="ctr"/>
+            <a:endParaRPr lang="en-US" sz="1200" dirty="0">
+              <a:solidFill>
+                <a:schemeClr val="bg1"/>
+              </a:solidFill>
+              <a:latin typeface="Arial"/>
+              <a:cs typeface="Arial"/>
+            </a:endParaRPr>
+          </a:p>
+        </p:txBody>
+      </p:sp>
+      <p:sp>
+        <p:nvSpPr>
+          <p:cNvPr id="52" name="Rectangle 51"/>
+          <p:cNvSpPr/>
+          <p:nvPr/>
+        </p:nvSpPr>
+        <p:spPr>
+          <a:xfrm rot="16200000">
+            <a:off x="4430743" y="5221594"/>
+            <a:ext cx="365335" cy="190554"/>
+          </a:xfrm>
+          <a:prstGeom prst="rect">
+            <a:avLst/>
+          </a:prstGeom>
+          <a:solidFill>
+            <a:srgbClr val="4F6228"/>
+          </a:solidFill>
+          <a:ln>
+            <a:noFill/>
+          </a:ln>
+          <a:effectLst/>
+        </p:spPr>
+        <p:style>
+          <a:lnRef idx="1">
+            <a:schemeClr val="accent1"/>
+          </a:lnRef>
+          <a:fillRef idx="3">
+            <a:schemeClr val="accent1"/>
+          </a:fillRef>
+          <a:effectRef idx="2">
+            <a:schemeClr val="accent1"/>
+          </a:effectRef>
+          <a:fontRef idx="minor">
+            <a:schemeClr val="lt1"/>
+          </a:fontRef>
+        </p:style>
+        <p:txBody>
+          <a:bodyPr rtlCol="0" anchor="ctr"/>
+          <a:lstStyle/>
+          <a:p>
+            <a:pPr algn="ctr"/>
+            <a:endParaRPr lang="en-US"/>
+          </a:p>
+        </p:txBody>
+      </p:sp>
+      <p:sp>
+        <p:nvSpPr>
+          <p:cNvPr id="46" name="Rectangle 45"/>
+          <p:cNvSpPr/>
+          <p:nvPr/>
+        </p:nvSpPr>
+        <p:spPr>
+          <a:xfrm rot="3247603">
+            <a:off x="2600289" y="2390969"/>
+            <a:ext cx="281310" cy="185042"/>
+          </a:xfrm>
+          <a:prstGeom prst="rect">
+            <a:avLst/>
+          </a:prstGeom>
+          <a:solidFill>
+            <a:srgbClr val="379DD5"/>
+          </a:solidFill>
+          <a:ln>
+            <a:noFill/>
+          </a:ln>
+          <a:effectLst/>
+        </p:spPr>
+        <p:style>
+          <a:lnRef idx="1">
+            <a:schemeClr val="accent1"/>
+          </a:lnRef>
+          <a:fillRef idx="3">
+            <a:schemeClr val="accent1"/>
+          </a:fillRef>
+          <a:effectRef idx="2">
+            <a:schemeClr val="accent1"/>
+          </a:effectRef>
+          <a:fontRef idx="minor">
+            <a:schemeClr val="lt1"/>
+          </a:fontRef>
+        </p:style>
+        <p:txBody>
+          <a:bodyPr rtlCol="0" anchor="ctr"/>
+          <a:lstStyle/>
+          <a:p>
+            <a:pPr algn="ctr"/>
+            <a:endParaRPr lang="en-US"/>
+          </a:p>
+        </p:txBody>
+      </p:sp>
+      <p:sp>
+        <p:nvSpPr>
+          <p:cNvPr id="45" name="Rectangle 44"/>
+          <p:cNvSpPr/>
+          <p:nvPr/>
+        </p:nvSpPr>
+        <p:spPr>
+          <a:xfrm rot="19567318">
+            <a:off x="2345749" y="3628502"/>
+            <a:ext cx="306976" cy="154876"/>
+          </a:xfrm>
+          <a:prstGeom prst="rect">
+            <a:avLst/>
+          </a:prstGeom>
+          <a:solidFill>
+            <a:srgbClr val="379DD5"/>
+          </a:solidFill>
+          <a:ln>
+            <a:noFill/>
+          </a:ln>
+          <a:effectLst/>
+        </p:spPr>
+        <p:style>
+          <a:lnRef idx="1">
+            <a:schemeClr val="accent1"/>
+          </a:lnRef>
+          <a:fillRef idx="3">
+            <a:schemeClr val="accent1"/>
+          </a:fillRef>
+          <a:effectRef idx="2">
+            <a:schemeClr val="accent1"/>
+          </a:effectRef>
+          <a:fontRef idx="minor">
+            <a:schemeClr val="lt1"/>
+          </a:fontRef>
+        </p:style>
+        <p:txBody>
+          <a:bodyPr rtlCol="0" anchor="ctr"/>
+          <a:lstStyle/>
+          <a:p>
+            <a:pPr algn="ctr"/>
+            <a:endParaRPr lang="en-US"/>
+          </a:p>
+        </p:txBody>
+      </p:sp>
+      <p:sp>
+        <p:nvSpPr>
+          <p:cNvPr id="31" name="Rectangle 30"/>
+          <p:cNvSpPr/>
+          <p:nvPr/>
+        </p:nvSpPr>
+        <p:spPr>
+          <a:xfrm rot="13530784">
+            <a:off x="3637461" y="3703808"/>
+            <a:ext cx="365335" cy="190554"/>
+          </a:xfrm>
+          <a:prstGeom prst="rect">
+            <a:avLst/>
+          </a:prstGeom>
+          <a:solidFill>
+            <a:srgbClr val="3366FF"/>
+          </a:solidFill>
+          <a:ln>
+            <a:noFill/>
+          </a:ln>
+          <a:effectLst/>
+        </p:spPr>
+        <p:style>
+          <a:lnRef idx="1">
+            <a:schemeClr val="accent1"/>
+          </a:lnRef>
+          <a:fillRef idx="3">
+            <a:schemeClr val="accent1"/>
+          </a:fillRef>
+          <a:effectRef idx="2">
+            <a:schemeClr val="accent1"/>
+          </a:effectRef>
+          <a:fontRef idx="minor">
+            <a:schemeClr val="lt1"/>
+          </a:fontRef>
+        </p:style>
+        <p:txBody>
+          <a:bodyPr rtlCol="0" anchor="ctr"/>
+          <a:lstStyle/>
+          <a:p>
+            <a:pPr algn="ctr"/>
+            <a:endParaRPr lang="en-US"/>
+          </a:p>
+        </p:txBody>
+      </p:sp>
+      <p:sp>
+        <p:nvSpPr>
+          <p:cNvPr id="7" name="Rectangle 6"/>
+          <p:cNvSpPr/>
+          <p:nvPr/>
+        </p:nvSpPr>
+        <p:spPr>
+          <a:xfrm rot="16200000">
+            <a:off x="5832529" y="2269127"/>
+            <a:ext cx="128224" cy="154876"/>
+          </a:xfrm>
+          <a:prstGeom prst="rect">
+            <a:avLst/>
+          </a:prstGeom>
+          <a:solidFill>
+            <a:srgbClr val="E46C0A"/>
+          </a:solidFill>
+          <a:ln>
+            <a:noFill/>
+          </a:ln>
+          <a:effectLst/>
+        </p:spPr>
+        <p:style>
+          <a:lnRef idx="1">
+            <a:schemeClr val="accent1"/>
+          </a:lnRef>
+          <a:fillRef idx="3">
+            <a:schemeClr val="accent1"/>
+          </a:fillRef>
+          <a:effectRef idx="2">
+            <a:schemeClr val="accent1"/>
+          </a:effectRef>
+          <a:fontRef idx="minor">
+            <a:schemeClr val="lt1"/>
+          </a:fontRef>
+        </p:style>
+        <p:txBody>
+          <a:bodyPr rtlCol="0" anchor="ctr"/>
+          <a:lstStyle/>
+          <a:p>
+            <a:pPr algn="ctr"/>
+            <a:endParaRPr lang="en-US"/>
+          </a:p>
+        </p:txBody>
+      </p:sp>
+      <p:sp>
+        <p:nvSpPr>
+          <p:cNvPr id="6" name="Rectangle 5"/>
+          <p:cNvSpPr/>
+          <p:nvPr/>
+        </p:nvSpPr>
+        <p:spPr>
+          <a:xfrm rot="18875783">
+            <a:off x="5153021" y="3596120"/>
+            <a:ext cx="365335" cy="190554"/>
+          </a:xfrm>
+          <a:prstGeom prst="rect">
+            <a:avLst/>
+          </a:prstGeom>
+          <a:solidFill>
+            <a:srgbClr val="FF553D"/>
+          </a:solidFill>
+          <a:ln>
+            <a:noFill/>
+          </a:ln>
+          <a:effectLst/>
+        </p:spPr>
+        <p:style>
+          <a:lnRef idx="1">
+            <a:schemeClr val="accent1"/>
+          </a:lnRef>
+          <a:fillRef idx="3">
+            <a:schemeClr val="accent1"/>
+          </a:fillRef>
+          <a:effectRef idx="2">
+            <a:schemeClr val="accent1"/>
+          </a:effectRef>
+          <a:fontRef idx="minor">
+            <a:schemeClr val="lt1"/>
+          </a:fontRef>
+        </p:style>
+        <p:txBody>
+          <a:bodyPr rtlCol="0" anchor="ctr"/>
+          <a:lstStyle/>
+          <a:p>
+            <a:pPr algn="ctr"/>
+            <a:endParaRPr lang="en-US"/>
+          </a:p>
+        </p:txBody>
+      </p:sp>
+      <p:sp>
+        <p:nvSpPr>
+          <p:cNvPr id="4" name="Oval 3"/>
+          <p:cNvSpPr/>
+          <p:nvPr/>
+        </p:nvSpPr>
+        <p:spPr>
+          <a:xfrm>
+            <a:off x="3637279" y="3462101"/>
+            <a:ext cx="1930400" cy="1879600"/>
+          </a:xfrm>
+          <a:prstGeom prst="ellipse">
+            <a:avLst/>
+          </a:prstGeom>
+          <a:solidFill>
+            <a:schemeClr val="tx1">
+              <a:lumMod val="65000"/>
+              <a:lumOff val="35000"/>
+            </a:schemeClr>
+          </a:solidFill>
+          <a:ln w="28575" cmpd="sng">
+            <a:solidFill>
+              <a:srgbClr val="FFFFFF"/>
+            </a:solidFill>
+          </a:ln>
+          <a:effectLst/>
+        </p:spPr>
+        <p:style>
+          <a:lnRef idx="1">
+            <a:schemeClr val="accent1"/>
+          </a:lnRef>
+          <a:fillRef idx="3">
+            <a:schemeClr val="accent1"/>
+          </a:fillRef>
+          <a:effectRef idx="2">
+            <a:schemeClr val="accent1"/>
+          </a:effectRef>
+          <a:fontRef idx="minor">
+            <a:schemeClr val="lt1"/>
+          </a:fontRef>
+        </p:style>
+        <p:txBody>
+          <a:bodyPr rtlCol="0" anchor="ctr"/>
+          <a:lstStyle/>
+          <a:p>
+            <a:pPr algn="ctr"/>
+            <a:endParaRPr lang="en-US" sz="2400" dirty="0">
+              <a:latin typeface="Arial"/>
+              <a:cs typeface="Arial"/>
+            </a:endParaRPr>
+          </a:p>
+        </p:txBody>
+      </p:sp>
+      <p:sp>
+        <p:nvSpPr>
           <p:cNvPr id="9" name="Oval 8"/>
           <p:cNvSpPr/>
           <p:nvPr/>
         </p:nvSpPr>
         <p:spPr>
           <a:xfrm>
-            <a:off x="5053339" y="1963614"/>
+            <a:off x="4963136" y="1791231"/>
             <a:ext cx="264159" cy="264246"/>
           </a:xfrm>
           <a:prstGeom prst="ellipse">
             <a:avLst/>
           </a:prstGeom>
           <a:solidFill>
-            <a:srgbClr val="FF6600"/>
+            <a:srgbClr val="E46C0A"/>
           </a:solidFill>
           <a:ln>
-            <a:noFill/>
+            <a:solidFill>
+              <a:srgbClr val="FFFFFF"/>
+            </a:solidFill>
           </a:ln>
           <a:effectLst/>
         </p:spPr>
@@ -3618,15 +3842,15 @@
           <p:nvPr/>
         </p:nvSpPr>
         <p:spPr>
-          <a:xfrm rot="8830819">
-            <a:off x="5144562" y="1956138"/>
+          <a:xfrm rot="10800000">
+            <a:off x="5172705" y="1854110"/>
             <a:ext cx="314961" cy="129446"/>
           </a:xfrm>
           <a:prstGeom prst="rect">
             <a:avLst/>
           </a:prstGeom>
           <a:solidFill>
-            <a:srgbClr val="FF6600"/>
+            <a:srgbClr val="E46C0A"/>
           </a:solidFill>
           <a:ln>
             <a:noFill/>
@@ -3664,7 +3888,7 @@
         </p:nvSpPr>
         <p:spPr>
           <a:xfrm>
-            <a:off x="6991753" y="1381876"/>
+            <a:off x="6875471" y="1524294"/>
             <a:ext cx="2133601" cy="646331"/>
           </a:xfrm>
           <a:prstGeom prst="rect">
@@ -3692,15 +3916,7 @@
           <a:p>
             <a:r>
               <a:rPr lang="en-US" sz="1200" dirty="0" smtClean="0"/>
-              <a:t>Jan. 2007</a:t>
-            </a:r>
-            <a:r>
-              <a:rPr lang="en-US" sz="1200" dirty="0" smtClean="0"/>
-              <a:t>-</a:t>
-            </a:r>
-            <a:r>
-              <a:rPr lang="en-US" sz="1200" dirty="0" smtClean="0"/>
-              <a:t>Dec. 2007</a:t>
+              <a:t>Jan. 2007-Dec. 2007</a:t>
             </a:r>
             <a:endParaRPr lang="en-US" sz="1200" dirty="0"/>
           </a:p>
@@ -3714,17 +3930,19 @@
         </p:nvSpPr>
         <p:spPr>
           <a:xfrm rot="2004290">
-            <a:off x="5120749" y="889959"/>
+            <a:off x="5193412" y="1090429"/>
             <a:ext cx="264159" cy="264246"/>
           </a:xfrm>
           <a:prstGeom prst="ellipse">
             <a:avLst/>
           </a:prstGeom>
           <a:solidFill>
-            <a:srgbClr val="FF6600"/>
+            <a:srgbClr val="E46C0A"/>
           </a:solidFill>
           <a:ln>
-            <a:noFill/>
+            <a:solidFill>
+              <a:srgbClr val="FFFFFF"/>
+            </a:solidFill>
           </a:ln>
           <a:effectLst/>
         </p:spPr>
@@ -3765,14 +3983,14 @@
         </p:nvSpPr>
         <p:spPr>
           <a:xfrm rot="12852227">
-            <a:off x="5201334" y="1036627"/>
+            <a:off x="5375876" y="1297715"/>
             <a:ext cx="314961" cy="129446"/>
           </a:xfrm>
           <a:prstGeom prst="rect">
             <a:avLst/>
           </a:prstGeom>
           <a:solidFill>
-            <a:srgbClr val="FF6600"/>
+            <a:srgbClr val="E46C0A"/>
           </a:solidFill>
           <a:ln>
             <a:noFill/>
@@ -3810,8 +4028,8 @@
         </p:nvSpPr>
         <p:spPr>
           <a:xfrm>
-            <a:off x="6354149" y="0"/>
-            <a:ext cx="2789852" cy="830997"/>
+            <a:off x="6133043" y="244901"/>
+            <a:ext cx="2792470" cy="830997"/>
           </a:xfrm>
           <a:prstGeom prst="rect">
             <a:avLst/>
@@ -3824,12 +4042,14 @@
           </a:bodyPr>
           <a:lstStyle/>
           <a:p>
+            <a:pPr algn="r"/>
             <a:r>
               <a:rPr lang="en-US" sz="1200" dirty="0" smtClean="0"/>
               <a:t>Research Specialist/Associate</a:t>
             </a:r>
           </a:p>
           <a:p>
+            <a:pPr algn="r"/>
             <a:r>
               <a:rPr lang="en-US" sz="1200" i="1" dirty="0" err="1" smtClean="0"/>
               <a:t>Stowers</a:t>
@@ -3840,39 +4060,17 @@
             </a:r>
           </a:p>
           <a:p>
+            <a:pPr algn="r"/>
             <a:r>
               <a:rPr lang="en-US" sz="1200" i="1" dirty="0" smtClean="0"/>
               <a:t>Pennsylvania State University</a:t>
             </a:r>
           </a:p>
           <a:p>
+            <a:pPr algn="r"/>
             <a:r>
               <a:rPr lang="en-US" sz="1200" dirty="0" smtClean="0"/>
-              <a:t>Jan. 2008</a:t>
-            </a:r>
-            <a:r>
-              <a:rPr lang="en-US" sz="1200" dirty="0" smtClean="0"/>
-              <a:t>-</a:t>
-            </a:r>
-            <a:r>
-              <a:rPr lang="en-US" sz="1200" dirty="0" smtClean="0"/>
-              <a:t>Aug. 2010</a:t>
-            </a:r>
-            <a:r>
-              <a:rPr lang="en-US" sz="1200" dirty="0" smtClean="0"/>
-              <a:t>/</a:t>
-            </a:r>
-            <a:r>
-              <a:rPr lang="en-US" sz="1200" dirty="0" smtClean="0"/>
-              <a:t>Sep. 2010</a:t>
-            </a:r>
-            <a:r>
-              <a:rPr lang="en-US" sz="1200" dirty="0" smtClean="0"/>
-              <a:t>-</a:t>
-            </a:r>
-            <a:r>
-              <a:rPr lang="en-US" sz="1200" dirty="0" smtClean="0"/>
-              <a:t>Mar. 2011</a:t>
+              <a:t>Jan. 2008-Aug. 2010/Sep. 2010-Mar. 2011</a:t>
             </a:r>
             <a:endParaRPr lang="en-US" sz="1200" dirty="0"/>
           </a:p>
@@ -3886,17 +4084,19 @@
         </p:nvSpPr>
         <p:spPr>
           <a:xfrm rot="8464517">
-            <a:off x="6387892" y="802126"/>
+            <a:off x="6419562" y="1123773"/>
             <a:ext cx="264159" cy="264246"/>
           </a:xfrm>
           <a:prstGeom prst="ellipse">
             <a:avLst/>
           </a:prstGeom>
           <a:solidFill>
-            <a:srgbClr val="FF6600"/>
+            <a:srgbClr val="E46C0A"/>
           </a:solidFill>
           <a:ln>
-            <a:noFill/>
+            <a:solidFill>
+              <a:srgbClr val="FFFFFF"/>
+            </a:solidFill>
           </a:ln>
           <a:effectLst/>
         </p:spPr>
@@ -3937,14 +4137,14 @@
         </p:nvSpPr>
         <p:spPr>
           <a:xfrm rot="19205243">
-            <a:off x="6223378" y="989733"/>
+            <a:off x="6255178" y="1304939"/>
             <a:ext cx="314961" cy="129448"/>
           </a:xfrm>
           <a:prstGeom prst="rect">
             <a:avLst/>
           </a:prstGeom>
           <a:solidFill>
-            <a:srgbClr val="FF6600"/>
+            <a:srgbClr val="E46C0A"/>
           </a:solidFill>
           <a:ln>
             <a:noFill/>
@@ -3982,8 +4182,8 @@
         </p:nvSpPr>
         <p:spPr>
           <a:xfrm>
-            <a:off x="3332067" y="173029"/>
-            <a:ext cx="2786303" cy="646331"/>
+            <a:off x="4145991" y="244901"/>
+            <a:ext cx="1948662" cy="830997"/>
           </a:xfrm>
           <a:prstGeom prst="rect">
             <a:avLst/>
@@ -4006,22 +4206,26 @@
             <a:pPr algn="r"/>
             <a:r>
               <a:rPr lang="en-US" sz="1200" i="1" dirty="0" smtClean="0"/>
-              <a:t>Memorial Sloan-Kettering Cancer Center</a:t>
-            </a:r>
+              <a:t>Memorial Sloan-Kettering </a:t>
+            </a:r>
+            <a:endParaRPr lang="en-US" sz="1200" i="1" dirty="0" smtClean="0"/>
           </a:p>
           <a:p>
             <a:pPr algn="r"/>
             <a:r>
+              <a:rPr lang="en-US" sz="1200" i="1" dirty="0" smtClean="0"/>
+              <a:t>Cancer </a:t>
+            </a:r>
+            <a:r>
+              <a:rPr lang="en-US" sz="1200" i="1" dirty="0" smtClean="0"/>
+              <a:t>Center</a:t>
+            </a:r>
+          </a:p>
+          <a:p>
+            <a:pPr algn="r"/>
+            <a:r>
               <a:rPr lang="en-US" sz="1200" dirty="0" smtClean="0"/>
-              <a:t>Apr. 2011</a:t>
-            </a:r>
-            <a:r>
-              <a:rPr lang="en-US" sz="1200" dirty="0" smtClean="0"/>
-              <a:t>-</a:t>
-            </a:r>
-            <a:r>
-              <a:rPr lang="en-US" sz="1200" dirty="0" smtClean="0"/>
-              <a:t>Oct. 2013</a:t>
+              <a:t>Apr. 2011-Oct. 2013</a:t>
             </a:r>
             <a:endParaRPr lang="en-US" sz="1200" dirty="0"/>
           </a:p>
@@ -4035,17 +4239,19 @@
         </p:nvSpPr>
         <p:spPr>
           <a:xfrm rot="6233232">
-            <a:off x="6723321" y="1578902"/>
+            <a:off x="6637401" y="1791231"/>
             <a:ext cx="264159" cy="264246"/>
           </a:xfrm>
           <a:prstGeom prst="ellipse">
             <a:avLst/>
           </a:prstGeom>
           <a:solidFill>
-            <a:srgbClr val="FF6600"/>
+            <a:srgbClr val="E46C0A"/>
           </a:solidFill>
           <a:ln>
-            <a:noFill/>
+            <a:solidFill>
+              <a:srgbClr val="FFFFFF"/>
+            </a:solidFill>
           </a:ln>
           <a:effectLst/>
         </p:spPr>
@@ -4086,14 +4292,14 @@
         </p:nvSpPr>
         <p:spPr>
           <a:xfrm rot="10800000">
-            <a:off x="6527798" y="1638360"/>
+            <a:off x="6364382" y="1860331"/>
             <a:ext cx="314961" cy="129446"/>
           </a:xfrm>
           <a:prstGeom prst="rect">
             <a:avLst/>
           </a:prstGeom>
           <a:solidFill>
-            <a:srgbClr val="FF6600"/>
+            <a:srgbClr val="E46C0A"/>
           </a:solidFill>
           <a:ln>
             <a:noFill/>
@@ -4131,7 +4337,7 @@
         </p:nvSpPr>
         <p:spPr>
           <a:xfrm>
-            <a:off x="3489936" y="1923354"/>
+            <a:off x="3408656" y="1525384"/>
             <a:ext cx="1554480" cy="646331"/>
           </a:xfrm>
           <a:prstGeom prst="rect">
@@ -4166,64 +4372,9 @@
             <a:pPr algn="r"/>
             <a:r>
               <a:rPr lang="en-US" sz="1200" dirty="0" smtClean="0"/>
-              <a:t>Nov. 2013</a:t>
-            </a:r>
-            <a:r>
-              <a:rPr lang="en-US" sz="1200" dirty="0" smtClean="0"/>
-              <a:t>-Present</a:t>
+              <a:t>Nov. 2013-Present</a:t>
             </a:r>
             <a:endParaRPr lang="en-US" sz="1200" dirty="0"/>
-          </a:p>
-        </p:txBody>
-      </p:sp>
-      <p:sp>
-        <p:nvSpPr>
-          <p:cNvPr id="22" name="Oval 21"/>
-          <p:cNvSpPr/>
-          <p:nvPr/>
-        </p:nvSpPr>
-        <p:spPr>
-          <a:xfrm>
-            <a:off x="6412659" y="3388342"/>
-            <a:ext cx="1116619" cy="1134861"/>
-          </a:xfrm>
-          <a:prstGeom prst="ellipse">
-            <a:avLst/>
-          </a:prstGeom>
-          <a:solidFill>
-            <a:srgbClr val="FF6600"/>
-          </a:solidFill>
-          <a:ln>
-            <a:noFill/>
-          </a:ln>
-          <a:effectLst/>
-        </p:spPr>
-        <p:style>
-          <a:lnRef idx="1">
-            <a:schemeClr val="accent1"/>
-          </a:lnRef>
-          <a:fillRef idx="3">
-            <a:schemeClr val="accent1"/>
-          </a:fillRef>
-          <a:effectRef idx="2">
-            <a:schemeClr val="accent1"/>
-          </a:effectRef>
-          <a:fontRef idx="minor">
-            <a:schemeClr val="lt1"/>
-          </a:fontRef>
-        </p:style>
-        <p:txBody>
-          <a:bodyPr rtlCol="0" anchor="ctr"/>
-          <a:lstStyle/>
-          <a:p>
-            <a:pPr algn="ctr"/>
-            <a:endParaRPr lang="en-US" sz="1200" dirty="0">
-              <a:solidFill>
-                <a:schemeClr val="bg1"/>
-              </a:solidFill>
-              <a:latin typeface="Arial"/>
-              <a:cs typeface="Arial"/>
-            </a:endParaRPr>
           </a:p>
         </p:txBody>
       </p:sp>
@@ -4234,18 +4385,20 @@
           <p:nvPr/>
         </p:nvSpPr>
         <p:spPr>
-          <a:xfrm rot="5623617">
-            <a:off x="6337011" y="4415712"/>
+          <a:xfrm rot="10800000">
+            <a:off x="6332536" y="4449726"/>
             <a:ext cx="264159" cy="264246"/>
           </a:xfrm>
           <a:prstGeom prst="ellipse">
             <a:avLst/>
           </a:prstGeom>
           <a:solidFill>
-            <a:srgbClr val="FF6600"/>
+            <a:srgbClr val="E46C0A"/>
           </a:solidFill>
           <a:ln>
-            <a:noFill/>
+            <a:solidFill>
+              <a:srgbClr val="FFFFFF"/>
+            </a:solidFill>
           </a:ln>
           <a:effectLst/>
         </p:spPr>
@@ -4286,17 +4439,19 @@
         </p:nvSpPr>
         <p:spPr>
           <a:xfrm rot="7627907">
-            <a:off x="6791401" y="3071162"/>
+            <a:off x="6939121" y="3051703"/>
             <a:ext cx="264159" cy="264246"/>
           </a:xfrm>
           <a:prstGeom prst="ellipse">
             <a:avLst/>
           </a:prstGeom>
           <a:solidFill>
-            <a:srgbClr val="FF6600"/>
+            <a:srgbClr val="E46C0A"/>
           </a:solidFill>
           <a:ln>
-            <a:noFill/>
+            <a:solidFill>
+              <a:srgbClr val="FFFFFF"/>
+            </a:solidFill>
           </a:ln>
           <a:effectLst/>
         </p:spPr>
@@ -4336,15 +4491,15 @@
           <p:nvPr/>
         </p:nvSpPr>
         <p:spPr>
-          <a:xfrm rot="16030270">
-            <a:off x="6772678" y="3308487"/>
-            <a:ext cx="314961" cy="129446"/>
+          <a:xfrm rot="16606822">
+            <a:off x="6971085" y="3259565"/>
+            <a:ext cx="173120" cy="149298"/>
           </a:xfrm>
           <a:prstGeom prst="rect">
             <a:avLst/>
           </a:prstGeom>
           <a:solidFill>
-            <a:srgbClr val="FF6600"/>
+            <a:srgbClr val="E46C0A"/>
           </a:solidFill>
           <a:ln>
             <a:noFill/>
@@ -4382,17 +4537,19 @@
         </p:nvSpPr>
         <p:spPr>
           <a:xfrm rot="14088134">
-            <a:off x="7525793" y="3526817"/>
+            <a:off x="7614326" y="3655279"/>
             <a:ext cx="264159" cy="264246"/>
           </a:xfrm>
           <a:prstGeom prst="ellipse">
             <a:avLst/>
           </a:prstGeom>
           <a:solidFill>
-            <a:srgbClr val="FF6600"/>
+            <a:srgbClr val="E46C0A"/>
           </a:solidFill>
           <a:ln>
-            <a:noFill/>
+            <a:solidFill>
+              <a:srgbClr val="FFFFFF"/>
+            </a:solidFill>
           </a:ln>
           <a:effectLst/>
         </p:spPr>
@@ -4432,15 +4589,15 @@
           <p:nvPr/>
         </p:nvSpPr>
         <p:spPr>
-          <a:xfrm rot="8380818">
-            <a:off x="7341317" y="3715983"/>
-            <a:ext cx="314961" cy="129448"/>
+          <a:xfrm rot="9949933">
+            <a:off x="7489678" y="3765269"/>
+            <a:ext cx="196960" cy="149471"/>
           </a:xfrm>
           <a:prstGeom prst="rect">
             <a:avLst/>
           </a:prstGeom>
           <a:solidFill>
-            <a:srgbClr val="FF6600"/>
+            <a:srgbClr val="E46C0A"/>
           </a:solidFill>
           <a:ln>
             <a:noFill/>
@@ -4478,17 +4635,19 @@
         </p:nvSpPr>
         <p:spPr>
           <a:xfrm rot="11856849">
-            <a:off x="7324006" y="4422440"/>
+            <a:off x="7376120" y="4456594"/>
             <a:ext cx="264159" cy="264246"/>
           </a:xfrm>
           <a:prstGeom prst="ellipse">
             <a:avLst/>
           </a:prstGeom>
           <a:solidFill>
-            <a:srgbClr val="FF6600"/>
+            <a:srgbClr val="E46C0A"/>
           </a:solidFill>
           <a:ln>
-            <a:noFill/>
+            <a:solidFill>
+              <a:srgbClr val="FFFFFF"/>
+            </a:solidFill>
           </a:ln>
           <a:effectLst/>
         </p:spPr>
@@ -4528,15 +4687,15 @@
           <p:nvPr/>
         </p:nvSpPr>
         <p:spPr>
-          <a:xfrm rot="14307347">
-            <a:off x="7219387" y="4362410"/>
-            <a:ext cx="314961" cy="129446"/>
+          <a:xfrm rot="13531229">
+            <a:off x="7273344" y="4388586"/>
+            <a:ext cx="222218" cy="130780"/>
           </a:xfrm>
           <a:prstGeom prst="rect">
             <a:avLst/>
           </a:prstGeom>
           <a:solidFill>
-            <a:srgbClr val="FF6600"/>
+            <a:srgbClr val="E46C0A"/>
           </a:solidFill>
           <a:ln>
             <a:noFill/>
@@ -4568,62 +4727,14 @@
       </p:sp>
       <p:sp>
         <p:nvSpPr>
-          <p:cNvPr id="32" name="Oval 31"/>
-          <p:cNvSpPr/>
-          <p:nvPr/>
-        </p:nvSpPr>
-        <p:spPr>
-          <a:xfrm>
-            <a:off x="2509458" y="2466421"/>
-            <a:ext cx="1505311" cy="1473084"/>
-          </a:xfrm>
-          <a:prstGeom prst="ellipse">
-            <a:avLst/>
-          </a:prstGeom>
-          <a:solidFill>
-            <a:srgbClr val="3366FF"/>
-          </a:solidFill>
-          <a:ln>
-            <a:noFill/>
-          </a:ln>
-          <a:effectLst/>
-        </p:spPr>
-        <p:style>
-          <a:lnRef idx="1">
-            <a:schemeClr val="accent1"/>
-          </a:lnRef>
-          <a:fillRef idx="3">
-            <a:schemeClr val="accent1"/>
-          </a:fillRef>
-          <a:effectRef idx="2">
-            <a:schemeClr val="accent1"/>
-          </a:effectRef>
-          <a:fontRef idx="minor">
-            <a:schemeClr val="lt1"/>
-          </a:fontRef>
-        </p:style>
-        <p:txBody>
-          <a:bodyPr rtlCol="0" anchor="ctr"/>
-          <a:lstStyle/>
-          <a:p>
-            <a:pPr algn="ctr"/>
-            <a:endParaRPr lang="en-US" sz="1400" dirty="0">
-              <a:latin typeface="Arial"/>
-              <a:cs typeface="Arial"/>
-            </a:endParaRPr>
-          </a:p>
-        </p:txBody>
-      </p:sp>
-      <p:sp>
-        <p:nvSpPr>
           <p:cNvPr id="34" name="TextBox 33"/>
           <p:cNvSpPr txBox="1"/>
           <p:nvPr/>
         </p:nvSpPr>
         <p:spPr>
           <a:xfrm>
-            <a:off x="5309308" y="4768893"/>
-            <a:ext cx="1769514" cy="830997"/>
+            <a:off x="5492717" y="4744187"/>
+            <a:ext cx="1618675" cy="830997"/>
           </a:xfrm>
           <a:prstGeom prst="rect">
             <a:avLst/>
@@ -4639,26 +4750,25 @@
             <a:pPr algn="r"/>
             <a:r>
               <a:rPr lang="en-US" sz="1200" dirty="0" smtClean="0"/>
-              <a:t>Bachelor of Science (BSc)</a:t>
-            </a:r>
+              <a:t>Bachelor of Science </a:t>
+            </a:r>
+            <a:r>
+              <a:rPr lang="en-US" sz="1200" dirty="0" smtClean="0"/>
+              <a:t>Mathematics (BSc.)</a:t>
+            </a:r>
+            <a:endParaRPr lang="en-US" sz="1200" dirty="0" smtClean="0"/>
           </a:p>
           <a:p>
             <a:pPr algn="r"/>
             <a:r>
-              <a:rPr lang="en-US" sz="1200" dirty="0" smtClean="0"/>
-              <a:t>Mathematics</a:t>
-            </a:r>
-          </a:p>
-          <a:p>
-            <a:pPr algn="r"/>
-            <a:r>
               <a:rPr lang="en-US" sz="1200" i="1" dirty="0" smtClean="0"/>
-              <a:t>University of Madras</a:t>
-            </a:r>
-            <a:r>
-              <a:rPr lang="en-US" sz="1200" dirty="0" smtClean="0"/>
-              <a:t>	</a:t>
-            </a:r>
+              <a:t>University of </a:t>
+            </a:r>
+            <a:r>
+              <a:rPr lang="en-US" sz="1200" i="1" dirty="0" smtClean="0"/>
+              <a:t>Madras</a:t>
+            </a:r>
+            <a:endParaRPr lang="en-US" sz="1200" dirty="0" smtClean="0"/>
           </a:p>
           <a:p>
             <a:pPr algn="r"/>
@@ -4678,8 +4788,8 @@
         </p:nvSpPr>
         <p:spPr>
           <a:xfrm>
-            <a:off x="7108546" y="4768893"/>
-            <a:ext cx="1707100" cy="1015663"/>
+            <a:off x="7215625" y="4713973"/>
+            <a:ext cx="1695215" cy="830997"/>
           </a:xfrm>
           <a:prstGeom prst="rect">
             <a:avLst/>
@@ -4695,30 +4805,21 @@
             <a:pPr algn="r"/>
             <a:r>
               <a:rPr lang="en-US" sz="1200" dirty="0" smtClean="0"/>
-              <a:t>Master of Science (MSc)</a:t>
-            </a:r>
+              <a:t>Master of Science </a:t>
+            </a:r>
+            <a:r>
+              <a:rPr lang="en-US" sz="1200" dirty="0" smtClean="0"/>
+              <a:t>Mathematics (MSc.)</a:t>
+            </a:r>
+            <a:endParaRPr lang="en-US" sz="1200" dirty="0" smtClean="0"/>
           </a:p>
           <a:p>
             <a:pPr algn="r"/>
             <a:r>
-              <a:rPr lang="en-US" sz="1200" dirty="0"/>
-              <a:t>M</a:t>
-            </a:r>
-            <a:r>
-              <a:rPr lang="en-US" sz="1200" dirty="0" smtClean="0"/>
-              <a:t>athematics</a:t>
-            </a:r>
-          </a:p>
-          <a:p>
-            <a:pPr algn="r"/>
-            <a:r>
               <a:rPr lang="en-US" sz="1200" i="1" dirty="0" smtClean="0"/>
-              <a:t>Indian Institute of Technology, Madras</a:t>
-            </a:r>
-            <a:r>
-              <a:rPr lang="en-US" sz="1200" dirty="0" smtClean="0"/>
-              <a:t>	</a:t>
-            </a:r>
+              <a:t>IIT, Madras</a:t>
+            </a:r>
+            <a:endParaRPr lang="en-US" sz="1200" dirty="0" smtClean="0"/>
           </a:p>
           <a:p>
             <a:pPr algn="r"/>
@@ -4738,8 +4839,8 @@
         </p:nvSpPr>
         <p:spPr>
           <a:xfrm>
-            <a:off x="7327623" y="2935788"/>
-            <a:ext cx="1681449" cy="830997"/>
+            <a:off x="7246106" y="3000809"/>
+            <a:ext cx="1664734" cy="830997"/>
           </a:xfrm>
           <a:prstGeom prst="rect">
             <a:avLst/>
@@ -4755,26 +4856,28 @@
             <a:pPr algn="r"/>
             <a:r>
               <a:rPr lang="en-US" sz="1200" dirty="0" smtClean="0"/>
-              <a:t>Master of Science (MS)</a:t>
+              <a:t>Master of Science </a:t>
             </a:r>
           </a:p>
           <a:p>
             <a:pPr algn="r"/>
             <a:r>
               <a:rPr lang="en-US" sz="1200" dirty="0" smtClean="0"/>
-              <a:t>Mathematics </a:t>
-            </a:r>
+              <a:t>Mathematics (MS.) </a:t>
+            </a:r>
+            <a:endParaRPr lang="en-US" sz="1200" dirty="0" smtClean="0"/>
           </a:p>
           <a:p>
             <a:pPr algn="r"/>
             <a:r>
               <a:rPr lang="en-US" sz="1200" i="1" dirty="0" smtClean="0"/>
-              <a:t>Texas A&amp;M University</a:t>
-            </a:r>
-            <a:r>
-              <a:rPr lang="en-US" sz="1200" dirty="0" smtClean="0"/>
-              <a:t>	</a:t>
-            </a:r>
+              <a:t>Texas A&amp;M </a:t>
+            </a:r>
+            <a:r>
+              <a:rPr lang="en-US" sz="1200" i="1" dirty="0" smtClean="0"/>
+              <a:t>University</a:t>
+            </a:r>
+            <a:endParaRPr lang="en-US" sz="1200" dirty="0" smtClean="0"/>
           </a:p>
           <a:p>
             <a:pPr algn="r"/>
@@ -4794,7 +4897,7 @@
         </p:nvSpPr>
         <p:spPr>
           <a:xfrm>
-            <a:off x="6351699" y="3777243"/>
+            <a:off x="6351699" y="3767083"/>
             <a:ext cx="1249935" cy="338554"/>
           </a:xfrm>
           <a:prstGeom prst="rect">
@@ -4812,7 +4915,7 @@
             <a:r>
               <a:rPr lang="en-US" sz="1600" b="1" dirty="0">
                 <a:solidFill>
-                  <a:schemeClr val="bg1"/>
+                  <a:srgbClr val="FFFFFF"/>
                 </a:solidFill>
                 <a:latin typeface="Arial"/>
                 <a:cs typeface="Arial"/>
@@ -4822,7 +4925,7 @@
             <a:r>
               <a:rPr lang="en-US" sz="1600" b="1" dirty="0" smtClean="0">
                 <a:solidFill>
-                  <a:schemeClr val="bg1"/>
+                  <a:srgbClr val="FFFFFF"/>
                 </a:solidFill>
                 <a:latin typeface="Arial"/>
                 <a:cs typeface="Arial"/>
@@ -4831,83 +4934,7 @@
             </a:r>
             <a:endParaRPr lang="en-US" sz="1600" b="1" dirty="0">
               <a:solidFill>
-                <a:schemeClr val="bg1"/>
-              </a:solidFill>
-              <a:latin typeface="Arial"/>
-              <a:cs typeface="Arial"/>
-            </a:endParaRPr>
-          </a:p>
-        </p:txBody>
-      </p:sp>
-      <p:sp>
-        <p:nvSpPr>
-          <p:cNvPr id="38" name="TextBox 37"/>
-          <p:cNvSpPr txBox="1"/>
-          <p:nvPr/>
-        </p:nvSpPr>
-        <p:spPr>
-          <a:xfrm>
-            <a:off x="5262762" y="1297180"/>
-            <a:ext cx="1412240" cy="584776"/>
-          </a:xfrm>
-          <a:prstGeom prst="rect">
-            <a:avLst/>
-          </a:prstGeom>
-          <a:noFill/>
-        </p:spPr>
-        <p:txBody>
-          <a:bodyPr wrap="square" rtlCol="0">
-            <a:spAutoFit/>
-          </a:bodyPr>
-          <a:lstStyle/>
-          <a:p>
-            <a:pPr algn="ctr"/>
-            <a:r>
-              <a:rPr lang="en-US" sz="1600" b="1" dirty="0">
-                <a:solidFill>
-                  <a:schemeClr val="bg1"/>
-                </a:solidFill>
-                <a:latin typeface="Arial"/>
-                <a:cs typeface="Arial"/>
-              </a:rPr>
-              <a:t>w</a:t>
-            </a:r>
-            <a:r>
-              <a:rPr lang="en-US" sz="1600" b="1" dirty="0" smtClean="0">
-                <a:solidFill>
-                  <a:schemeClr val="bg1"/>
-                </a:solidFill>
-                <a:latin typeface="Arial"/>
-                <a:cs typeface="Arial"/>
-              </a:rPr>
-              <a:t>ork </a:t>
-            </a:r>
-          </a:p>
-          <a:p>
-            <a:pPr algn="ctr"/>
-            <a:r>
-              <a:rPr lang="en-US" sz="1600" b="1" dirty="0">
-                <a:solidFill>
-                  <a:schemeClr val="bg1"/>
-                </a:solidFill>
-                <a:latin typeface="Arial"/>
-                <a:cs typeface="Arial"/>
-              </a:rPr>
-              <a:t>e</a:t>
-            </a:r>
-            <a:r>
-              <a:rPr lang="en-US" sz="1600" b="1" dirty="0" smtClean="0">
-                <a:solidFill>
-                  <a:schemeClr val="bg1"/>
-                </a:solidFill>
-                <a:latin typeface="Arial"/>
-                <a:cs typeface="Arial"/>
-              </a:rPr>
-              <a:t>xperience</a:t>
-            </a:r>
-            <a:endParaRPr lang="en-US" sz="1600" b="1" dirty="0">
-              <a:solidFill>
-                <a:schemeClr val="bg1"/>
+                <a:srgbClr val="FFFFFF"/>
               </a:solidFill>
               <a:latin typeface="Arial"/>
               <a:cs typeface="Arial"/>
@@ -5025,7 +5052,7 @@
         </p:nvSpPr>
         <p:spPr>
           <a:xfrm>
-            <a:off x="6554357" y="2193204"/>
+            <a:off x="6788210" y="2200292"/>
             <a:ext cx="2034289" cy="830997"/>
           </a:xfrm>
           <a:prstGeom prst="rect">
@@ -5041,14 +5068,24 @@
           <a:p>
             <a:r>
               <a:rPr lang="en-US" sz="1200" b="1" dirty="0" smtClean="0"/>
-              <a:t>Doctor of Philosophy (PhD)</a:t>
-            </a:r>
+              <a:t>Doctor of </a:t>
+            </a:r>
+            <a:r>
+              <a:rPr lang="en-US" sz="1200" b="1" dirty="0" smtClean="0"/>
+              <a:t>Philosophy</a:t>
+            </a:r>
+            <a:endParaRPr lang="en-US" sz="1200" b="1" dirty="0" smtClean="0"/>
           </a:p>
           <a:p>
             <a:r>
               <a:rPr lang="en-US" sz="1200" dirty="0" smtClean="0"/>
               <a:t>Computer Science </a:t>
             </a:r>
+            <a:r>
+              <a:rPr lang="en-US" sz="1200" dirty="0" smtClean="0"/>
+              <a:t>(PhD)</a:t>
+            </a:r>
+            <a:endParaRPr lang="en-US" sz="1200" dirty="0" smtClean="0"/>
           </a:p>
           <a:p>
             <a:r>
@@ -5077,8 +5114,8 @@
         </p:nvSpPr>
         <p:spPr>
           <a:xfrm>
-            <a:off x="2397068" y="2813745"/>
-            <a:ext cx="1759547" cy="707886"/>
+            <a:off x="2491201" y="2793425"/>
+            <a:ext cx="1533026" cy="707886"/>
           </a:xfrm>
           <a:prstGeom prst="rect">
             <a:avLst/>
@@ -5095,7 +5132,7 @@
             <a:r>
               <a:rPr lang="en-US" sz="2000" b="1" dirty="0">
                 <a:solidFill>
-                  <a:schemeClr val="bg1"/>
+                  <a:srgbClr val="FFFFFF"/>
                 </a:solidFill>
                 <a:latin typeface="Arial"/>
                 <a:cs typeface="Arial"/>
@@ -5105,7 +5142,7 @@
             <a:r>
               <a:rPr lang="en-US" sz="2000" b="1" dirty="0" smtClean="0">
                 <a:solidFill>
-                  <a:schemeClr val="bg1"/>
+                  <a:srgbClr val="FFFFFF"/>
                 </a:solidFill>
                 <a:latin typeface="Arial"/>
                 <a:cs typeface="Arial"/>
@@ -5114,7 +5151,7 @@
             </a:r>
             <a:endParaRPr lang="en-US" sz="2000" b="1" dirty="0">
               <a:solidFill>
-                <a:schemeClr val="bg1"/>
+                <a:srgbClr val="FFFFFF"/>
               </a:solidFill>
               <a:latin typeface="Arial"/>
               <a:cs typeface="Arial"/>
@@ -5124,64 +5161,13 @@
       </p:sp>
       <p:sp>
         <p:nvSpPr>
-          <p:cNvPr id="43" name="Oval 42"/>
-          <p:cNvSpPr/>
-          <p:nvPr/>
-        </p:nvSpPr>
-        <p:spPr>
-          <a:xfrm>
-            <a:off x="1538809" y="3401141"/>
-            <a:ext cx="1112889" cy="1116777"/>
-          </a:xfrm>
-          <a:prstGeom prst="ellipse">
-            <a:avLst/>
-          </a:prstGeom>
-          <a:solidFill>
-            <a:srgbClr val="379DD5"/>
-          </a:solidFill>
-          <a:ln>
-            <a:noFill/>
-          </a:ln>
-          <a:effectLst/>
-        </p:spPr>
-        <p:style>
-          <a:lnRef idx="1">
-            <a:schemeClr val="accent1"/>
-          </a:lnRef>
-          <a:fillRef idx="3">
-            <a:schemeClr val="accent1"/>
-          </a:fillRef>
-          <a:effectRef idx="2">
-            <a:schemeClr val="accent1"/>
-          </a:effectRef>
-          <a:fontRef idx="minor">
-            <a:schemeClr val="lt1"/>
-          </a:fontRef>
-        </p:style>
-        <p:txBody>
-          <a:bodyPr rtlCol="0" anchor="ctr"/>
-          <a:lstStyle/>
-          <a:p>
-            <a:pPr algn="ctr"/>
-            <a:endParaRPr lang="en-US" sz="1200" dirty="0">
-              <a:solidFill>
-                <a:schemeClr val="bg1"/>
-              </a:solidFill>
-              <a:latin typeface="Arial"/>
-              <a:cs typeface="Arial"/>
-            </a:endParaRPr>
-          </a:p>
-        </p:txBody>
-      </p:sp>
-      <p:sp>
-        <p:nvSpPr>
           <p:cNvPr id="44" name="TextBox 43"/>
           <p:cNvSpPr txBox="1"/>
           <p:nvPr/>
         </p:nvSpPr>
         <p:spPr>
           <a:xfrm>
-            <a:off x="1478387" y="3797265"/>
+            <a:off x="1478387" y="3776945"/>
             <a:ext cx="1225512" cy="338554"/>
           </a:xfrm>
           <a:prstGeom prst="rect">
@@ -5199,7 +5185,7 @@
             <a:r>
               <a:rPr lang="en-US" sz="1600" b="1" dirty="0">
                 <a:solidFill>
-                  <a:schemeClr val="bg1"/>
+                  <a:srgbClr val="FFFFFF"/>
                 </a:solidFill>
                 <a:latin typeface="Arial"/>
                 <a:cs typeface="Arial"/>
@@ -5209,7 +5195,7 @@
             <a:r>
               <a:rPr lang="en-US" sz="1600" b="1" dirty="0" smtClean="0">
                 <a:solidFill>
-                  <a:schemeClr val="bg1"/>
+                  <a:srgbClr val="FFFFFF"/>
                 </a:solidFill>
                 <a:latin typeface="Arial"/>
                 <a:cs typeface="Arial"/>
@@ -5218,7 +5204,7 @@
             </a:r>
             <a:endParaRPr lang="en-US" sz="1600" b="1" dirty="0">
               <a:solidFill>
-                <a:schemeClr val="bg1"/>
+                <a:srgbClr val="FFFFFF"/>
               </a:solidFill>
               <a:latin typeface="Arial"/>
               <a:cs typeface="Arial"/>
@@ -5228,65 +5214,14 @@
       </p:sp>
       <p:sp>
         <p:nvSpPr>
-          <p:cNvPr id="47" name="Oval 46"/>
-          <p:cNvSpPr/>
-          <p:nvPr/>
-        </p:nvSpPr>
-        <p:spPr>
-          <a:xfrm>
-            <a:off x="1843734" y="1531605"/>
-            <a:ext cx="1172527" cy="1116777"/>
-          </a:xfrm>
-          <a:prstGeom prst="ellipse">
-            <a:avLst/>
-          </a:prstGeom>
-          <a:solidFill>
-            <a:srgbClr val="379DD5"/>
-          </a:solidFill>
-          <a:ln>
-            <a:noFill/>
-          </a:ln>
-          <a:effectLst/>
-        </p:spPr>
-        <p:style>
-          <a:lnRef idx="1">
-            <a:schemeClr val="accent1"/>
-          </a:lnRef>
-          <a:fillRef idx="3">
-            <a:schemeClr val="accent1"/>
-          </a:fillRef>
-          <a:effectRef idx="2">
-            <a:schemeClr val="accent1"/>
-          </a:effectRef>
-          <a:fontRef idx="minor">
-            <a:schemeClr val="lt1"/>
-          </a:fontRef>
-        </p:style>
-        <p:txBody>
-          <a:bodyPr rtlCol="0" anchor="ctr"/>
-          <a:lstStyle/>
-          <a:p>
-            <a:pPr algn="ctr"/>
-            <a:endParaRPr lang="en-US" sz="1200" dirty="0">
-              <a:solidFill>
-                <a:schemeClr val="bg1"/>
-              </a:solidFill>
-              <a:latin typeface="Arial"/>
-              <a:cs typeface="Arial"/>
-            </a:endParaRPr>
-          </a:p>
-        </p:txBody>
-      </p:sp>
-      <p:sp>
-        <p:nvSpPr>
-          <p:cNvPr id="48" name="TextBox 47"/>
+          <p:cNvPr id="51" name="TextBox 50"/>
           <p:cNvSpPr txBox="1"/>
           <p:nvPr/>
         </p:nvSpPr>
         <p:spPr>
           <a:xfrm>
-            <a:off x="1843734" y="1906064"/>
-            <a:ext cx="1172527" cy="338554"/>
+            <a:off x="4004609" y="5817026"/>
+            <a:ext cx="1276253" cy="400110"/>
           </a:xfrm>
           <a:prstGeom prst="rect">
             <a:avLst/>
@@ -5301,110 +5236,9 @@
           <a:p>
             <a:pPr algn="ctr"/>
             <a:r>
-              <a:rPr lang="en-US" sz="1600" b="1" dirty="0">
+              <a:rPr lang="en-US" sz="2000" b="1" dirty="0">
                 <a:solidFill>
-                  <a:schemeClr val="bg1"/>
-                </a:solidFill>
-                <a:latin typeface="Arial"/>
-                <a:cs typeface="Arial"/>
-              </a:rPr>
-              <a:t>e</a:t>
-            </a:r>
-            <a:r>
-              <a:rPr lang="en-US" sz="1600" b="1" dirty="0" smtClean="0">
-                <a:solidFill>
-                  <a:schemeClr val="bg1"/>
-                </a:solidFill>
-                <a:latin typeface="Arial"/>
-                <a:cs typeface="Arial"/>
-              </a:rPr>
-              <a:t>fforts</a:t>
-            </a:r>
-            <a:endParaRPr lang="en-US" sz="1600" b="1" dirty="0">
-              <a:solidFill>
-                <a:schemeClr val="bg1"/>
-              </a:solidFill>
-              <a:latin typeface="Arial"/>
-              <a:cs typeface="Arial"/>
-            </a:endParaRPr>
-          </a:p>
-        </p:txBody>
-      </p:sp>
-      <p:sp>
-        <p:nvSpPr>
-          <p:cNvPr id="50" name="Oval 49"/>
-          <p:cNvSpPr/>
-          <p:nvPr/>
-        </p:nvSpPr>
-        <p:spPr>
-          <a:xfrm>
-            <a:off x="4004610" y="5432548"/>
-            <a:ext cx="1276252" cy="1215867"/>
-          </a:xfrm>
-          <a:prstGeom prst="ellipse">
-            <a:avLst/>
-          </a:prstGeom>
-          <a:solidFill>
-            <a:srgbClr val="008000"/>
-          </a:solidFill>
-          <a:ln>
-            <a:noFill/>
-          </a:ln>
-          <a:effectLst/>
-        </p:spPr>
-        <p:style>
-          <a:lnRef idx="1">
-            <a:schemeClr val="accent1"/>
-          </a:lnRef>
-          <a:fillRef idx="3">
-            <a:schemeClr val="accent1"/>
-          </a:fillRef>
-          <a:effectRef idx="2">
-            <a:schemeClr val="accent1"/>
-          </a:effectRef>
-          <a:fontRef idx="minor">
-            <a:schemeClr val="lt1"/>
-          </a:fontRef>
-        </p:style>
-        <p:txBody>
-          <a:bodyPr rtlCol="0" anchor="ctr"/>
-          <a:lstStyle/>
-          <a:p>
-            <a:pPr algn="ctr"/>
-            <a:endParaRPr lang="en-US" sz="1400" dirty="0">
-              <a:latin typeface="Arial"/>
-              <a:cs typeface="Arial"/>
-            </a:endParaRPr>
-          </a:p>
-        </p:txBody>
-      </p:sp>
-      <p:sp>
-        <p:nvSpPr>
-          <p:cNvPr id="51" name="TextBox 50"/>
-          <p:cNvSpPr txBox="1"/>
-          <p:nvPr/>
-        </p:nvSpPr>
-        <p:spPr>
-          <a:xfrm>
-            <a:off x="4004609" y="5767710"/>
-            <a:ext cx="1276253" cy="461665"/>
-          </a:xfrm>
-          <a:prstGeom prst="rect">
-            <a:avLst/>
-          </a:prstGeom>
-          <a:noFill/>
-        </p:spPr>
-        <p:txBody>
-          <a:bodyPr wrap="square" rtlCol="0">
-            <a:spAutoFit/>
-          </a:bodyPr>
-          <a:lstStyle/>
-          <a:p>
-            <a:pPr algn="ctr"/>
-            <a:r>
-              <a:rPr lang="en-US" sz="2400" b="1" dirty="0">
-                <a:solidFill>
-                  <a:schemeClr val="bg1"/>
+                  <a:srgbClr val="FFFFFF"/>
                 </a:solidFill>
                 <a:latin typeface="Arial"/>
                 <a:cs typeface="Arial"/>
@@ -5412,18 +5246,18 @@
               <a:t>s</a:t>
             </a:r>
             <a:r>
-              <a:rPr lang="en-US" sz="2400" b="1" dirty="0" smtClean="0">
+              <a:rPr lang="en-US" sz="2000" b="1" dirty="0" smtClean="0">
                 <a:solidFill>
-                  <a:schemeClr val="bg1"/>
+                  <a:srgbClr val="FFFFFF"/>
                 </a:solidFill>
                 <a:latin typeface="Arial"/>
                 <a:cs typeface="Arial"/>
               </a:rPr>
               <a:t>kills</a:t>
             </a:r>
-            <a:endParaRPr lang="en-US" sz="2400" b="1" dirty="0">
+            <a:endParaRPr lang="en-US" sz="2000" b="1" dirty="0">
               <a:solidFill>
-                <a:schemeClr val="bg1"/>
+                <a:srgbClr val="FFFFFF"/>
               </a:solidFill>
               <a:latin typeface="Arial"/>
               <a:cs typeface="Arial"/>
@@ -5439,7 +5273,7 @@
         </p:nvSpPr>
         <p:spPr>
           <a:xfrm>
-            <a:off x="16982" y="992028"/>
+            <a:off x="16170" y="828678"/>
             <a:ext cx="2338802" cy="646331"/>
           </a:xfrm>
           <a:prstGeom prst="rect">
@@ -5480,7 +5314,7 @@
         </p:nvSpPr>
         <p:spPr>
           <a:xfrm rot="4399041">
-            <a:off x="1635638" y="1543577"/>
+            <a:off x="1643330" y="1500827"/>
             <a:ext cx="264159" cy="264246"/>
           </a:xfrm>
           <a:prstGeom prst="ellipse">
@@ -5490,7 +5324,9 @@
             <a:srgbClr val="379DD5"/>
           </a:solidFill>
           <a:ln>
-            <a:noFill/>
+            <a:solidFill>
+              <a:srgbClr val="FFFFFF"/>
+            </a:solidFill>
           </a:ln>
           <a:effectLst/>
         </p:spPr>
@@ -5567,7 +5403,7 @@
           <p:nvPr/>
         </p:nvSpPr>
         <p:spPr>
-          <a:xfrm rot="19837874">
+          <a:xfrm rot="20112237">
             <a:off x="1651933" y="2412051"/>
             <a:ext cx="264159" cy="264246"/>
           </a:xfrm>
@@ -5578,7 +5414,9 @@
             <a:srgbClr val="379DD5"/>
           </a:solidFill>
           <a:ln>
-            <a:noFill/>
+            <a:solidFill>
+              <a:srgbClr val="FFFFFF"/>
+            </a:solidFill>
           </a:ln>
           <a:effectLst/>
         </p:spPr>
@@ -5664,7 +5502,7 @@
         </p:nvSpPr>
         <p:spPr>
           <a:xfrm>
-            <a:off x="0" y="2912848"/>
+            <a:off x="0" y="2892528"/>
             <a:ext cx="2228546" cy="461665"/>
           </a:xfrm>
           <a:prstGeom prst="rect">
@@ -5692,7 +5530,7 @@
           <p:nvPr/>
         </p:nvSpPr>
         <p:spPr>
-          <a:xfrm rot="13160963">
+          <a:xfrm rot="13539564">
             <a:off x="1801456" y="1765551"/>
             <a:ext cx="314961" cy="129446"/>
           </a:xfrm>
@@ -5738,7 +5576,7 @@
         </p:nvSpPr>
         <p:spPr>
           <a:xfrm rot="4399041">
-            <a:off x="2907371" y="1432633"/>
+            <a:off x="2917531" y="1442793"/>
             <a:ext cx="264159" cy="264246"/>
           </a:xfrm>
           <a:prstGeom prst="ellipse">
@@ -5748,7 +5586,9 @@
             <a:srgbClr val="379DD5"/>
           </a:solidFill>
           <a:ln>
-            <a:noFill/>
+            <a:solidFill>
+              <a:srgbClr val="FFFFFF"/>
+            </a:solidFill>
           </a:ln>
           <a:effectLst/>
         </p:spPr>
@@ -5788,7 +5628,7 @@
           <p:nvPr/>
         </p:nvSpPr>
         <p:spPr>
-          <a:xfrm rot="18558449">
+          <a:xfrm rot="18921353">
             <a:off x="2792944" y="1609380"/>
             <a:ext cx="314961" cy="129446"/>
           </a:xfrm>
@@ -5834,8 +5674,8 @@
         </p:nvSpPr>
         <p:spPr>
           <a:xfrm>
-            <a:off x="2317891" y="992028"/>
-            <a:ext cx="2490762" cy="461665"/>
+            <a:off x="2317891" y="788828"/>
+            <a:ext cx="2490762" cy="646331"/>
           </a:xfrm>
           <a:prstGeom prst="rect">
             <a:avLst/>
@@ -5856,8 +5696,19 @@
           <a:p>
             <a:r>
               <a:rPr lang="en-US" sz="1200" dirty="0" smtClean="0"/>
-              <a:t>Bioinformatics pipeline development</a:t>
-            </a:r>
+              <a:t>Bioinformatics pipeline </a:t>
+            </a:r>
+            <a:r>
+              <a:rPr lang="en-US" sz="1200" dirty="0" smtClean="0"/>
+              <a:t>development</a:t>
+            </a:r>
+          </a:p>
+          <a:p>
+            <a:r>
+              <a:rPr lang="en-US" sz="1200" dirty="0" smtClean="0"/>
+              <a:t>Image analysis/processing</a:t>
+            </a:r>
+            <a:endParaRPr lang="en-US" sz="1200" dirty="0" smtClean="0"/>
           </a:p>
         </p:txBody>
       </p:sp>
@@ -5868,7 +5719,7 @@
           <p:nvPr/>
         </p:nvSpPr>
         <p:spPr>
-          <a:xfrm rot="19837874">
+          <a:xfrm rot="20157763">
             <a:off x="1376437" y="3320044"/>
             <a:ext cx="264159" cy="264246"/>
           </a:xfrm>
@@ -5879,7 +5730,9 @@
             <a:srgbClr val="379DD5"/>
           </a:solidFill>
           <a:ln>
-            <a:noFill/>
+            <a:solidFill>
+              <a:srgbClr val="FFFFFF"/>
+            </a:solidFill>
           </a:ln>
           <a:effectLst/>
         </p:spPr>
@@ -5993,7 +5846,7 @@
           <a:p>
             <a:r>
               <a:rPr lang="en-US" sz="1200" dirty="0" smtClean="0"/>
-              <a:t>Visualization</a:t>
+              <a:t>Visualization </a:t>
             </a:r>
           </a:p>
         </p:txBody>
@@ -6005,8 +5858,8 @@
           <p:nvPr/>
         </p:nvSpPr>
         <p:spPr>
-          <a:xfrm rot="19837874">
-            <a:off x="1340761" y="4268247"/>
+          <a:xfrm rot="20058524">
+            <a:off x="1350921" y="4308887"/>
             <a:ext cx="264159" cy="264246"/>
           </a:xfrm>
           <a:prstGeom prst="ellipse">
@@ -6016,7 +5869,9 @@
             <a:srgbClr val="379DD5"/>
           </a:solidFill>
           <a:ln>
-            <a:noFill/>
+            <a:solidFill>
+              <a:srgbClr val="FFFFFF"/>
+            </a:solidFill>
           </a:ln>
           <a:effectLst/>
         </p:spPr>
@@ -6056,7 +5911,7 @@
           <p:nvPr/>
         </p:nvSpPr>
         <p:spPr>
-          <a:xfrm rot="8909949">
+          <a:xfrm rot="8213485">
             <a:off x="1483451" y="4231096"/>
             <a:ext cx="314961" cy="129446"/>
           </a:xfrm>
@@ -6102,8 +5957,8 @@
         </p:nvSpPr>
         <p:spPr>
           <a:xfrm>
-            <a:off x="2030313" y="4996281"/>
-            <a:ext cx="1821564" cy="1754327"/>
+            <a:off x="2317891" y="4919008"/>
+            <a:ext cx="1968831" cy="1938992"/>
           </a:xfrm>
           <a:prstGeom prst="rect">
             <a:avLst/>
@@ -6130,8 +5985,13 @@
           <a:p>
             <a:r>
               <a:rPr lang="en-US" sz="1200" dirty="0" smtClean="0"/>
-              <a:t>Image processing </a:t>
-            </a:r>
+              <a:t>Image </a:t>
+            </a:r>
+            <a:r>
+              <a:rPr lang="en-US" sz="1200" dirty="0" smtClean="0"/>
+              <a:t>analysis</a:t>
+            </a:r>
+            <a:endParaRPr lang="en-US" sz="1200" dirty="0" smtClean="0"/>
           </a:p>
           <a:p>
             <a:r>
@@ -6142,8 +6002,27 @@
           <a:p>
             <a:r>
               <a:rPr lang="en-US" sz="1200" dirty="0" smtClean="0"/>
-              <a:t>R/Python (Unix/Windows)</a:t>
-            </a:r>
+              <a:t>R/</a:t>
+            </a:r>
+            <a:r>
+              <a:rPr lang="en-US" sz="1200" dirty="0" smtClean="0"/>
+              <a:t>Python/Other </a:t>
+            </a:r>
+          </a:p>
+          <a:p>
+            <a:r>
+              <a:rPr lang="en-US" sz="1200" dirty="0" smtClean="0"/>
+              <a:t>Unix</a:t>
+            </a:r>
+            <a:r>
+              <a:rPr lang="en-US" sz="1200" dirty="0" smtClean="0"/>
+              <a:t>/</a:t>
+            </a:r>
+            <a:r>
+              <a:rPr lang="en-US" sz="1200" dirty="0" smtClean="0"/>
+              <a:t>Windows</a:t>
+            </a:r>
+            <a:endParaRPr lang="en-US" sz="1200" dirty="0" smtClean="0"/>
           </a:p>
           <a:p>
             <a:r>
@@ -6180,17 +6059,19 @@
         </p:nvSpPr>
         <p:spPr>
           <a:xfrm rot="2004290">
-            <a:off x="3706799" y="5900264"/>
+            <a:off x="3715714" y="5682463"/>
             <a:ext cx="264159" cy="264246"/>
           </a:xfrm>
           <a:prstGeom prst="ellipse">
             <a:avLst/>
           </a:prstGeom>
           <a:solidFill>
-            <a:srgbClr val="008000"/>
+            <a:srgbClr val="4F6228"/>
           </a:solidFill>
           <a:ln>
-            <a:noFill/>
+            <a:solidFill>
+              <a:srgbClr val="FFFFFF"/>
+            </a:solidFill>
           </a:ln>
           <a:effectLst/>
         </p:spPr>
@@ -6230,15 +6111,15 @@
           <p:nvPr/>
         </p:nvSpPr>
         <p:spPr>
-          <a:xfrm rot="10619200">
-            <a:off x="3862968" y="5965890"/>
+          <a:xfrm rot="13556533">
+            <a:off x="3832488" y="5894770"/>
             <a:ext cx="314961" cy="129446"/>
           </a:xfrm>
           <a:prstGeom prst="rect">
             <a:avLst/>
           </a:prstGeom>
           <a:solidFill>
-            <a:srgbClr val="008000"/>
+            <a:srgbClr val="4F6228"/>
           </a:solidFill>
           <a:ln>
             <a:noFill/>
@@ -6275,15 +6156,15 @@
           <p:nvPr/>
         </p:nvSpPr>
         <p:spPr>
-          <a:xfrm rot="18409308">
-            <a:off x="6434311" y="4307559"/>
-            <a:ext cx="314961" cy="129446"/>
+          <a:xfrm rot="18906467">
+            <a:off x="6503162" y="4386305"/>
+            <a:ext cx="187357" cy="132039"/>
           </a:xfrm>
           <a:prstGeom prst="rect">
             <a:avLst/>
           </a:prstGeom>
           <a:solidFill>
-            <a:srgbClr val="FF6600"/>
+            <a:srgbClr val="E46C0A"/>
           </a:solidFill>
           <a:ln>
             <a:noFill/>
@@ -6327,8 +6208,13 @@
           <a:prstGeom prst="roundRect">
             <a:avLst/>
           </a:prstGeom>
-          <a:noFill/>
-          <a:ln>
+          <a:solidFill>
+            <a:schemeClr val="accent3">
+              <a:lumMod val="20000"/>
+              <a:lumOff val="80000"/>
+            </a:schemeClr>
+          </a:solidFill>
+          <a:ln w="12700" cmpd="sng">
             <a:solidFill>
               <a:schemeClr val="tx1"/>
             </a:solidFill>
@@ -6353,18 +6239,22 @@
           <a:bodyPr rtlCol="0" anchor="ctr"/>
           <a:lstStyle/>
           <a:p>
-            <a:pPr algn="ctr"/>
+            <a:pPr algn="ctr">
+              <a:lnSpc>
+                <a:spcPct val="80000"/>
+              </a:lnSpc>
+            </a:pPr>
             <a:r>
               <a:rPr lang="en-US" dirty="0" smtClean="0">
                 <a:solidFill>
-                  <a:srgbClr val="0000FF"/>
+                  <a:srgbClr val="000000"/>
                 </a:solidFill>
               </a:rPr>
               <a:t>Data Scientist (13 years)</a:t>
             </a:r>
             <a:endParaRPr lang="en-US" dirty="0">
               <a:solidFill>
-                <a:srgbClr val="0000FF"/>
+                <a:srgbClr val="000000"/>
               </a:solidFill>
             </a:endParaRPr>
           </a:p>
@@ -6378,14 +6268,16 @@
         </p:nvSpPr>
         <p:spPr>
           <a:xfrm>
-            <a:off x="5602688" y="5965513"/>
-            <a:ext cx="3406384" cy="835302"/>
+            <a:off x="5633168" y="5965513"/>
+            <a:ext cx="3375904" cy="835302"/>
           </a:xfrm>
           <a:prstGeom prst="roundRect">
             <a:avLst/>
           </a:prstGeom>
-          <a:noFill/>
-          <a:ln>
+          <a:solidFill>
+            <a:srgbClr val="EBF1DE"/>
+          </a:solidFill>
+          <a:ln w="12700" cmpd="sng">
             <a:solidFill>
               <a:schemeClr val="tx1"/>
             </a:solidFill>
@@ -6427,8 +6319,8 @@
         </p:nvSpPr>
         <p:spPr>
           <a:xfrm>
-            <a:off x="5602689" y="6001774"/>
-            <a:ext cx="3406384" cy="738664"/>
+            <a:off x="5602688" y="6001774"/>
+            <a:ext cx="3431226" cy="738664"/>
           </a:xfrm>
           <a:prstGeom prst="rect">
             <a:avLst/>
@@ -6468,6 +6360,183 @@
               <a:rPr lang="en-US" sz="1400" dirty="0"/>
               <a:t>/</a:t>
             </a:r>
+          </a:p>
+        </p:txBody>
+      </p:sp>
+      <p:sp>
+        <p:nvSpPr>
+          <p:cNvPr id="38" name="TextBox 37"/>
+          <p:cNvSpPr txBox="1"/>
+          <p:nvPr/>
+        </p:nvSpPr>
+        <p:spPr>
+          <a:xfrm>
+            <a:off x="5232282" y="1398780"/>
+            <a:ext cx="1412240" cy="584776"/>
+          </a:xfrm>
+          <a:prstGeom prst="rect">
+            <a:avLst/>
+          </a:prstGeom>
+          <a:noFill/>
+        </p:spPr>
+        <p:txBody>
+          <a:bodyPr wrap="square" rtlCol="0">
+            <a:spAutoFit/>
+          </a:bodyPr>
+          <a:lstStyle/>
+          <a:p>
+            <a:pPr algn="ctr"/>
+            <a:r>
+              <a:rPr lang="en-US" sz="1600" b="1" dirty="0">
+                <a:solidFill>
+                  <a:srgbClr val="FFFFFF"/>
+                </a:solidFill>
+                <a:latin typeface="Arial"/>
+                <a:cs typeface="Arial"/>
+              </a:rPr>
+              <a:t>w</a:t>
+            </a:r>
+            <a:r>
+              <a:rPr lang="en-US" sz="1600" b="1" dirty="0" smtClean="0">
+                <a:solidFill>
+                  <a:srgbClr val="FFFFFF"/>
+                </a:solidFill>
+                <a:latin typeface="Arial"/>
+                <a:cs typeface="Arial"/>
+              </a:rPr>
+              <a:t>ork </a:t>
+            </a:r>
+          </a:p>
+          <a:p>
+            <a:pPr algn="ctr"/>
+            <a:r>
+              <a:rPr lang="en-US" sz="1600" b="1" dirty="0">
+                <a:solidFill>
+                  <a:srgbClr val="FFFFFF"/>
+                </a:solidFill>
+                <a:latin typeface="Arial"/>
+                <a:cs typeface="Arial"/>
+              </a:rPr>
+              <a:t>e</a:t>
+            </a:r>
+            <a:r>
+              <a:rPr lang="en-US" sz="1600" b="1" dirty="0" smtClean="0">
+                <a:solidFill>
+                  <a:srgbClr val="FFFFFF"/>
+                </a:solidFill>
+                <a:latin typeface="Arial"/>
+                <a:cs typeface="Arial"/>
+              </a:rPr>
+              <a:t>xperience</a:t>
+            </a:r>
+            <a:endParaRPr lang="en-US" sz="1600" b="1" dirty="0">
+              <a:solidFill>
+                <a:srgbClr val="FFFFFF"/>
+              </a:solidFill>
+              <a:latin typeface="Arial"/>
+              <a:cs typeface="Arial"/>
+            </a:endParaRPr>
+          </a:p>
+        </p:txBody>
+      </p:sp>
+      <p:sp>
+        <p:nvSpPr>
+          <p:cNvPr id="21" name="Rectangle 20"/>
+          <p:cNvSpPr/>
+          <p:nvPr/>
+        </p:nvSpPr>
+        <p:spPr>
+          <a:xfrm rot="2285649">
+            <a:off x="6414379" y="3609860"/>
+            <a:ext cx="261247" cy="168040"/>
+          </a:xfrm>
+          <a:prstGeom prst="rect">
+            <a:avLst/>
+          </a:prstGeom>
+          <a:solidFill>
+            <a:srgbClr val="E46C0A"/>
+          </a:solidFill>
+          <a:ln>
+            <a:noFill/>
+          </a:ln>
+          <a:effectLst/>
+        </p:spPr>
+        <p:style>
+          <a:lnRef idx="1">
+            <a:schemeClr val="accent1"/>
+          </a:lnRef>
+          <a:fillRef idx="3">
+            <a:schemeClr val="accent1"/>
+          </a:fillRef>
+          <a:effectRef idx="2">
+            <a:schemeClr val="accent1"/>
+          </a:effectRef>
+          <a:fontRef idx="minor">
+            <a:schemeClr val="lt1"/>
+          </a:fontRef>
+        </p:style>
+        <p:txBody>
+          <a:bodyPr rtlCol="0" anchor="ctr"/>
+          <a:lstStyle/>
+          <a:p>
+            <a:pPr algn="ctr"/>
+            <a:endParaRPr lang="en-US"/>
+          </a:p>
+        </p:txBody>
+      </p:sp>
+      <p:sp>
+        <p:nvSpPr>
+          <p:cNvPr id="48" name="TextBox 47"/>
+          <p:cNvSpPr txBox="1"/>
+          <p:nvPr/>
+        </p:nvSpPr>
+        <p:spPr>
+          <a:xfrm>
+            <a:off x="1839671" y="1803143"/>
+            <a:ext cx="1172527" cy="584776"/>
+          </a:xfrm>
+          <a:prstGeom prst="rect">
+            <a:avLst/>
+          </a:prstGeom>
+          <a:noFill/>
+        </p:spPr>
+        <p:txBody>
+          <a:bodyPr wrap="square" rtlCol="0">
+            <a:spAutoFit/>
+          </a:bodyPr>
+          <a:lstStyle/>
+          <a:p>
+            <a:pPr algn="ctr"/>
+            <a:r>
+              <a:rPr lang="en-US" sz="1600" b="1" dirty="0" smtClean="0">
+                <a:solidFill>
+                  <a:srgbClr val="FFFFFF"/>
+                </a:solidFill>
+                <a:latin typeface="Arial"/>
+                <a:cs typeface="Arial"/>
+              </a:rPr>
+              <a:t>directed</a:t>
+            </a:r>
+          </a:p>
+          <a:p>
+            <a:pPr algn="ctr"/>
+            <a:r>
+              <a:rPr lang="en-US" sz="1600" b="1" dirty="0" smtClean="0">
+                <a:solidFill>
+                  <a:srgbClr val="FFFFFF"/>
+                </a:solidFill>
+                <a:latin typeface="Arial"/>
+                <a:cs typeface="Arial"/>
+              </a:rPr>
+              <a:t>efforts</a:t>
+            </a:r>
+            <a:endParaRPr lang="en-US" sz="1600" b="1" dirty="0">
+              <a:solidFill>
+                <a:srgbClr val="FFFFFF"/>
+              </a:solidFill>
+              <a:latin typeface="Arial"/>
+              <a:cs typeface="Arial"/>
+            </a:endParaRPr>
           </a:p>
         </p:txBody>
       </p:sp>

--- a/CV/CV_KK.pptx
+++ b/CV/CV_KK.pptx
@@ -288,7 +288,7 @@
           <a:p>
             <a:fld id="{08F841CE-6291-8041-B8FB-9A5B9FB9A636}" type="datetimeFigureOut">
               <a:rPr lang="en-US" smtClean="0"/>
-              <a:t>6/23/19</a:t>
+              <a:t>6/24/19</a:t>
             </a:fld>
             <a:endParaRPr lang="en-US"/>
           </a:p>
@@ -458,7 +458,7 @@
           <a:p>
             <a:fld id="{08F841CE-6291-8041-B8FB-9A5B9FB9A636}" type="datetimeFigureOut">
               <a:rPr lang="en-US" smtClean="0"/>
-              <a:t>6/23/19</a:t>
+              <a:t>6/24/19</a:t>
             </a:fld>
             <a:endParaRPr lang="en-US"/>
           </a:p>
@@ -638,7 +638,7 @@
           <a:p>
             <a:fld id="{08F841CE-6291-8041-B8FB-9A5B9FB9A636}" type="datetimeFigureOut">
               <a:rPr lang="en-US" smtClean="0"/>
-              <a:t>6/23/19</a:t>
+              <a:t>6/24/19</a:t>
             </a:fld>
             <a:endParaRPr lang="en-US"/>
           </a:p>
@@ -808,7 +808,7 @@
           <a:p>
             <a:fld id="{08F841CE-6291-8041-B8FB-9A5B9FB9A636}" type="datetimeFigureOut">
               <a:rPr lang="en-US" smtClean="0"/>
-              <a:t>6/23/19</a:t>
+              <a:t>6/24/19</a:t>
             </a:fld>
             <a:endParaRPr lang="en-US"/>
           </a:p>
@@ -1054,7 +1054,7 @@
           <a:p>
             <a:fld id="{08F841CE-6291-8041-B8FB-9A5B9FB9A636}" type="datetimeFigureOut">
               <a:rPr lang="en-US" smtClean="0"/>
-              <a:t>6/23/19</a:t>
+              <a:t>6/24/19</a:t>
             </a:fld>
             <a:endParaRPr lang="en-US"/>
           </a:p>
@@ -1342,7 +1342,7 @@
           <a:p>
             <a:fld id="{08F841CE-6291-8041-B8FB-9A5B9FB9A636}" type="datetimeFigureOut">
               <a:rPr lang="en-US" smtClean="0"/>
-              <a:t>6/23/19</a:t>
+              <a:t>6/24/19</a:t>
             </a:fld>
             <a:endParaRPr lang="en-US"/>
           </a:p>
@@ -1764,7 +1764,7 @@
           <a:p>
             <a:fld id="{08F841CE-6291-8041-B8FB-9A5B9FB9A636}" type="datetimeFigureOut">
               <a:rPr lang="en-US" smtClean="0"/>
-              <a:t>6/23/19</a:t>
+              <a:t>6/24/19</a:t>
             </a:fld>
             <a:endParaRPr lang="en-US"/>
           </a:p>
@@ -1882,7 +1882,7 @@
           <a:p>
             <a:fld id="{08F841CE-6291-8041-B8FB-9A5B9FB9A636}" type="datetimeFigureOut">
               <a:rPr lang="en-US" smtClean="0"/>
-              <a:t>6/23/19</a:t>
+              <a:t>6/24/19</a:t>
             </a:fld>
             <a:endParaRPr lang="en-US"/>
           </a:p>
@@ -1977,7 +1977,7 @@
           <a:p>
             <a:fld id="{08F841CE-6291-8041-B8FB-9A5B9FB9A636}" type="datetimeFigureOut">
               <a:rPr lang="en-US" smtClean="0"/>
-              <a:t>6/23/19</a:t>
+              <a:t>6/24/19</a:t>
             </a:fld>
             <a:endParaRPr lang="en-US"/>
           </a:p>
@@ -2254,7 +2254,7 @@
           <a:p>
             <a:fld id="{08F841CE-6291-8041-B8FB-9A5B9FB9A636}" type="datetimeFigureOut">
               <a:rPr lang="en-US" smtClean="0"/>
-              <a:t>6/23/19</a:t>
+              <a:t>6/24/19</a:t>
             </a:fld>
             <a:endParaRPr lang="en-US"/>
           </a:p>
@@ -2507,7 +2507,7 @@
           <a:p>
             <a:fld id="{08F841CE-6291-8041-B8FB-9A5B9FB9A636}" type="datetimeFigureOut">
               <a:rPr lang="en-US" smtClean="0"/>
-              <a:t>6/23/19</a:t>
+              <a:t>6/24/19</a:t>
             </a:fld>
             <a:endParaRPr lang="en-US"/>
           </a:p>
@@ -2720,7 +2720,7 @@
           <a:p>
             <a:fld id="{08F841CE-6291-8041-B8FB-9A5B9FB9A636}" type="datetimeFigureOut">
               <a:rPr lang="en-US" smtClean="0"/>
-              <a:t>6/23/19</a:t>
+              <a:t>6/24/19</a:t>
             </a:fld>
             <a:endParaRPr lang="en-US"/>
           </a:p>
@@ -4208,17 +4208,12 @@
               <a:rPr lang="en-US" sz="1200" i="1" dirty="0" smtClean="0"/>
               <a:t>Memorial Sloan-Kettering </a:t>
             </a:r>
-            <a:endParaRPr lang="en-US" sz="1200" i="1" dirty="0" smtClean="0"/>
           </a:p>
           <a:p>
             <a:pPr algn="r"/>
             <a:r>
               <a:rPr lang="en-US" sz="1200" i="1" dirty="0" smtClean="0"/>
-              <a:t>Cancer </a:t>
-            </a:r>
-            <a:r>
-              <a:rPr lang="en-US" sz="1200" i="1" dirty="0" smtClean="0"/>
-              <a:t>Center</a:t>
+              <a:t>Cancer Center</a:t>
             </a:r>
           </a:p>
           <a:p>
@@ -4337,7 +4332,7 @@
         </p:nvSpPr>
         <p:spPr>
           <a:xfrm>
-            <a:off x="3408656" y="1525384"/>
+            <a:off x="3446011" y="1525384"/>
             <a:ext cx="1554480" cy="646331"/>
           </a:xfrm>
           <a:prstGeom prst="rect">
@@ -4750,23 +4745,14 @@
             <a:pPr algn="r"/>
             <a:r>
               <a:rPr lang="en-US" sz="1200" dirty="0" smtClean="0"/>
-              <a:t>Bachelor of Science </a:t>
-            </a:r>
-            <a:r>
-              <a:rPr lang="en-US" sz="1200" dirty="0" smtClean="0"/>
-              <a:t>Mathematics (BSc.)</a:t>
-            </a:r>
-            <a:endParaRPr lang="en-US" sz="1200" dirty="0" smtClean="0"/>
+              <a:t>Bachelor of Science Mathematics (BSc.)</a:t>
+            </a:r>
           </a:p>
           <a:p>
             <a:pPr algn="r"/>
             <a:r>
               <a:rPr lang="en-US" sz="1200" i="1" dirty="0" smtClean="0"/>
-              <a:t>University of </a:t>
-            </a:r>
-            <a:r>
-              <a:rPr lang="en-US" sz="1200" i="1" dirty="0" smtClean="0"/>
-              <a:t>Madras</a:t>
+              <a:t>University of Madras</a:t>
             </a:r>
             <a:endParaRPr lang="en-US" sz="1200" dirty="0" smtClean="0"/>
           </a:p>
@@ -4805,13 +4791,8 @@
             <a:pPr algn="r"/>
             <a:r>
               <a:rPr lang="en-US" sz="1200" dirty="0" smtClean="0"/>
-              <a:t>Master of Science </a:t>
-            </a:r>
-            <a:r>
-              <a:rPr lang="en-US" sz="1200" dirty="0" smtClean="0"/>
-              <a:t>Mathematics (MSc.)</a:t>
-            </a:r>
-            <a:endParaRPr lang="en-US" sz="1200" dirty="0" smtClean="0"/>
+              <a:t>Master of Science Mathematics (MSc.)</a:t>
+            </a:r>
           </a:p>
           <a:p>
             <a:pPr algn="r"/>
@@ -4865,17 +4846,12 @@
               <a:rPr lang="en-US" sz="1200" dirty="0" smtClean="0"/>
               <a:t>Mathematics (MS.) </a:t>
             </a:r>
-            <a:endParaRPr lang="en-US" sz="1200" dirty="0" smtClean="0"/>
           </a:p>
           <a:p>
             <a:pPr algn="r"/>
             <a:r>
               <a:rPr lang="en-US" sz="1200" i="1" dirty="0" smtClean="0"/>
-              <a:t>Texas A&amp;M </a:t>
-            </a:r>
-            <a:r>
-              <a:rPr lang="en-US" sz="1200" i="1" dirty="0" smtClean="0"/>
-              <a:t>University</a:t>
+              <a:t>Texas A&amp;M University</a:t>
             </a:r>
             <a:endParaRPr lang="en-US" sz="1200" dirty="0" smtClean="0"/>
           </a:p>
@@ -5068,24 +5044,14 @@
           <a:p>
             <a:r>
               <a:rPr lang="en-US" sz="1200" b="1" dirty="0" smtClean="0"/>
-              <a:t>Doctor of </a:t>
-            </a:r>
-            <a:r>
-              <a:rPr lang="en-US" sz="1200" b="1" dirty="0" smtClean="0"/>
-              <a:t>Philosophy</a:t>
-            </a:r>
-            <a:endParaRPr lang="en-US" sz="1200" b="1" dirty="0" smtClean="0"/>
+              <a:t>Doctor of Philosophy</a:t>
+            </a:r>
           </a:p>
           <a:p>
             <a:r>
               <a:rPr lang="en-US" sz="1200" dirty="0" smtClean="0"/>
-              <a:t>Computer Science </a:t>
-            </a:r>
-            <a:r>
-              <a:rPr lang="en-US" sz="1200" dirty="0" smtClean="0"/>
-              <a:t>(PhD)</a:t>
-            </a:r>
-            <a:endParaRPr lang="en-US" sz="1200" dirty="0" smtClean="0"/>
+              <a:t>Computer Science (PhD)</a:t>
+            </a:r>
           </a:p>
           <a:p>
             <a:r>
@@ -5273,8 +5239,8 @@
         </p:nvSpPr>
         <p:spPr>
           <a:xfrm>
-            <a:off x="16170" y="828678"/>
-            <a:ext cx="2338802" cy="646331"/>
+            <a:off x="-1" y="779135"/>
+            <a:ext cx="2354973" cy="830997"/>
           </a:xfrm>
           <a:prstGeom prst="rect">
             <a:avLst/>
@@ -5301,8 +5267,19 @@
           <a:p>
             <a:r>
               <a:rPr lang="en-US" sz="1200" dirty="0" smtClean="0"/>
-              <a:t>Emotional intelligence</a:t>
-            </a:r>
+              <a:t>Emotional </a:t>
+            </a:r>
+            <a:r>
+              <a:rPr lang="en-US" sz="1200" dirty="0" smtClean="0"/>
+              <a:t>intelligence</a:t>
+            </a:r>
+          </a:p>
+          <a:p>
+            <a:r>
+              <a:rPr lang="en-US" sz="1200" dirty="0" smtClean="0"/>
+              <a:t>Communication</a:t>
+            </a:r>
+            <a:endParaRPr lang="en-US" sz="1200" dirty="0" smtClean="0"/>
           </a:p>
         </p:txBody>
       </p:sp>
@@ -5367,8 +5344,8 @@
         </p:nvSpPr>
         <p:spPr>
           <a:xfrm>
-            <a:off x="0" y="2113319"/>
-            <a:ext cx="2004966" cy="646331"/>
+            <a:off x="-1" y="1983106"/>
+            <a:ext cx="2004966" cy="1015663"/>
           </a:xfrm>
           <a:prstGeom prst="rect">
             <a:avLst/>
@@ -5391,8 +5368,22 @@
             </a:r>
             <a:r>
               <a:rPr lang="en-US" sz="1200" dirty="0" smtClean="0"/>
-              <a:t> data</a:t>
-            </a:r>
+              <a:t> </a:t>
+            </a:r>
+            <a:r>
+              <a:rPr lang="en-US" sz="1200" dirty="0" smtClean="0"/>
+              <a:t>data</a:t>
+            </a:r>
+          </a:p>
+          <a:p>
+            <a:r>
+              <a:rPr lang="en-US" sz="1200" dirty="0" smtClean="0"/>
+              <a:t>Image analysis/processing</a:t>
+            </a:r>
+            <a:endParaRPr lang="en-US" sz="1200" dirty="0"/>
+          </a:p>
+          <a:p>
+            <a:endParaRPr lang="en-US" sz="1200" dirty="0" smtClean="0"/>
           </a:p>
         </p:txBody>
       </p:sp>
@@ -5674,7 +5665,7 @@
         </p:nvSpPr>
         <p:spPr>
           <a:xfrm>
-            <a:off x="2317891" y="788828"/>
+            <a:off x="2303397" y="817688"/>
             <a:ext cx="2490762" cy="646331"/>
           </a:xfrm>
           <a:prstGeom prst="rect">
@@ -5696,17 +5687,13 @@
           <a:p>
             <a:r>
               <a:rPr lang="en-US" sz="1200" dirty="0" smtClean="0"/>
-              <a:t>Bioinformatics pipeline </a:t>
-            </a:r>
+              <a:t>Bioinformatics pipeline development</a:t>
+            </a:r>
+          </a:p>
+          <a:p>
             <a:r>
               <a:rPr lang="en-US" sz="1200" dirty="0" smtClean="0"/>
-              <a:t>development</a:t>
-            </a:r>
-          </a:p>
-          <a:p>
-            <a:r>
-              <a:rPr lang="en-US" sz="1200" dirty="0" smtClean="0"/>
-              <a:t>Image analysis/processing</a:t>
+              <a:t>NGS analysis/processing</a:t>
             </a:r>
             <a:endParaRPr lang="en-US" sz="1200" dirty="0" smtClean="0"/>
           </a:p>
@@ -5957,8 +5944,8 @@
         </p:nvSpPr>
         <p:spPr>
           <a:xfrm>
-            <a:off x="2317891" y="4919008"/>
-            <a:ext cx="1968831" cy="1938992"/>
+            <a:off x="2365997" y="4919008"/>
+            <a:ext cx="1899712" cy="1938992"/>
           </a:xfrm>
           <a:prstGeom prst="rect">
             <a:avLst/>
@@ -5979,17 +5966,17 @@
           <a:p>
             <a:r>
               <a:rPr lang="en-US" sz="1200" dirty="0" smtClean="0"/>
-              <a:t>Machine learning</a:t>
-            </a:r>
-          </a:p>
-          <a:p>
+              <a:t>Machine </a:t>
+            </a:r>
             <a:r>
               <a:rPr lang="en-US" sz="1200" dirty="0" smtClean="0"/>
-              <a:t>Image </a:t>
-            </a:r>
+              <a:t>learning</a:t>
+            </a:r>
+          </a:p>
+          <a:p>
             <a:r>
               <a:rPr lang="en-US" sz="1200" dirty="0" smtClean="0"/>
-              <a:t>analysis</a:t>
+              <a:t>Several bioinformatics tools</a:t>
             </a:r>
             <a:endParaRPr lang="en-US" sz="1200" dirty="0" smtClean="0"/>
           </a:p>
@@ -5998,29 +5985,24 @@
               <a:rPr lang="en-US" sz="1200" dirty="0" smtClean="0"/>
               <a:t>Implementation skills</a:t>
             </a:r>
+            <a:endParaRPr lang="en-US" sz="1200" dirty="0" smtClean="0"/>
           </a:p>
           <a:p>
             <a:r>
               <a:rPr lang="en-US" sz="1200" dirty="0" smtClean="0"/>
-              <a:t>R/</a:t>
-            </a:r>
+              <a:t>R/Python/Other </a:t>
+            </a:r>
+          </a:p>
+          <a:p>
             <a:r>
               <a:rPr lang="en-US" sz="1200" dirty="0" smtClean="0"/>
-              <a:t>Python/Other </a:t>
+              <a:t>Strong Unix skills</a:t>
             </a:r>
           </a:p>
           <a:p>
             <a:r>
               <a:rPr lang="en-US" sz="1200" dirty="0" smtClean="0"/>
-              <a:t>Unix</a:t>
-            </a:r>
-            <a:r>
-              <a:rPr lang="en-US" sz="1200" dirty="0" smtClean="0"/>
-              <a:t>/</a:t>
-            </a:r>
-            <a:r>
-              <a:rPr lang="en-US" sz="1200" dirty="0" smtClean="0"/>
-              <a:t>Windows</a:t>
+              <a:t>Image analysis</a:t>
             </a:r>
             <a:endParaRPr lang="en-US" sz="1200" dirty="0" smtClean="0"/>
           </a:p>
@@ -6039,15 +6021,13 @@
           <a:p>
             <a:r>
               <a:rPr lang="en-US" sz="1200" dirty="0" smtClean="0"/>
-              <a:t>Top publications</a:t>
-            </a:r>
-          </a:p>
-          <a:p>
+              <a:t>Top </a:t>
+            </a:r>
             <a:r>
               <a:rPr lang="en-US" sz="1200" dirty="0" smtClean="0"/>
-              <a:t>Classroom management</a:t>
-            </a:r>
-            <a:endParaRPr lang="en-US" sz="1200" dirty="0"/>
+              <a:t>publications</a:t>
+            </a:r>
+            <a:endParaRPr lang="en-US" sz="1200" dirty="0" smtClean="0"/>
           </a:p>
         </p:txBody>
       </p:sp>
@@ -6216,7 +6196,7 @@
           </a:solidFill>
           <a:ln w="12700" cmpd="sng">
             <a:solidFill>
-              <a:schemeClr val="tx1"/>
+              <a:srgbClr val="4F81BD"/>
             </a:solidFill>
           </a:ln>
           <a:effectLst/>
@@ -6279,7 +6259,7 @@
           </a:solidFill>
           <a:ln w="12700" cmpd="sng">
             <a:solidFill>
-              <a:schemeClr val="tx1"/>
+              <a:srgbClr val="4F81BD"/>
             </a:solidFill>
           </a:ln>
           <a:effectLst/>

--- a/CV/CV_KK.pptx
+++ b/CV/CV_KK.pptx
@@ -288,7 +288,7 @@
           <a:p>
             <a:fld id="{08F841CE-6291-8041-B8FB-9A5B9FB9A636}" type="datetimeFigureOut">
               <a:rPr lang="en-US" smtClean="0"/>
-              <a:t>6/24/19</a:t>
+              <a:t>2/12/20</a:t>
             </a:fld>
             <a:endParaRPr lang="en-US"/>
           </a:p>
@@ -458,7 +458,7 @@
           <a:p>
             <a:fld id="{08F841CE-6291-8041-B8FB-9A5B9FB9A636}" type="datetimeFigureOut">
               <a:rPr lang="en-US" smtClean="0"/>
-              <a:t>6/24/19</a:t>
+              <a:t>2/12/20</a:t>
             </a:fld>
             <a:endParaRPr lang="en-US"/>
           </a:p>
@@ -638,7 +638,7 @@
           <a:p>
             <a:fld id="{08F841CE-6291-8041-B8FB-9A5B9FB9A636}" type="datetimeFigureOut">
               <a:rPr lang="en-US" smtClean="0"/>
-              <a:t>6/24/19</a:t>
+              <a:t>2/12/20</a:t>
             </a:fld>
             <a:endParaRPr lang="en-US"/>
           </a:p>
@@ -808,7 +808,7 @@
           <a:p>
             <a:fld id="{08F841CE-6291-8041-B8FB-9A5B9FB9A636}" type="datetimeFigureOut">
               <a:rPr lang="en-US" smtClean="0"/>
-              <a:t>6/24/19</a:t>
+              <a:t>2/12/20</a:t>
             </a:fld>
             <a:endParaRPr lang="en-US"/>
           </a:p>
@@ -1054,7 +1054,7 @@
           <a:p>
             <a:fld id="{08F841CE-6291-8041-B8FB-9A5B9FB9A636}" type="datetimeFigureOut">
               <a:rPr lang="en-US" smtClean="0"/>
-              <a:t>6/24/19</a:t>
+              <a:t>2/12/20</a:t>
             </a:fld>
             <a:endParaRPr lang="en-US"/>
           </a:p>
@@ -1342,7 +1342,7 @@
           <a:p>
             <a:fld id="{08F841CE-6291-8041-B8FB-9A5B9FB9A636}" type="datetimeFigureOut">
               <a:rPr lang="en-US" smtClean="0"/>
-              <a:t>6/24/19</a:t>
+              <a:t>2/12/20</a:t>
             </a:fld>
             <a:endParaRPr lang="en-US"/>
           </a:p>
@@ -1764,7 +1764,7 @@
           <a:p>
             <a:fld id="{08F841CE-6291-8041-B8FB-9A5B9FB9A636}" type="datetimeFigureOut">
               <a:rPr lang="en-US" smtClean="0"/>
-              <a:t>6/24/19</a:t>
+              <a:t>2/12/20</a:t>
             </a:fld>
             <a:endParaRPr lang="en-US"/>
           </a:p>
@@ -1882,7 +1882,7 @@
           <a:p>
             <a:fld id="{08F841CE-6291-8041-B8FB-9A5B9FB9A636}" type="datetimeFigureOut">
               <a:rPr lang="en-US" smtClean="0"/>
-              <a:t>6/24/19</a:t>
+              <a:t>2/12/20</a:t>
             </a:fld>
             <a:endParaRPr lang="en-US"/>
           </a:p>
@@ -1977,7 +1977,7 @@
           <a:p>
             <a:fld id="{08F841CE-6291-8041-B8FB-9A5B9FB9A636}" type="datetimeFigureOut">
               <a:rPr lang="en-US" smtClean="0"/>
-              <a:t>6/24/19</a:t>
+              <a:t>2/12/20</a:t>
             </a:fld>
             <a:endParaRPr lang="en-US"/>
           </a:p>
@@ -2254,7 +2254,7 @@
           <a:p>
             <a:fld id="{08F841CE-6291-8041-B8FB-9A5B9FB9A636}" type="datetimeFigureOut">
               <a:rPr lang="en-US" smtClean="0"/>
-              <a:t>6/24/19</a:t>
+              <a:t>2/12/20</a:t>
             </a:fld>
             <a:endParaRPr lang="en-US"/>
           </a:p>
@@ -2507,7 +2507,7 @@
           <a:p>
             <a:fld id="{08F841CE-6291-8041-B8FB-9A5B9FB9A636}" type="datetimeFigureOut">
               <a:rPr lang="en-US" smtClean="0"/>
-              <a:t>6/24/19</a:t>
+              <a:t>2/12/20</a:t>
             </a:fld>
             <a:endParaRPr lang="en-US"/>
           </a:p>
@@ -2720,7 +2720,7 @@
           <a:p>
             <a:fld id="{08F841CE-6291-8041-B8FB-9A5B9FB9A636}" type="datetimeFigureOut">
               <a:rPr lang="en-US" smtClean="0"/>
-              <a:t>6/24/19</a:t>
+              <a:t>2/12/20</a:t>
             </a:fld>
             <a:endParaRPr lang="en-US"/>
           </a:p>
@@ -4367,7 +4367,15 @@
             <a:pPr algn="r"/>
             <a:r>
               <a:rPr lang="en-US" sz="1200" dirty="0" smtClean="0"/>
-              <a:t>Nov. 2013-Present</a:t>
+              <a:t>Nov. 2013</a:t>
+            </a:r>
+            <a:r>
+              <a:rPr lang="en-US" sz="1200" dirty="0" smtClean="0"/>
+              <a:t>-</a:t>
+            </a:r>
+            <a:r>
+              <a:rPr lang="en-US" sz="1200" dirty="0" smtClean="0"/>
+              <a:t>Aug. 2019</a:t>
             </a:r>
             <a:endParaRPr lang="en-US" sz="1200" dirty="0"/>
           </a:p>
@@ -5267,11 +5275,7 @@
           <a:p>
             <a:r>
               <a:rPr lang="en-US" sz="1200" dirty="0" smtClean="0"/>
-              <a:t>Emotional </a:t>
-            </a:r>
-            <a:r>
-              <a:rPr lang="en-US" sz="1200" dirty="0" smtClean="0"/>
-              <a:t>intelligence</a:t>
+              <a:t>Emotional intelligence</a:t>
             </a:r>
           </a:p>
           <a:p>
@@ -5279,7 +5283,6 @@
               <a:rPr lang="en-US" sz="1200" dirty="0" smtClean="0"/>
               <a:t>Communication</a:t>
             </a:r>
-            <a:endParaRPr lang="en-US" sz="1200" dirty="0" smtClean="0"/>
           </a:p>
         </p:txBody>
       </p:sp>
@@ -5368,11 +5371,7 @@
             </a:r>
             <a:r>
               <a:rPr lang="en-US" sz="1200" dirty="0" smtClean="0"/>
-              <a:t> </a:t>
-            </a:r>
-            <a:r>
-              <a:rPr lang="en-US" sz="1200" dirty="0" smtClean="0"/>
-              <a:t>data</a:t>
+              <a:t> data</a:t>
             </a:r>
           </a:p>
           <a:p>
@@ -5695,7 +5694,6 @@
               <a:rPr lang="en-US" sz="1200" dirty="0" smtClean="0"/>
               <a:t>NGS analysis/processing</a:t>
             </a:r>
-            <a:endParaRPr lang="en-US" sz="1200" dirty="0" smtClean="0"/>
           </a:p>
         </p:txBody>
       </p:sp>
@@ -5966,11 +5964,7 @@
           <a:p>
             <a:r>
               <a:rPr lang="en-US" sz="1200" dirty="0" smtClean="0"/>
-              <a:t>Machine </a:t>
-            </a:r>
-            <a:r>
-              <a:rPr lang="en-US" sz="1200" dirty="0" smtClean="0"/>
-              <a:t>learning</a:t>
+              <a:t>Machine learning</a:t>
             </a:r>
           </a:p>
           <a:p>
@@ -5978,14 +5972,12 @@
               <a:rPr lang="en-US" sz="1200" dirty="0" smtClean="0"/>
               <a:t>Several bioinformatics tools</a:t>
             </a:r>
-            <a:endParaRPr lang="en-US" sz="1200" dirty="0" smtClean="0"/>
           </a:p>
           <a:p>
             <a:r>
               <a:rPr lang="en-US" sz="1200" dirty="0" smtClean="0"/>
               <a:t>Implementation skills</a:t>
             </a:r>
-            <a:endParaRPr lang="en-US" sz="1200" dirty="0" smtClean="0"/>
           </a:p>
           <a:p>
             <a:r>
@@ -6004,7 +5996,6 @@
               <a:rPr lang="en-US" sz="1200" dirty="0" smtClean="0"/>
               <a:t>Image analysis</a:t>
             </a:r>
-            <a:endParaRPr lang="en-US" sz="1200" dirty="0" smtClean="0"/>
           </a:p>
           <a:p>
             <a:r>
@@ -6021,13 +6012,8 @@
           <a:p>
             <a:r>
               <a:rPr lang="en-US" sz="1200" dirty="0" smtClean="0"/>
-              <a:t>Top </a:t>
-            </a:r>
-            <a:r>
-              <a:rPr lang="en-US" sz="1200" dirty="0" smtClean="0"/>
-              <a:t>publications</a:t>
-            </a:r>
-            <a:endParaRPr lang="en-US" sz="1200" dirty="0" smtClean="0"/>
+              <a:t>Top publications</a:t>
+            </a:r>
           </a:p>
         </p:txBody>
       </p:sp>

--- a/CV/CV_KK.pptx
+++ b/CV/CV_KK.pptx
@@ -104,6 +104,22 @@
       </a:defRPr>
     </a:lvl9pPr>
   </p:defaultTextStyle>
+  <p:extLst>
+    <p:ext uri="{EFAFB233-063F-42B5-8137-9DF3F51BA10A}">
+      <p15:sldGuideLst xmlns:p15="http://schemas.microsoft.com/office/powerpoint/2012/main">
+        <p15:guide id="1" orient="horz" pos="2160">
+          <p15:clr>
+            <a:srgbClr val="A4A3A4"/>
+          </p15:clr>
+        </p15:guide>
+        <p15:guide id="2" pos="2880">
+          <p15:clr>
+            <a:srgbClr val="A4A3A4"/>
+          </p15:clr>
+        </p15:guide>
+      </p15:sldGuideLst>
+    </p:ext>
+  </p:extLst>
 </p:presentation>
 </file>
 
@@ -145,10 +161,9 @@
           <a:lstStyle/>
           <a:p>
             <a:r>
-              <a:rPr lang="en-US" smtClean="0"/>
+              <a:rPr lang="en-US"/>
               <a:t>Click to edit Master title style</a:t>
             </a:r>
-            <a:endParaRPr lang="en-US"/>
           </a:p>
         </p:txBody>
       </p:sp>
@@ -264,10 +279,9 @@
           </a:lstStyle>
           <a:p>
             <a:r>
-              <a:rPr lang="en-US" smtClean="0"/>
+              <a:rPr lang="en-US"/>
               <a:t>Click to edit Master subtitle style</a:t>
             </a:r>
-            <a:endParaRPr lang="en-US"/>
           </a:p>
         </p:txBody>
       </p:sp>
@@ -288,7 +302,7 @@
           <a:p>
             <a:fld id="{08F841CE-6291-8041-B8FB-9A5B9FB9A636}" type="datetimeFigureOut">
               <a:rPr lang="en-US" smtClean="0"/>
-              <a:t>2/12/20</a:t>
+              <a:t>9/30/21</a:t>
             </a:fld>
             <a:endParaRPr lang="en-US"/>
           </a:p>
@@ -382,10 +396,9 @@
           <a:lstStyle/>
           <a:p>
             <a:r>
-              <a:rPr lang="en-US" smtClean="0"/>
+              <a:rPr lang="en-US"/>
               <a:t>Click to edit Master title style</a:t>
             </a:r>
-            <a:endParaRPr lang="en-US"/>
           </a:p>
         </p:txBody>
       </p:sp>
@@ -406,38 +419,37 @@
           <a:p>
             <a:pPr lvl="0"/>
             <a:r>
-              <a:rPr lang="en-US" smtClean="0"/>
+              <a:rPr lang="en-US"/>
               <a:t>Click to edit Master text styles</a:t>
             </a:r>
           </a:p>
           <a:p>
             <a:pPr lvl="1"/>
             <a:r>
-              <a:rPr lang="en-US" smtClean="0"/>
+              <a:rPr lang="en-US"/>
               <a:t>Second level</a:t>
             </a:r>
           </a:p>
           <a:p>
             <a:pPr lvl="2"/>
             <a:r>
-              <a:rPr lang="en-US" smtClean="0"/>
+              <a:rPr lang="en-US"/>
               <a:t>Third level</a:t>
             </a:r>
           </a:p>
           <a:p>
             <a:pPr lvl="3"/>
             <a:r>
-              <a:rPr lang="en-US" smtClean="0"/>
+              <a:rPr lang="en-US"/>
               <a:t>Fourth level</a:t>
             </a:r>
           </a:p>
           <a:p>
             <a:pPr lvl="4"/>
             <a:r>
-              <a:rPr lang="en-US" smtClean="0"/>
+              <a:rPr lang="en-US"/>
               <a:t>Fifth level</a:t>
             </a:r>
-            <a:endParaRPr lang="en-US"/>
           </a:p>
         </p:txBody>
       </p:sp>
@@ -458,7 +470,7 @@
           <a:p>
             <a:fld id="{08F841CE-6291-8041-B8FB-9A5B9FB9A636}" type="datetimeFigureOut">
               <a:rPr lang="en-US" smtClean="0"/>
-              <a:t>2/12/20</a:t>
+              <a:t>9/30/21</a:t>
             </a:fld>
             <a:endParaRPr lang="en-US"/>
           </a:p>
@@ -557,10 +569,9 @@
           <a:lstStyle/>
           <a:p>
             <a:r>
-              <a:rPr lang="en-US" smtClean="0"/>
+              <a:rPr lang="en-US"/>
               <a:t>Click to edit Master title style</a:t>
             </a:r>
-            <a:endParaRPr lang="en-US"/>
           </a:p>
         </p:txBody>
       </p:sp>
@@ -586,38 +597,37 @@
           <a:p>
             <a:pPr lvl="0"/>
             <a:r>
-              <a:rPr lang="en-US" smtClean="0"/>
+              <a:rPr lang="en-US"/>
               <a:t>Click to edit Master text styles</a:t>
             </a:r>
           </a:p>
           <a:p>
             <a:pPr lvl="1"/>
             <a:r>
-              <a:rPr lang="en-US" smtClean="0"/>
+              <a:rPr lang="en-US"/>
               <a:t>Second level</a:t>
             </a:r>
           </a:p>
           <a:p>
             <a:pPr lvl="2"/>
             <a:r>
-              <a:rPr lang="en-US" smtClean="0"/>
+              <a:rPr lang="en-US"/>
               <a:t>Third level</a:t>
             </a:r>
           </a:p>
           <a:p>
             <a:pPr lvl="3"/>
             <a:r>
-              <a:rPr lang="en-US" smtClean="0"/>
+              <a:rPr lang="en-US"/>
               <a:t>Fourth level</a:t>
             </a:r>
           </a:p>
           <a:p>
             <a:pPr lvl="4"/>
             <a:r>
-              <a:rPr lang="en-US" smtClean="0"/>
+              <a:rPr lang="en-US"/>
               <a:t>Fifth level</a:t>
             </a:r>
-            <a:endParaRPr lang="en-US"/>
           </a:p>
         </p:txBody>
       </p:sp>
@@ -638,7 +648,7 @@
           <a:p>
             <a:fld id="{08F841CE-6291-8041-B8FB-9A5B9FB9A636}" type="datetimeFigureOut">
               <a:rPr lang="en-US" smtClean="0"/>
-              <a:t>2/12/20</a:t>
+              <a:t>9/30/21</a:t>
             </a:fld>
             <a:endParaRPr lang="en-US"/>
           </a:p>
@@ -732,10 +742,9 @@
           <a:lstStyle/>
           <a:p>
             <a:r>
-              <a:rPr lang="en-US" smtClean="0"/>
+              <a:rPr lang="en-US"/>
               <a:t>Click to edit Master title style</a:t>
             </a:r>
-            <a:endParaRPr lang="en-US"/>
           </a:p>
         </p:txBody>
       </p:sp>
@@ -756,38 +765,37 @@
           <a:p>
             <a:pPr lvl="0"/>
             <a:r>
-              <a:rPr lang="en-US" smtClean="0"/>
+              <a:rPr lang="en-US"/>
               <a:t>Click to edit Master text styles</a:t>
             </a:r>
           </a:p>
           <a:p>
             <a:pPr lvl="1"/>
             <a:r>
-              <a:rPr lang="en-US" smtClean="0"/>
+              <a:rPr lang="en-US"/>
               <a:t>Second level</a:t>
             </a:r>
           </a:p>
           <a:p>
             <a:pPr lvl="2"/>
             <a:r>
-              <a:rPr lang="en-US" smtClean="0"/>
+              <a:rPr lang="en-US"/>
               <a:t>Third level</a:t>
             </a:r>
           </a:p>
           <a:p>
             <a:pPr lvl="3"/>
             <a:r>
-              <a:rPr lang="en-US" smtClean="0"/>
+              <a:rPr lang="en-US"/>
               <a:t>Fourth level</a:t>
             </a:r>
           </a:p>
           <a:p>
             <a:pPr lvl="4"/>
             <a:r>
-              <a:rPr lang="en-US" smtClean="0"/>
+              <a:rPr lang="en-US"/>
               <a:t>Fifth level</a:t>
             </a:r>
-            <a:endParaRPr lang="en-US"/>
           </a:p>
         </p:txBody>
       </p:sp>
@@ -808,7 +816,7 @@
           <a:p>
             <a:fld id="{08F841CE-6291-8041-B8FB-9A5B9FB9A636}" type="datetimeFigureOut">
               <a:rPr lang="en-US" smtClean="0"/>
-              <a:t>2/12/20</a:t>
+              <a:t>9/30/21</a:t>
             </a:fld>
             <a:endParaRPr lang="en-US"/>
           </a:p>
@@ -911,10 +919,9 @@
           </a:lstStyle>
           <a:p>
             <a:r>
-              <a:rPr lang="en-US" smtClean="0"/>
+              <a:rPr lang="en-US"/>
               <a:t>Click to edit Master title style</a:t>
             </a:r>
-            <a:endParaRPr lang="en-US"/>
           </a:p>
         </p:txBody>
       </p:sp>
@@ -1031,7 +1038,7 @@
           <a:p>
             <a:pPr lvl="0"/>
             <a:r>
-              <a:rPr lang="en-US" smtClean="0"/>
+              <a:rPr lang="en-US"/>
               <a:t>Click to edit Master text styles</a:t>
             </a:r>
           </a:p>
@@ -1054,7 +1061,7 @@
           <a:p>
             <a:fld id="{08F841CE-6291-8041-B8FB-9A5B9FB9A636}" type="datetimeFigureOut">
               <a:rPr lang="en-US" smtClean="0"/>
-              <a:t>2/12/20</a:t>
+              <a:t>9/30/21</a:t>
             </a:fld>
             <a:endParaRPr lang="en-US"/>
           </a:p>
@@ -1148,10 +1155,9 @@
           <a:lstStyle/>
           <a:p>
             <a:r>
-              <a:rPr lang="en-US" smtClean="0"/>
+              <a:rPr lang="en-US"/>
               <a:t>Click to edit Master title style</a:t>
             </a:r>
-            <a:endParaRPr lang="en-US"/>
           </a:p>
         </p:txBody>
       </p:sp>
@@ -1205,38 +1211,37 @@
           <a:p>
             <a:pPr lvl="0"/>
             <a:r>
-              <a:rPr lang="en-US" smtClean="0"/>
+              <a:rPr lang="en-US"/>
               <a:t>Click to edit Master text styles</a:t>
             </a:r>
           </a:p>
           <a:p>
             <a:pPr lvl="1"/>
             <a:r>
-              <a:rPr lang="en-US" smtClean="0"/>
+              <a:rPr lang="en-US"/>
               <a:t>Second level</a:t>
             </a:r>
           </a:p>
           <a:p>
             <a:pPr lvl="2"/>
             <a:r>
-              <a:rPr lang="en-US" smtClean="0"/>
+              <a:rPr lang="en-US"/>
               <a:t>Third level</a:t>
             </a:r>
           </a:p>
           <a:p>
             <a:pPr lvl="3"/>
             <a:r>
-              <a:rPr lang="en-US" smtClean="0"/>
+              <a:rPr lang="en-US"/>
               <a:t>Fourth level</a:t>
             </a:r>
           </a:p>
           <a:p>
             <a:pPr lvl="4"/>
             <a:r>
-              <a:rPr lang="en-US" smtClean="0"/>
+              <a:rPr lang="en-US"/>
               <a:t>Fifth level</a:t>
             </a:r>
-            <a:endParaRPr lang="en-US"/>
           </a:p>
         </p:txBody>
       </p:sp>
@@ -1290,38 +1295,37 @@
           <a:p>
             <a:pPr lvl="0"/>
             <a:r>
-              <a:rPr lang="en-US" smtClean="0"/>
+              <a:rPr lang="en-US"/>
               <a:t>Click to edit Master text styles</a:t>
             </a:r>
           </a:p>
           <a:p>
             <a:pPr lvl="1"/>
             <a:r>
-              <a:rPr lang="en-US" smtClean="0"/>
+              <a:rPr lang="en-US"/>
               <a:t>Second level</a:t>
             </a:r>
           </a:p>
           <a:p>
             <a:pPr lvl="2"/>
             <a:r>
-              <a:rPr lang="en-US" smtClean="0"/>
+              <a:rPr lang="en-US"/>
               <a:t>Third level</a:t>
             </a:r>
           </a:p>
           <a:p>
             <a:pPr lvl="3"/>
             <a:r>
-              <a:rPr lang="en-US" smtClean="0"/>
+              <a:rPr lang="en-US"/>
               <a:t>Fourth level</a:t>
             </a:r>
           </a:p>
           <a:p>
             <a:pPr lvl="4"/>
             <a:r>
-              <a:rPr lang="en-US" smtClean="0"/>
+              <a:rPr lang="en-US"/>
               <a:t>Fifth level</a:t>
             </a:r>
-            <a:endParaRPr lang="en-US"/>
           </a:p>
         </p:txBody>
       </p:sp>
@@ -1342,7 +1346,7 @@
           <a:p>
             <a:fld id="{08F841CE-6291-8041-B8FB-9A5B9FB9A636}" type="datetimeFigureOut">
               <a:rPr lang="en-US" smtClean="0"/>
-              <a:t>2/12/20</a:t>
+              <a:t>9/30/21</a:t>
             </a:fld>
             <a:endParaRPr lang="en-US"/>
           </a:p>
@@ -1440,10 +1444,9 @@
           </a:lstStyle>
           <a:p>
             <a:r>
-              <a:rPr lang="en-US" smtClean="0"/>
+              <a:rPr lang="en-US"/>
               <a:t>Click to edit Master title style</a:t>
             </a:r>
-            <a:endParaRPr lang="en-US"/>
           </a:p>
         </p:txBody>
       </p:sp>
@@ -1506,7 +1509,7 @@
           <a:p>
             <a:pPr lvl="0"/>
             <a:r>
-              <a:rPr lang="en-US" smtClean="0"/>
+              <a:rPr lang="en-US"/>
               <a:t>Click to edit Master text styles</a:t>
             </a:r>
           </a:p>
@@ -1562,38 +1565,37 @@
           <a:p>
             <a:pPr lvl="0"/>
             <a:r>
-              <a:rPr lang="en-US" smtClean="0"/>
+              <a:rPr lang="en-US"/>
               <a:t>Click to edit Master text styles</a:t>
             </a:r>
           </a:p>
           <a:p>
             <a:pPr lvl="1"/>
             <a:r>
-              <a:rPr lang="en-US" smtClean="0"/>
+              <a:rPr lang="en-US"/>
               <a:t>Second level</a:t>
             </a:r>
           </a:p>
           <a:p>
             <a:pPr lvl="2"/>
             <a:r>
-              <a:rPr lang="en-US" smtClean="0"/>
+              <a:rPr lang="en-US"/>
               <a:t>Third level</a:t>
             </a:r>
           </a:p>
           <a:p>
             <a:pPr lvl="3"/>
             <a:r>
-              <a:rPr lang="en-US" smtClean="0"/>
+              <a:rPr lang="en-US"/>
               <a:t>Fourth level</a:t>
             </a:r>
           </a:p>
           <a:p>
             <a:pPr lvl="4"/>
             <a:r>
-              <a:rPr lang="en-US" smtClean="0"/>
+              <a:rPr lang="en-US"/>
               <a:t>Fifth level</a:t>
             </a:r>
-            <a:endParaRPr lang="en-US"/>
           </a:p>
         </p:txBody>
       </p:sp>
@@ -1656,7 +1658,7 @@
           <a:p>
             <a:pPr lvl="0"/>
             <a:r>
-              <a:rPr lang="en-US" smtClean="0"/>
+              <a:rPr lang="en-US"/>
               <a:t>Click to edit Master text styles</a:t>
             </a:r>
           </a:p>
@@ -1712,38 +1714,37 @@
           <a:p>
             <a:pPr lvl="0"/>
             <a:r>
-              <a:rPr lang="en-US" smtClean="0"/>
+              <a:rPr lang="en-US"/>
               <a:t>Click to edit Master text styles</a:t>
             </a:r>
           </a:p>
           <a:p>
             <a:pPr lvl="1"/>
             <a:r>
-              <a:rPr lang="en-US" smtClean="0"/>
+              <a:rPr lang="en-US"/>
               <a:t>Second level</a:t>
             </a:r>
           </a:p>
           <a:p>
             <a:pPr lvl="2"/>
             <a:r>
-              <a:rPr lang="en-US" smtClean="0"/>
+              <a:rPr lang="en-US"/>
               <a:t>Third level</a:t>
             </a:r>
           </a:p>
           <a:p>
             <a:pPr lvl="3"/>
             <a:r>
-              <a:rPr lang="en-US" smtClean="0"/>
+              <a:rPr lang="en-US"/>
               <a:t>Fourth level</a:t>
             </a:r>
           </a:p>
           <a:p>
             <a:pPr lvl="4"/>
             <a:r>
-              <a:rPr lang="en-US" smtClean="0"/>
+              <a:rPr lang="en-US"/>
               <a:t>Fifth level</a:t>
             </a:r>
-            <a:endParaRPr lang="en-US"/>
           </a:p>
         </p:txBody>
       </p:sp>
@@ -1764,7 +1765,7 @@
           <a:p>
             <a:fld id="{08F841CE-6291-8041-B8FB-9A5B9FB9A636}" type="datetimeFigureOut">
               <a:rPr lang="en-US" smtClean="0"/>
-              <a:t>2/12/20</a:t>
+              <a:t>9/30/21</a:t>
             </a:fld>
             <a:endParaRPr lang="en-US"/>
           </a:p>
@@ -1858,10 +1859,9 @@
           <a:lstStyle/>
           <a:p>
             <a:r>
-              <a:rPr lang="en-US" smtClean="0"/>
+              <a:rPr lang="en-US"/>
               <a:t>Click to edit Master title style</a:t>
             </a:r>
-            <a:endParaRPr lang="en-US"/>
           </a:p>
         </p:txBody>
       </p:sp>
@@ -1882,7 +1882,7 @@
           <a:p>
             <a:fld id="{08F841CE-6291-8041-B8FB-9A5B9FB9A636}" type="datetimeFigureOut">
               <a:rPr lang="en-US" smtClean="0"/>
-              <a:t>2/12/20</a:t>
+              <a:t>9/30/21</a:t>
             </a:fld>
             <a:endParaRPr lang="en-US"/>
           </a:p>
@@ -1977,7 +1977,7 @@
           <a:p>
             <a:fld id="{08F841CE-6291-8041-B8FB-9A5B9FB9A636}" type="datetimeFigureOut">
               <a:rPr lang="en-US" smtClean="0"/>
-              <a:t>2/12/20</a:t>
+              <a:t>9/30/21</a:t>
             </a:fld>
             <a:endParaRPr lang="en-US"/>
           </a:p>
@@ -2080,10 +2080,9 @@
           </a:lstStyle>
           <a:p>
             <a:r>
-              <a:rPr lang="en-US" smtClean="0"/>
+              <a:rPr lang="en-US"/>
               <a:t>Click to edit Master title style</a:t>
             </a:r>
-            <a:endParaRPr lang="en-US"/>
           </a:p>
         </p:txBody>
       </p:sp>
@@ -2137,38 +2136,37 @@
           <a:p>
             <a:pPr lvl="0"/>
             <a:r>
-              <a:rPr lang="en-US" smtClean="0"/>
+              <a:rPr lang="en-US"/>
               <a:t>Click to edit Master text styles</a:t>
             </a:r>
           </a:p>
           <a:p>
             <a:pPr lvl="1"/>
             <a:r>
-              <a:rPr lang="en-US" smtClean="0"/>
+              <a:rPr lang="en-US"/>
               <a:t>Second level</a:t>
             </a:r>
           </a:p>
           <a:p>
             <a:pPr lvl="2"/>
             <a:r>
-              <a:rPr lang="en-US" smtClean="0"/>
+              <a:rPr lang="en-US"/>
               <a:t>Third level</a:t>
             </a:r>
           </a:p>
           <a:p>
             <a:pPr lvl="3"/>
             <a:r>
-              <a:rPr lang="en-US" smtClean="0"/>
+              <a:rPr lang="en-US"/>
               <a:t>Fourth level</a:t>
             </a:r>
           </a:p>
           <a:p>
             <a:pPr lvl="4"/>
             <a:r>
-              <a:rPr lang="en-US" smtClean="0"/>
+              <a:rPr lang="en-US"/>
               <a:t>Fifth level</a:t>
             </a:r>
-            <a:endParaRPr lang="en-US"/>
           </a:p>
         </p:txBody>
       </p:sp>
@@ -2231,7 +2229,7 @@
           <a:p>
             <a:pPr lvl="0"/>
             <a:r>
-              <a:rPr lang="en-US" smtClean="0"/>
+              <a:rPr lang="en-US"/>
               <a:t>Click to edit Master text styles</a:t>
             </a:r>
           </a:p>
@@ -2254,7 +2252,7 @@
           <a:p>
             <a:fld id="{08F841CE-6291-8041-B8FB-9A5B9FB9A636}" type="datetimeFigureOut">
               <a:rPr lang="en-US" smtClean="0"/>
-              <a:t>2/12/20</a:t>
+              <a:t>9/30/21</a:t>
             </a:fld>
             <a:endParaRPr lang="en-US"/>
           </a:p>
@@ -2357,10 +2355,9 @@
           </a:lstStyle>
           <a:p>
             <a:r>
-              <a:rPr lang="en-US" smtClean="0"/>
+              <a:rPr lang="en-US"/>
               <a:t>Click to edit Master title style</a:t>
             </a:r>
-            <a:endParaRPr lang="en-US"/>
           </a:p>
         </p:txBody>
       </p:sp>
@@ -2484,7 +2481,7 @@
           <a:p>
             <a:pPr lvl="0"/>
             <a:r>
-              <a:rPr lang="en-US" smtClean="0"/>
+              <a:rPr lang="en-US"/>
               <a:t>Click to edit Master text styles</a:t>
             </a:r>
           </a:p>
@@ -2507,7 +2504,7 @@
           <a:p>
             <a:fld id="{08F841CE-6291-8041-B8FB-9A5B9FB9A636}" type="datetimeFigureOut">
               <a:rPr lang="en-US" smtClean="0"/>
-              <a:t>2/12/20</a:t>
+              <a:t>9/30/21</a:t>
             </a:fld>
             <a:endParaRPr lang="en-US"/>
           </a:p>
@@ -2616,10 +2613,9 @@
           <a:lstStyle/>
           <a:p>
             <a:r>
-              <a:rPr lang="en-US" smtClean="0"/>
+              <a:rPr lang="en-US"/>
               <a:t>Click to edit Master title style</a:t>
             </a:r>
-            <a:endParaRPr lang="en-US"/>
           </a:p>
         </p:txBody>
       </p:sp>
@@ -2650,38 +2646,37 @@
           <a:p>
             <a:pPr lvl="0"/>
             <a:r>
-              <a:rPr lang="en-US" smtClean="0"/>
+              <a:rPr lang="en-US"/>
               <a:t>Click to edit Master text styles</a:t>
             </a:r>
           </a:p>
           <a:p>
             <a:pPr lvl="1"/>
             <a:r>
-              <a:rPr lang="en-US" smtClean="0"/>
+              <a:rPr lang="en-US"/>
               <a:t>Second level</a:t>
             </a:r>
           </a:p>
           <a:p>
             <a:pPr lvl="2"/>
             <a:r>
-              <a:rPr lang="en-US" smtClean="0"/>
+              <a:rPr lang="en-US"/>
               <a:t>Third level</a:t>
             </a:r>
           </a:p>
           <a:p>
             <a:pPr lvl="3"/>
             <a:r>
-              <a:rPr lang="en-US" smtClean="0"/>
+              <a:rPr lang="en-US"/>
               <a:t>Fourth level</a:t>
             </a:r>
           </a:p>
           <a:p>
             <a:pPr lvl="4"/>
             <a:r>
-              <a:rPr lang="en-US" smtClean="0"/>
+              <a:rPr lang="en-US"/>
               <a:t>Fifth level</a:t>
             </a:r>
-            <a:endParaRPr lang="en-US"/>
           </a:p>
         </p:txBody>
       </p:sp>
@@ -2720,7 +2715,7 @@
           <a:p>
             <a:fld id="{08F841CE-6291-8041-B8FB-9A5B9FB9A636}" type="datetimeFigureOut">
               <a:rPr lang="en-US" smtClean="0"/>
-              <a:t>2/12/20</a:t>
+              <a:t>9/30/21</a:t>
             </a:fld>
             <a:endParaRPr lang="en-US"/>
           </a:p>
@@ -3903,22 +3898,21 @@
           <a:lstStyle/>
           <a:p>
             <a:r>
-              <a:rPr lang="en-US" sz="1200" dirty="0" smtClean="0"/>
+              <a:rPr lang="en-US" sz="1200" dirty="0"/>
               <a:t>Internship</a:t>
             </a:r>
           </a:p>
           <a:p>
             <a:r>
-              <a:rPr lang="en-US" sz="1200" i="1" dirty="0" smtClean="0"/>
+              <a:rPr lang="en-US" sz="1200" i="1" dirty="0"/>
               <a:t>Knowledge Based Systems, Inc.</a:t>
             </a:r>
           </a:p>
           <a:p>
             <a:r>
-              <a:rPr lang="en-US" sz="1200" dirty="0" smtClean="0"/>
+              <a:rPr lang="en-US" sz="1200" dirty="0"/>
               <a:t>Jan. 2007-Dec. 2007</a:t>
             </a:r>
-            <a:endParaRPr lang="en-US" sz="1200" dirty="0"/>
           </a:p>
         </p:txBody>
       </p:sp>
@@ -4044,35 +4038,34 @@
           <a:p>
             <a:pPr algn="r"/>
             <a:r>
-              <a:rPr lang="en-US" sz="1200" dirty="0" smtClean="0"/>
+              <a:rPr lang="en-US" sz="1200" dirty="0"/>
               <a:t>Research Specialist/Associate</a:t>
             </a:r>
           </a:p>
           <a:p>
             <a:pPr algn="r"/>
             <a:r>
-              <a:rPr lang="en-US" sz="1200" i="1" dirty="0" err="1" smtClean="0"/>
+              <a:rPr lang="en-US" sz="1200" i="1" dirty="0" err="1"/>
               <a:t>Stowers</a:t>
             </a:r>
             <a:r>
-              <a:rPr lang="en-US" sz="1200" i="1" dirty="0" smtClean="0"/>
+              <a:rPr lang="en-US" sz="1200" i="1" dirty="0"/>
               <a:t> Institute for Medical Research/</a:t>
             </a:r>
           </a:p>
           <a:p>
             <a:pPr algn="r"/>
             <a:r>
-              <a:rPr lang="en-US" sz="1200" i="1" dirty="0" smtClean="0"/>
+              <a:rPr lang="en-US" sz="1200" i="1" dirty="0"/>
               <a:t>Pennsylvania State University</a:t>
             </a:r>
           </a:p>
           <a:p>
             <a:pPr algn="r"/>
             <a:r>
-              <a:rPr lang="en-US" sz="1200" dirty="0" smtClean="0"/>
+              <a:rPr lang="en-US" sz="1200" dirty="0"/>
               <a:t>Jan. 2008-Aug. 2010/Sep. 2010-Mar. 2011</a:t>
             </a:r>
-            <a:endParaRPr lang="en-US" sz="1200" dirty="0"/>
           </a:p>
         </p:txBody>
       </p:sp>
@@ -4198,31 +4191,30 @@
           <a:p>
             <a:pPr algn="r"/>
             <a:r>
-              <a:rPr lang="en-US" sz="1200" dirty="0" smtClean="0"/>
+              <a:rPr lang="en-US" sz="1200" dirty="0"/>
               <a:t>Research Fellow/Associate</a:t>
             </a:r>
           </a:p>
           <a:p>
             <a:pPr algn="r"/>
             <a:r>
-              <a:rPr lang="en-US" sz="1200" i="1" dirty="0" smtClean="0"/>
+              <a:rPr lang="en-US" sz="1200" i="1" dirty="0"/>
               <a:t>Memorial Sloan-Kettering </a:t>
             </a:r>
           </a:p>
           <a:p>
             <a:pPr algn="r"/>
             <a:r>
-              <a:rPr lang="en-US" sz="1200" i="1" dirty="0" smtClean="0"/>
+              <a:rPr lang="en-US" sz="1200" i="1" dirty="0"/>
               <a:t>Cancer Center</a:t>
             </a:r>
           </a:p>
           <a:p>
             <a:pPr algn="r"/>
             <a:r>
-              <a:rPr lang="en-US" sz="1200" dirty="0" smtClean="0"/>
+              <a:rPr lang="en-US" sz="1200" dirty="0"/>
               <a:t>Apr. 2011-Oct. 2013</a:t>
             </a:r>
-            <a:endParaRPr lang="en-US" sz="1200" dirty="0"/>
           </a:p>
         </p:txBody>
       </p:sp>
@@ -4348,36 +4340,27 @@
           <a:p>
             <a:pPr algn="r"/>
             <a:r>
-              <a:rPr lang="en-US" sz="1200" b="1" dirty="0" smtClean="0"/>
+              <a:rPr lang="en-US" sz="1200" b="1" dirty="0"/>
               <a:t>Assistant Professor</a:t>
             </a:r>
           </a:p>
           <a:p>
             <a:pPr algn="r"/>
             <a:r>
-              <a:rPr lang="en-US" sz="1200" i="1" dirty="0" smtClean="0"/>
+              <a:rPr lang="en-US" sz="1200" i="1" dirty="0"/>
               <a:t>New York University </a:t>
             </a:r>
             <a:r>
-              <a:rPr lang="en-US" sz="1200" dirty="0" smtClean="0"/>
+              <a:rPr lang="en-US" sz="1200" dirty="0"/>
               <a:t>	</a:t>
             </a:r>
           </a:p>
           <a:p>
             <a:pPr algn="r"/>
             <a:r>
-              <a:rPr lang="en-US" sz="1200" dirty="0" smtClean="0"/>
-              <a:t>Nov. 2013</a:t>
-            </a:r>
-            <a:r>
-              <a:rPr lang="en-US" sz="1200" dirty="0" smtClean="0"/>
-              <a:t>-</a:t>
-            </a:r>
-            <a:r>
-              <a:rPr lang="en-US" sz="1200" dirty="0" smtClean="0"/>
-              <a:t>Aug. 2019</a:t>
-            </a:r>
-            <a:endParaRPr lang="en-US" sz="1200" dirty="0"/>
+              <a:rPr lang="en-US" sz="1200" dirty="0"/>
+              <a:t>Nov. 2013-Aug. 2019</a:t>
+            </a:r>
           </a:p>
         </p:txBody>
       </p:sp>
@@ -4752,25 +4735,24 @@
           <a:p>
             <a:pPr algn="r"/>
             <a:r>
-              <a:rPr lang="en-US" sz="1200" dirty="0" smtClean="0"/>
+              <a:rPr lang="en-US" sz="1200" dirty="0"/>
               <a:t>Bachelor of Science Mathematics (BSc.)</a:t>
             </a:r>
           </a:p>
           <a:p>
             <a:pPr algn="r"/>
             <a:r>
-              <a:rPr lang="en-US" sz="1200" i="1" dirty="0" smtClean="0"/>
+              <a:rPr lang="en-US" sz="1200" i="1" dirty="0"/>
               <a:t>University of Madras</a:t>
             </a:r>
-            <a:endParaRPr lang="en-US" sz="1200" dirty="0" smtClean="0"/>
+            <a:endParaRPr lang="en-US" sz="1200" dirty="0"/>
           </a:p>
           <a:p>
             <a:pPr algn="r"/>
             <a:r>
-              <a:rPr lang="en-US" sz="1200" dirty="0" smtClean="0"/>
+              <a:rPr lang="en-US" sz="1200" dirty="0"/>
               <a:t>Apr. 1998</a:t>
             </a:r>
-            <a:endParaRPr lang="en-US" sz="1200" dirty="0"/>
           </a:p>
         </p:txBody>
       </p:sp>
@@ -4798,25 +4780,24 @@
           <a:p>
             <a:pPr algn="r"/>
             <a:r>
-              <a:rPr lang="en-US" sz="1200" dirty="0" smtClean="0"/>
+              <a:rPr lang="en-US" sz="1200" dirty="0"/>
               <a:t>Master of Science Mathematics (MSc.)</a:t>
             </a:r>
           </a:p>
           <a:p>
             <a:pPr algn="r"/>
             <a:r>
-              <a:rPr lang="en-US" sz="1200" i="1" dirty="0" smtClean="0"/>
+              <a:rPr lang="en-US" sz="1200" i="1" dirty="0"/>
               <a:t>IIT, Madras</a:t>
             </a:r>
-            <a:endParaRPr lang="en-US" sz="1200" dirty="0" smtClean="0"/>
+            <a:endParaRPr lang="en-US" sz="1200" dirty="0"/>
           </a:p>
           <a:p>
             <a:pPr algn="r"/>
             <a:r>
-              <a:rPr lang="en-US" sz="1200" dirty="0" smtClean="0"/>
+              <a:rPr lang="en-US" sz="1200" dirty="0"/>
               <a:t>Apr. 2000</a:t>
             </a:r>
-            <a:endParaRPr lang="en-US" sz="1200" dirty="0"/>
           </a:p>
         </p:txBody>
       </p:sp>
@@ -4844,32 +4825,31 @@
           <a:p>
             <a:pPr algn="r"/>
             <a:r>
-              <a:rPr lang="en-US" sz="1200" dirty="0" smtClean="0"/>
+              <a:rPr lang="en-US" sz="1200" dirty="0"/>
               <a:t>Master of Science </a:t>
             </a:r>
           </a:p>
           <a:p>
             <a:pPr algn="r"/>
             <a:r>
-              <a:rPr lang="en-US" sz="1200" dirty="0" smtClean="0"/>
+              <a:rPr lang="en-US" sz="1200" dirty="0"/>
               <a:t>Mathematics (MS.) </a:t>
             </a:r>
           </a:p>
           <a:p>
             <a:pPr algn="r"/>
             <a:r>
-              <a:rPr lang="en-US" sz="1200" i="1" dirty="0" smtClean="0"/>
+              <a:rPr lang="en-US" sz="1200" i="1" dirty="0"/>
               <a:t>Texas A&amp;M University</a:t>
             </a:r>
-            <a:endParaRPr lang="en-US" sz="1200" dirty="0" smtClean="0"/>
+            <a:endParaRPr lang="en-US" sz="1200" dirty="0"/>
           </a:p>
           <a:p>
             <a:pPr algn="r"/>
             <a:r>
-              <a:rPr lang="en-US" sz="1200" dirty="0" smtClean="0"/>
+              <a:rPr lang="en-US" sz="1200" dirty="0"/>
               <a:t>Apr. 2002</a:t>
             </a:r>
-            <a:endParaRPr lang="en-US" sz="1200" dirty="0"/>
           </a:p>
         </p:txBody>
       </p:sp>
@@ -4904,25 +4884,8 @@
                 <a:latin typeface="Arial"/>
                 <a:cs typeface="Arial"/>
               </a:rPr>
-              <a:t>e</a:t>
-            </a:r>
-            <a:r>
-              <a:rPr lang="en-US" sz="1600" b="1" dirty="0" smtClean="0">
-                <a:solidFill>
-                  <a:srgbClr val="FFFFFF"/>
-                </a:solidFill>
-                <a:latin typeface="Arial"/>
-                <a:cs typeface="Arial"/>
-              </a:rPr>
-              <a:t>ducation</a:t>
-            </a:r>
-            <a:endParaRPr lang="en-US" sz="1600" b="1" dirty="0">
-              <a:solidFill>
-                <a:srgbClr val="FFFFFF"/>
-              </a:solidFill>
-              <a:latin typeface="Arial"/>
-              <a:cs typeface="Arial"/>
-            </a:endParaRPr>
+              <a:t>education</a:t>
+            </a:r>
           </a:p>
         </p:txBody>
       </p:sp>
@@ -4957,25 +4920,8 @@
                 <a:latin typeface="Arial"/>
                 <a:cs typeface="Arial"/>
               </a:rPr>
-              <a:t>a</a:t>
-            </a:r>
-            <a:r>
-              <a:rPr lang="en-US" sz="2000" b="1" dirty="0" smtClean="0">
-                <a:solidFill>
-                  <a:schemeClr val="bg1"/>
-                </a:solidFill>
-                <a:latin typeface="Arial"/>
-                <a:cs typeface="Arial"/>
-              </a:rPr>
-              <a:t>cquired credentials</a:t>
-            </a:r>
-            <a:endParaRPr lang="en-US" sz="2000" b="1" dirty="0">
-              <a:solidFill>
-                <a:schemeClr val="bg1"/>
-              </a:solidFill>
-              <a:latin typeface="Arial"/>
-              <a:cs typeface="Arial"/>
-            </a:endParaRPr>
+              <a:t>acquired credentials</a:t>
+            </a:r>
           </a:p>
         </p:txBody>
       </p:sp>
@@ -5003,7 +4949,7 @@
           <a:p>
             <a:pPr algn="ctr"/>
             <a:r>
-              <a:rPr lang="en-US" sz="2800" b="1" dirty="0" smtClean="0">
+              <a:rPr lang="en-US" sz="2800" b="1" dirty="0">
                 <a:solidFill>
                   <a:schemeClr val="bg1"/>
                 </a:solidFill>
@@ -5016,7 +4962,7 @@
           <a:p>
             <a:pPr algn="ctr"/>
             <a:r>
-              <a:rPr lang="en-US" sz="2800" b="1" dirty="0" smtClean="0">
+              <a:rPr lang="en-US" sz="2800" b="1" dirty="0">
                 <a:solidFill>
                   <a:schemeClr val="bg1"/>
                 </a:solidFill>
@@ -5051,32 +4997,31 @@
           <a:lstStyle/>
           <a:p>
             <a:r>
-              <a:rPr lang="en-US" sz="1200" b="1" dirty="0" smtClean="0"/>
+              <a:rPr lang="en-US" sz="1200" b="1" dirty="0"/>
               <a:t>Doctor of Philosophy</a:t>
             </a:r>
           </a:p>
           <a:p>
             <a:r>
-              <a:rPr lang="en-US" sz="1200" dirty="0" smtClean="0"/>
+              <a:rPr lang="en-US" sz="1200" dirty="0"/>
               <a:t>Computer Science (PhD)</a:t>
             </a:r>
           </a:p>
           <a:p>
             <a:r>
-              <a:rPr lang="en-US" sz="1200" i="1" dirty="0" smtClean="0"/>
+              <a:rPr lang="en-US" sz="1200" i="1" dirty="0"/>
               <a:t>Texas A&amp;M University</a:t>
             </a:r>
             <a:r>
-              <a:rPr lang="en-US" sz="1200" dirty="0" smtClean="0"/>
+              <a:rPr lang="en-US" sz="1200" dirty="0"/>
               <a:t>	</a:t>
             </a:r>
           </a:p>
           <a:p>
             <a:r>
-              <a:rPr lang="en-US" sz="1200" dirty="0" smtClean="0"/>
+              <a:rPr lang="en-US" sz="1200" dirty="0"/>
               <a:t>Aug. 2008</a:t>
             </a:r>
-            <a:endParaRPr lang="en-US" sz="1200" dirty="0"/>
           </a:p>
         </p:txBody>
       </p:sp>
@@ -5111,25 +5056,8 @@
                 <a:latin typeface="Arial"/>
                 <a:cs typeface="Arial"/>
               </a:rPr>
-              <a:t>s</a:t>
-            </a:r>
-            <a:r>
-              <a:rPr lang="en-US" sz="2000" b="1" dirty="0" smtClean="0">
-                <a:solidFill>
-                  <a:srgbClr val="FFFFFF"/>
-                </a:solidFill>
-                <a:latin typeface="Arial"/>
-                <a:cs typeface="Arial"/>
-              </a:rPr>
-              <a:t>elf-motivation</a:t>
-            </a:r>
-            <a:endParaRPr lang="en-US" sz="2000" b="1" dirty="0">
-              <a:solidFill>
-                <a:srgbClr val="FFFFFF"/>
-              </a:solidFill>
-              <a:latin typeface="Arial"/>
-              <a:cs typeface="Arial"/>
-            </a:endParaRPr>
+              <a:t>self-motivation</a:t>
+            </a:r>
           </a:p>
         </p:txBody>
       </p:sp>
@@ -5164,25 +5092,8 @@
                 <a:latin typeface="Arial"/>
                 <a:cs typeface="Arial"/>
               </a:rPr>
-              <a:t>c</a:t>
-            </a:r>
-            <a:r>
-              <a:rPr lang="en-US" sz="1600" b="1" dirty="0" smtClean="0">
-                <a:solidFill>
-                  <a:srgbClr val="FFFFFF"/>
-                </a:solidFill>
-                <a:latin typeface="Arial"/>
-                <a:cs typeface="Arial"/>
-              </a:rPr>
-              <a:t>reativity</a:t>
-            </a:r>
-            <a:endParaRPr lang="en-US" sz="1600" b="1" dirty="0">
-              <a:solidFill>
-                <a:srgbClr val="FFFFFF"/>
-              </a:solidFill>
-              <a:latin typeface="Arial"/>
-              <a:cs typeface="Arial"/>
-            </a:endParaRPr>
+              <a:t>creativity</a:t>
+            </a:r>
           </a:p>
         </p:txBody>
       </p:sp>
@@ -5217,25 +5128,8 @@
                 <a:latin typeface="Arial"/>
                 <a:cs typeface="Arial"/>
               </a:rPr>
-              <a:t>s</a:t>
-            </a:r>
-            <a:r>
-              <a:rPr lang="en-US" sz="2000" b="1" dirty="0" smtClean="0">
-                <a:solidFill>
-                  <a:srgbClr val="FFFFFF"/>
-                </a:solidFill>
-                <a:latin typeface="Arial"/>
-                <a:cs typeface="Arial"/>
-              </a:rPr>
-              <a:t>kills</a:t>
-            </a:r>
-            <a:endParaRPr lang="en-US" sz="2000" b="1" dirty="0">
-              <a:solidFill>
-                <a:srgbClr val="FFFFFF"/>
-              </a:solidFill>
-              <a:latin typeface="Arial"/>
-              <a:cs typeface="Arial"/>
-            </a:endParaRPr>
+              <a:t>skills</a:t>
+            </a:r>
           </a:p>
         </p:txBody>
       </p:sp>
@@ -5262,25 +5156,25 @@
           <a:lstStyle/>
           <a:p>
             <a:r>
-              <a:rPr lang="en-US" sz="1200" b="1" dirty="0" smtClean="0"/>
+              <a:rPr lang="en-US" sz="1200" b="1" dirty="0"/>
               <a:t>Several successful collaborations</a:t>
             </a:r>
           </a:p>
           <a:p>
             <a:r>
-              <a:rPr lang="en-US" sz="1200" dirty="0" smtClean="0"/>
+              <a:rPr lang="en-US" sz="1200" dirty="0"/>
               <a:t>Active learner and listener</a:t>
             </a:r>
           </a:p>
           <a:p>
             <a:r>
-              <a:rPr lang="en-US" sz="1200" dirty="0" smtClean="0"/>
+              <a:rPr lang="en-US" sz="1200" dirty="0"/>
               <a:t>Emotional intelligence</a:t>
             </a:r>
           </a:p>
           <a:p>
             <a:r>
-              <a:rPr lang="en-US" sz="1200" dirty="0" smtClean="0"/>
+              <a:rPr lang="en-US" sz="1200" dirty="0"/>
               <a:t>Communication</a:t>
             </a:r>
           </a:p>
@@ -5362,27 +5256,26 @@
           <a:lstStyle/>
           <a:p>
             <a:r>
-              <a:rPr lang="en-US" sz="1200" dirty="0" smtClean="0"/>
+              <a:rPr lang="en-US" sz="1200" dirty="0"/>
               <a:t>Proven track record of applying data science to biology and </a:t>
             </a:r>
             <a:r>
-              <a:rPr lang="en-US" sz="1200" dirty="0" err="1" smtClean="0"/>
+              <a:rPr lang="en-US" sz="1200" dirty="0" err="1"/>
               <a:t>omics</a:t>
             </a:r>
             <a:r>
-              <a:rPr lang="en-US" sz="1200" dirty="0" smtClean="0"/>
+              <a:rPr lang="en-US" sz="1200" dirty="0"/>
               <a:t> data</a:t>
             </a:r>
           </a:p>
           <a:p>
             <a:r>
-              <a:rPr lang="en-US" sz="1200" dirty="0" smtClean="0"/>
+              <a:rPr lang="en-US" sz="1200" dirty="0"/>
               <a:t>Image analysis/processing</a:t>
             </a:r>
+          </a:p>
+          <a:p>
             <a:endParaRPr lang="en-US" sz="1200" dirty="0"/>
-          </a:p>
-          <a:p>
-            <a:endParaRPr lang="en-US" sz="1200" dirty="0" smtClean="0"/>
           </a:p>
         </p:txBody>
       </p:sp>
@@ -5507,7 +5400,7 @@
           <a:lstStyle/>
           <a:p>
             <a:r>
-              <a:rPr lang="en-US" sz="1200" dirty="0" smtClean="0"/>
+              <a:rPr lang="en-US" sz="1200" dirty="0"/>
               <a:t>Designing/directing data science &amp; machine learning courses</a:t>
             </a:r>
           </a:p>
@@ -5679,19 +5572,19 @@
           <a:lstStyle/>
           <a:p>
             <a:r>
-              <a:rPr lang="en-US" sz="1200" dirty="0" smtClean="0"/>
+              <a:rPr lang="en-US" sz="1200" dirty="0"/>
               <a:t>Software development</a:t>
             </a:r>
           </a:p>
           <a:p>
             <a:r>
-              <a:rPr lang="en-US" sz="1200" dirty="0" smtClean="0"/>
+              <a:rPr lang="en-US" sz="1200" dirty="0"/>
               <a:t>Bioinformatics pipeline development</a:t>
             </a:r>
           </a:p>
           <a:p>
             <a:r>
-              <a:rPr lang="en-US" sz="1200" dirty="0" smtClean="0"/>
+              <a:rPr lang="en-US" sz="1200" dirty="0"/>
               <a:t>NGS analysis/processing</a:t>
             </a:r>
           </a:p>
@@ -5818,19 +5711,19 @@
           <a:lstStyle/>
           <a:p>
             <a:r>
-              <a:rPr lang="en-US" sz="1200" b="1" dirty="0" smtClean="0"/>
+              <a:rPr lang="en-US" sz="1200" b="1" dirty="0"/>
               <a:t>Directed insights using data science</a:t>
             </a:r>
           </a:p>
           <a:p>
             <a:r>
-              <a:rPr lang="en-US" sz="1200" dirty="0" smtClean="0"/>
+              <a:rPr lang="en-US" sz="1200" dirty="0"/>
               <a:t>Mathematical &amp; statistical modeling</a:t>
             </a:r>
           </a:p>
           <a:p>
             <a:r>
-              <a:rPr lang="en-US" sz="1200" dirty="0" smtClean="0"/>
+              <a:rPr lang="en-US" sz="1200" dirty="0"/>
               <a:t>Visualization </a:t>
             </a:r>
           </a:p>
@@ -5957,61 +5850,61 @@
           <a:lstStyle/>
           <a:p>
             <a:r>
-              <a:rPr lang="en-US" sz="1200" dirty="0" smtClean="0"/>
-              <a:t>Data science (13 years)</a:t>
-            </a:r>
-          </a:p>
-          <a:p>
-            <a:r>
-              <a:rPr lang="en-US" sz="1200" dirty="0" smtClean="0"/>
+              <a:rPr lang="en-US" sz="1200" dirty="0"/>
+              <a:t>Data science (15 years)</a:t>
+            </a:r>
+          </a:p>
+          <a:p>
+            <a:r>
+              <a:rPr lang="en-US" sz="1200" dirty="0"/>
               <a:t>Machine learning</a:t>
             </a:r>
           </a:p>
           <a:p>
             <a:r>
-              <a:rPr lang="en-US" sz="1200" dirty="0" smtClean="0"/>
+              <a:rPr lang="en-US" sz="1200" dirty="0"/>
               <a:t>Several bioinformatics tools</a:t>
             </a:r>
           </a:p>
           <a:p>
             <a:r>
-              <a:rPr lang="en-US" sz="1200" dirty="0" smtClean="0"/>
+              <a:rPr lang="en-US" sz="1200" dirty="0"/>
               <a:t>Implementation skills</a:t>
             </a:r>
           </a:p>
           <a:p>
             <a:r>
-              <a:rPr lang="en-US" sz="1200" dirty="0" smtClean="0"/>
+              <a:rPr lang="en-US" sz="1200" dirty="0"/>
               <a:t>R/Python/Other </a:t>
             </a:r>
           </a:p>
           <a:p>
             <a:r>
-              <a:rPr lang="en-US" sz="1200" dirty="0" smtClean="0"/>
+              <a:rPr lang="en-US" sz="1200" dirty="0"/>
               <a:t>Strong Unix skills</a:t>
             </a:r>
           </a:p>
           <a:p>
             <a:r>
-              <a:rPr lang="en-US" sz="1200" dirty="0" smtClean="0"/>
+              <a:rPr lang="en-US" sz="1200" dirty="0"/>
               <a:t>Image analysis</a:t>
             </a:r>
           </a:p>
           <a:p>
             <a:r>
-              <a:rPr lang="en-US" sz="1200" dirty="0" smtClean="0"/>
+              <a:rPr lang="en-US" sz="1200" dirty="0"/>
               <a:t>Statistics, Mathematics</a:t>
             </a:r>
           </a:p>
           <a:p>
             <a:r>
-              <a:rPr lang="en-US" sz="1200" dirty="0" smtClean="0"/>
+              <a:rPr lang="en-US" sz="1200" dirty="0"/>
               <a:t>Academic research</a:t>
             </a:r>
           </a:p>
           <a:p>
             <a:r>
-              <a:rPr lang="en-US" sz="1200" dirty="0" smtClean="0"/>
+              <a:rPr lang="en-US" sz="1200" dirty="0"/>
               <a:t>Top publications</a:t>
             </a:r>
           </a:p>
@@ -6211,18 +6104,13 @@
               </a:lnSpc>
             </a:pPr>
             <a:r>
-              <a:rPr lang="en-US" dirty="0" smtClean="0">
+              <a:rPr lang="en-US" dirty="0">
                 <a:solidFill>
                   <a:srgbClr val="000000"/>
                 </a:solidFill>
               </a:rPr>
-              <a:t>Data Scientist (13 years)</a:t>
-            </a:r>
-            <a:endParaRPr lang="en-US" dirty="0">
-              <a:solidFill>
-                <a:srgbClr val="000000"/>
-              </a:solidFill>
-            </a:endParaRPr>
+              <a:t>Data Scientist (15 years)</a:t>
+            </a:r>
           </a:p>
         </p:txBody>
       </p:sp>
@@ -6285,7 +6173,7 @@
         </p:nvSpPr>
         <p:spPr>
           <a:xfrm>
-            <a:off x="5602688" y="6001774"/>
+            <a:off x="5613198" y="6001774"/>
             <a:ext cx="3431226" cy="738664"/>
           </a:xfrm>
           <a:prstGeom prst="rect">
@@ -6300,23 +6188,25 @@
           <a:lstStyle/>
           <a:p>
             <a:r>
-              <a:rPr lang="en-US" sz="1400" dirty="0" smtClean="0"/>
-              <a:t>Address: 8-16 Susan Pl. Fair Lawn, NJ Contact: 646 771 3500; </a:t>
-            </a:r>
-            <a:r>
-              <a:rPr lang="en-US" sz="1400" dirty="0" err="1" smtClean="0"/>
+              <a:rPr lang="en-US" sz="1400" dirty="0"/>
+              <a:t>Address: 25707 Jordan Ter. Ln. Katy -77494</a:t>
+            </a:r>
+          </a:p>
+          <a:p>
+            <a:r>
+              <a:rPr lang="en-US" sz="1400" dirty="0"/>
+              <a:t>Contact: 551 284 9106; </a:t>
+            </a:r>
+            <a:r>
+              <a:rPr lang="en-US" sz="1400" dirty="0" err="1"/>
               <a:t>kasthuri@gmail.com</a:t>
             </a:r>
-            <a:endParaRPr lang="en-US" sz="1400" dirty="0" smtClean="0"/>
-          </a:p>
-          <a:p>
-            <a:r>
-              <a:rPr lang="en-US" sz="1400" dirty="0" smtClean="0"/>
-              <a:t>Visit https</a:t>
-            </a:r>
+            <a:endParaRPr lang="en-US" sz="1400" dirty="0"/>
+          </a:p>
+          <a:p>
             <a:r>
               <a:rPr lang="en-US" sz="1400" dirty="0"/>
-              <a:t>://</a:t>
+              <a:t>Visit https://</a:t>
             </a:r>
             <a:r>
               <a:rPr lang="en-US" sz="1400" dirty="0" err="1"/>
@@ -6360,17 +6250,7 @@
                 <a:latin typeface="Arial"/>
                 <a:cs typeface="Arial"/>
               </a:rPr>
-              <a:t>w</a:t>
-            </a:r>
-            <a:r>
-              <a:rPr lang="en-US" sz="1600" b="1" dirty="0" smtClean="0">
-                <a:solidFill>
-                  <a:srgbClr val="FFFFFF"/>
-                </a:solidFill>
-                <a:latin typeface="Arial"/>
-                <a:cs typeface="Arial"/>
-              </a:rPr>
-              <a:t>ork </a:t>
+              <a:t>work </a:t>
             </a:r>
           </a:p>
           <a:p>
@@ -6383,25 +6263,8 @@
                 <a:latin typeface="Arial"/>
                 <a:cs typeface="Arial"/>
               </a:rPr>
-              <a:t>e</a:t>
-            </a:r>
-            <a:r>
-              <a:rPr lang="en-US" sz="1600" b="1" dirty="0" smtClean="0">
-                <a:solidFill>
-                  <a:srgbClr val="FFFFFF"/>
-                </a:solidFill>
-                <a:latin typeface="Arial"/>
-                <a:cs typeface="Arial"/>
-              </a:rPr>
-              <a:t>xperience</a:t>
-            </a:r>
-            <a:endParaRPr lang="en-US" sz="1600" b="1" dirty="0">
-              <a:solidFill>
-                <a:srgbClr val="FFFFFF"/>
-              </a:solidFill>
-              <a:latin typeface="Arial"/>
-              <a:cs typeface="Arial"/>
-            </a:endParaRPr>
+              <a:t>experience</a:t>
+            </a:r>
           </a:p>
         </p:txBody>
       </p:sp>
@@ -6474,7 +6337,7 @@
           <a:p>
             <a:pPr algn="ctr"/>
             <a:r>
-              <a:rPr lang="en-US" sz="1600" b="1" dirty="0" smtClean="0">
+              <a:rPr lang="en-US" sz="1600" b="1" dirty="0">
                 <a:solidFill>
                   <a:srgbClr val="FFFFFF"/>
                 </a:solidFill>
@@ -6487,7 +6350,7 @@
           <a:p>
             <a:pPr algn="ctr"/>
             <a:r>
-              <a:rPr lang="en-US" sz="1600" b="1" dirty="0" smtClean="0">
+              <a:rPr lang="en-US" sz="1600" b="1" dirty="0">
                 <a:solidFill>
                   <a:srgbClr val="FFFFFF"/>
                 </a:solidFill>
@@ -6496,13 +6359,6 @@
               </a:rPr>
               <a:t>efforts</a:t>
             </a:r>
-            <a:endParaRPr lang="en-US" sz="1600" b="1" dirty="0">
-              <a:solidFill>
-                <a:srgbClr val="FFFFFF"/>
-              </a:solidFill>
-              <a:latin typeface="Arial"/>
-              <a:cs typeface="Arial"/>
-            </a:endParaRPr>
           </a:p>
         </p:txBody>
       </p:sp>
@@ -6516,13 +6372,6 @@
   <p:clrMapOvr>
     <a:masterClrMapping/>
   </p:clrMapOvr>
-  <p:timing>
-    <p:tnLst>
-      <p:par>
-        <p:cTn xmlns:p14="http://schemas.microsoft.com/office/powerpoint/2010/main" id="1" dur="indefinite" restart="never" nodeType="tmRoot"/>
-      </p:par>
-    </p:tnLst>
-  </p:timing>
 </p:sld>
 </file>
 
